--- a/interactive_helper/Interactive helper.pptx
+++ b/interactive_helper/Interactive helper.pptx
@@ -5,17 +5,18 @@
     <p:sldMasterId id="2147483828" r:id="rId4"/>
   </p:sldMasterIdLst>
   <p:notesMasterIdLst>
-    <p:notesMasterId r:id="rId10"/>
+    <p:notesMasterId r:id="rId11"/>
   </p:notesMasterIdLst>
   <p:handoutMasterIdLst>
-    <p:handoutMasterId r:id="rId11"/>
+    <p:handoutMasterId r:id="rId12"/>
   </p:handoutMasterIdLst>
   <p:sldIdLst>
     <p:sldId id="256" r:id="rId5"/>
     <p:sldId id="257" r:id="rId6"/>
     <p:sldId id="259" r:id="rId7"/>
-    <p:sldId id="260" r:id="rId8"/>
-    <p:sldId id="258" r:id="rId9"/>
+    <p:sldId id="258" r:id="rId8"/>
+    <p:sldId id="260" r:id="rId9"/>
+    <p:sldId id="261" r:id="rId10"/>
   </p:sldIdLst>
   <p:sldSz cx="12192000" cy="6858000"/>
   <p:notesSz cx="6858000" cy="9144000"/>
@@ -125,1279 +126,6 @@
 </p:presentation>
 </file>
 
-<file path=ppt/charts/chart1.xml><?xml version="1.0" encoding="utf-8"?>
-<c:chartSpace xmlns:c="http://schemas.openxmlformats.org/drawingml/2006/chart" xmlns:a="http://schemas.openxmlformats.org/drawingml/2006/main" xmlns:r="http://schemas.openxmlformats.org/officeDocument/2006/relationships">
-  <c:date1904 val="0"/>
-  <c:lang val="es-ES"/>
-  <c:roundedCorners val="0"/>
-  <mc:AlternateContent xmlns:mc="http://schemas.openxmlformats.org/markup-compatibility/2006">
-    <mc:Choice xmlns:c14="http://schemas.microsoft.com/office/drawing/2007/8/2/chart" Requires="c14">
-      <c14:style val="106"/>
-    </mc:Choice>
-    <mc:Fallback>
-      <c:style val="6"/>
-    </mc:Fallback>
-  </mc:AlternateContent>
-  <c:chart>
-    <c:autoTitleDeleted val="1"/>
-    <c:plotArea>
-      <c:layout/>
-      <c:barChart>
-        <c:barDir val="col"/>
-        <c:grouping val="clustered"/>
-        <c:varyColors val="0"/>
-        <c:ser>
-          <c:idx val="0"/>
-          <c:order val="0"/>
-          <c:tx>
-            <c:strRef>
-              <c:f>Sheet1!$B$1</c:f>
-              <c:strCache>
-                <c:ptCount val="1"/>
-                <c:pt idx="0">
-                  <c:v>Volumen</c:v>
-                </c:pt>
-              </c:strCache>
-            </c:strRef>
-          </c:tx>
-          <c:spPr>
-            <a:solidFill>
-              <a:schemeClr val="accent6">
-                <a:lumMod val="20000"/>
-                <a:lumOff val="80000"/>
-              </a:schemeClr>
-            </a:solidFill>
-            <a:ln w="19050">
-              <a:noFill/>
-            </a:ln>
-            <a:effectLst/>
-          </c:spPr>
-          <c:invertIfNegative val="0"/>
-          <c:cat>
-            <c:strRef>
-              <c:f>Sheet1!$A$2:$A$6</c:f>
-              <c:strCache>
-                <c:ptCount val="5"/>
-                <c:pt idx="0">
-                  <c:v>5/1/20AA</c:v>
-                </c:pt>
-                <c:pt idx="1">
-                  <c:v>6/1/20AA</c:v>
-                </c:pt>
-                <c:pt idx="2">
-                  <c:v>7/1/20AA</c:v>
-                </c:pt>
-                <c:pt idx="3">
-                  <c:v>8/1/20AA</c:v>
-                </c:pt>
-                <c:pt idx="4">
-                  <c:v>9/1/20AA</c:v>
-                </c:pt>
-              </c:strCache>
-            </c:strRef>
-          </c:cat>
-          <c:val>
-            <c:numRef>
-              <c:f>Sheet1!$B$2:$B$6</c:f>
-              <c:numCache>
-                <c:formatCode>General</c:formatCode>
-                <c:ptCount val="5"/>
-                <c:pt idx="0">
-                  <c:v>70</c:v>
-                </c:pt>
-                <c:pt idx="1">
-                  <c:v>120</c:v>
-                </c:pt>
-                <c:pt idx="2">
-                  <c:v>150</c:v>
-                </c:pt>
-                <c:pt idx="3">
-                  <c:v>135</c:v>
-                </c:pt>
-                <c:pt idx="4">
-                  <c:v>148</c:v>
-                </c:pt>
-              </c:numCache>
-            </c:numRef>
-          </c:val>
-          <c:extLst xmlns:c16r2="http://schemas.microsoft.com/office/drawing/2015/06/chart">
-            <c:ext xmlns:c16="http://schemas.microsoft.com/office/drawing/2014/chart" uri="{C3380CC4-5D6E-409C-BE32-E72D297353CC}">
-              <c16:uniqueId val="{00000000-C347-46B4-AD93-192D80B04C89}"/>
-            </c:ext>
-          </c:extLst>
-        </c:ser>
-        <c:dLbls>
-          <c:showLegendKey val="0"/>
-          <c:showVal val="0"/>
-          <c:showCatName val="0"/>
-          <c:showSerName val="0"/>
-          <c:showPercent val="0"/>
-          <c:showBubbleSize val="0"/>
-        </c:dLbls>
-        <c:gapWidth val="150"/>
-        <c:axId val="605437280"/>
-        <c:axId val="605440544"/>
-      </c:barChart>
-      <c:stockChart>
-        <c:ser>
-          <c:idx val="1"/>
-          <c:order val="1"/>
-          <c:tx>
-            <c:strRef>
-              <c:f>Sheet1!$C$1</c:f>
-              <c:strCache>
-                <c:ptCount val="1"/>
-                <c:pt idx="0">
-                  <c:v>Abrir</c:v>
-                </c:pt>
-              </c:strCache>
-            </c:strRef>
-          </c:tx>
-          <c:spPr>
-            <a:ln w="19050" cap="rnd">
-              <a:noFill/>
-              <a:round/>
-            </a:ln>
-            <a:effectLst/>
-          </c:spPr>
-          <c:marker>
-            <c:symbol val="none"/>
-          </c:marker>
-          <c:cat>
-            <c:strRef>
-              <c:f>Sheet1!$A$2:$A$6</c:f>
-              <c:strCache>
-                <c:ptCount val="5"/>
-                <c:pt idx="0">
-                  <c:v>5/1/20AA</c:v>
-                </c:pt>
-                <c:pt idx="1">
-                  <c:v>6/1/20AA</c:v>
-                </c:pt>
-                <c:pt idx="2">
-                  <c:v>7/1/20AA</c:v>
-                </c:pt>
-                <c:pt idx="3">
-                  <c:v>8/1/20AA</c:v>
-                </c:pt>
-                <c:pt idx="4">
-                  <c:v>9/1/20AA</c:v>
-                </c:pt>
-              </c:strCache>
-            </c:strRef>
-          </c:cat>
-          <c:val>
-            <c:numRef>
-              <c:f>Sheet1!$C$2:$C$6</c:f>
-              <c:numCache>
-                <c:formatCode>General</c:formatCode>
-                <c:ptCount val="5"/>
-                <c:pt idx="0">
-                  <c:v>44</c:v>
-                </c:pt>
-                <c:pt idx="1">
-                  <c:v>25</c:v>
-                </c:pt>
-                <c:pt idx="2">
-                  <c:v>38</c:v>
-                </c:pt>
-                <c:pt idx="3">
-                  <c:v>50</c:v>
-                </c:pt>
-                <c:pt idx="4">
-                  <c:v>34</c:v>
-                </c:pt>
-              </c:numCache>
-            </c:numRef>
-          </c:val>
-          <c:smooth val="0"/>
-          <c:extLst xmlns:c16r2="http://schemas.microsoft.com/office/drawing/2015/06/chart">
-            <c:ext xmlns:c16="http://schemas.microsoft.com/office/drawing/2014/chart" uri="{C3380CC4-5D6E-409C-BE32-E72D297353CC}">
-              <c16:uniqueId val="{00000001-C347-46B4-AD93-192D80B04C89}"/>
-            </c:ext>
-          </c:extLst>
-        </c:ser>
-        <c:ser>
-          <c:idx val="2"/>
-          <c:order val="2"/>
-          <c:tx>
-            <c:strRef>
-              <c:f>Sheet1!$D$1</c:f>
-              <c:strCache>
-                <c:ptCount val="1"/>
-                <c:pt idx="0">
-                  <c:v>Alto</c:v>
-                </c:pt>
-              </c:strCache>
-            </c:strRef>
-          </c:tx>
-          <c:spPr>
-            <a:ln w="19050" cap="rnd">
-              <a:noFill/>
-              <a:round/>
-            </a:ln>
-            <a:effectLst/>
-          </c:spPr>
-          <c:marker>
-            <c:symbol val="none"/>
-          </c:marker>
-          <c:cat>
-            <c:strRef>
-              <c:f>Sheet1!$A$2:$A$6</c:f>
-              <c:strCache>
-                <c:ptCount val="5"/>
-                <c:pt idx="0">
-                  <c:v>5/1/20AA</c:v>
-                </c:pt>
-                <c:pt idx="1">
-                  <c:v>6/1/20AA</c:v>
-                </c:pt>
-                <c:pt idx="2">
-                  <c:v>7/1/20AA</c:v>
-                </c:pt>
-                <c:pt idx="3">
-                  <c:v>8/1/20AA</c:v>
-                </c:pt>
-                <c:pt idx="4">
-                  <c:v>9/1/20AA</c:v>
-                </c:pt>
-              </c:strCache>
-            </c:strRef>
-          </c:cat>
-          <c:val>
-            <c:numRef>
-              <c:f>Sheet1!$D$2:$D$6</c:f>
-              <c:numCache>
-                <c:formatCode>General</c:formatCode>
-                <c:ptCount val="5"/>
-                <c:pt idx="0">
-                  <c:v>55</c:v>
-                </c:pt>
-                <c:pt idx="1">
-                  <c:v>57</c:v>
-                </c:pt>
-                <c:pt idx="2">
-                  <c:v>57</c:v>
-                </c:pt>
-                <c:pt idx="3">
-                  <c:v>58</c:v>
-                </c:pt>
-                <c:pt idx="4">
-                  <c:v>58</c:v>
-                </c:pt>
-              </c:numCache>
-            </c:numRef>
-          </c:val>
-          <c:smooth val="0"/>
-          <c:extLst xmlns:c16r2="http://schemas.microsoft.com/office/drawing/2015/06/chart">
-            <c:ext xmlns:c16="http://schemas.microsoft.com/office/drawing/2014/chart" uri="{C3380CC4-5D6E-409C-BE32-E72D297353CC}">
-              <c16:uniqueId val="{00000002-C347-46B4-AD93-192D80B04C89}"/>
-            </c:ext>
-          </c:extLst>
-        </c:ser>
-        <c:ser>
-          <c:idx val="3"/>
-          <c:order val="3"/>
-          <c:tx>
-            <c:strRef>
-              <c:f>Sheet1!$E$1</c:f>
-              <c:strCache>
-                <c:ptCount val="1"/>
-                <c:pt idx="0">
-                  <c:v>Bajo</c:v>
-                </c:pt>
-              </c:strCache>
-            </c:strRef>
-          </c:tx>
-          <c:spPr>
-            <a:ln w="19050" cap="rnd">
-              <a:noFill/>
-              <a:round/>
-            </a:ln>
-            <a:effectLst/>
-          </c:spPr>
-          <c:marker>
-            <c:symbol val="none"/>
-          </c:marker>
-          <c:cat>
-            <c:strRef>
-              <c:f>Sheet1!$A$2:$A$6</c:f>
-              <c:strCache>
-                <c:ptCount val="5"/>
-                <c:pt idx="0">
-                  <c:v>5/1/20AA</c:v>
-                </c:pt>
-                <c:pt idx="1">
-                  <c:v>6/1/20AA</c:v>
-                </c:pt>
-                <c:pt idx="2">
-                  <c:v>7/1/20AA</c:v>
-                </c:pt>
-                <c:pt idx="3">
-                  <c:v>8/1/20AA</c:v>
-                </c:pt>
-                <c:pt idx="4">
-                  <c:v>9/1/20AA</c:v>
-                </c:pt>
-              </c:strCache>
-            </c:strRef>
-          </c:cat>
-          <c:val>
-            <c:numRef>
-              <c:f>Sheet1!$E$2:$E$6</c:f>
-              <c:numCache>
-                <c:formatCode>General</c:formatCode>
-                <c:ptCount val="5"/>
-                <c:pt idx="0">
-                  <c:v>11</c:v>
-                </c:pt>
-                <c:pt idx="1">
-                  <c:v>12</c:v>
-                </c:pt>
-                <c:pt idx="2">
-                  <c:v>13</c:v>
-                </c:pt>
-                <c:pt idx="3">
-                  <c:v>11</c:v>
-                </c:pt>
-                <c:pt idx="4">
-                  <c:v>25</c:v>
-                </c:pt>
-              </c:numCache>
-            </c:numRef>
-          </c:val>
-          <c:smooth val="0"/>
-          <c:extLst xmlns:c16r2="http://schemas.microsoft.com/office/drawing/2015/06/chart">
-            <c:ext xmlns:c16="http://schemas.microsoft.com/office/drawing/2014/chart" uri="{C3380CC4-5D6E-409C-BE32-E72D297353CC}">
-              <c16:uniqueId val="{00000003-C347-46B4-AD93-192D80B04C89}"/>
-            </c:ext>
-          </c:extLst>
-        </c:ser>
-        <c:ser>
-          <c:idx val="4"/>
-          <c:order val="4"/>
-          <c:tx>
-            <c:strRef>
-              <c:f>Sheet1!$F$1</c:f>
-              <c:strCache>
-                <c:ptCount val="1"/>
-                <c:pt idx="0">
-                  <c:v>Cerrar</c:v>
-                </c:pt>
-              </c:strCache>
-            </c:strRef>
-          </c:tx>
-          <c:spPr>
-            <a:ln w="19050" cap="rnd">
-              <a:noFill/>
-              <a:round/>
-            </a:ln>
-            <a:effectLst/>
-          </c:spPr>
-          <c:marker>
-            <c:symbol val="none"/>
-          </c:marker>
-          <c:cat>
-            <c:strRef>
-              <c:f>Sheet1!$A$2:$A$6</c:f>
-              <c:strCache>
-                <c:ptCount val="5"/>
-                <c:pt idx="0">
-                  <c:v>5/1/20AA</c:v>
-                </c:pt>
-                <c:pt idx="1">
-                  <c:v>6/1/20AA</c:v>
-                </c:pt>
-                <c:pt idx="2">
-                  <c:v>7/1/20AA</c:v>
-                </c:pt>
-                <c:pt idx="3">
-                  <c:v>8/1/20AA</c:v>
-                </c:pt>
-                <c:pt idx="4">
-                  <c:v>9/1/20AA</c:v>
-                </c:pt>
-              </c:strCache>
-            </c:strRef>
-          </c:cat>
-          <c:val>
-            <c:numRef>
-              <c:f>Sheet1!$F$2:$F$6</c:f>
-              <c:numCache>
-                <c:formatCode>General</c:formatCode>
-                <c:ptCount val="5"/>
-                <c:pt idx="0">
-                  <c:v>25</c:v>
-                </c:pt>
-                <c:pt idx="1">
-                  <c:v>38</c:v>
-                </c:pt>
-                <c:pt idx="2">
-                  <c:v>50</c:v>
-                </c:pt>
-                <c:pt idx="3">
-                  <c:v>35</c:v>
-                </c:pt>
-                <c:pt idx="4">
-                  <c:v>43</c:v>
-                </c:pt>
-              </c:numCache>
-            </c:numRef>
-          </c:val>
-          <c:smooth val="0"/>
-          <c:extLst xmlns:c16r2="http://schemas.microsoft.com/office/drawing/2015/06/chart">
-            <c:ext xmlns:c16="http://schemas.microsoft.com/office/drawing/2014/chart" uri="{C3380CC4-5D6E-409C-BE32-E72D297353CC}">
-              <c16:uniqueId val="{00000004-C347-46B4-AD93-192D80B04C89}"/>
-            </c:ext>
-          </c:extLst>
-        </c:ser>
-        <c:dLbls>
-          <c:showLegendKey val="0"/>
-          <c:showVal val="0"/>
-          <c:showCatName val="0"/>
-          <c:showSerName val="0"/>
-          <c:showPercent val="0"/>
-          <c:showBubbleSize val="0"/>
-        </c:dLbls>
-        <c:hiLowLines>
-          <c:spPr>
-            <a:ln w="9525" cap="flat" cmpd="sng" algn="ctr">
-              <a:solidFill>
-                <a:schemeClr val="tx1">
-                  <a:lumMod val="75000"/>
-                  <a:lumOff val="25000"/>
-                </a:schemeClr>
-              </a:solidFill>
-              <a:round/>
-            </a:ln>
-            <a:effectLst/>
-          </c:spPr>
-        </c:hiLowLines>
-        <c:upDownBars>
-          <c:gapWidth val="150"/>
-          <c:upBars>
-            <c:spPr>
-              <a:solidFill>
-                <a:schemeClr val="lt1"/>
-              </a:solidFill>
-              <a:ln w="9525" cap="flat" cmpd="sng" algn="ctr">
-                <a:solidFill>
-                  <a:schemeClr val="tx1">
-                    <a:lumMod val="65000"/>
-                    <a:lumOff val="35000"/>
-                  </a:schemeClr>
-                </a:solidFill>
-                <a:round/>
-              </a:ln>
-              <a:effectLst/>
-            </c:spPr>
-          </c:upBars>
-          <c:downBars>
-            <c:spPr>
-              <a:solidFill>
-                <a:schemeClr val="dk1">
-                  <a:lumMod val="75000"/>
-                  <a:lumOff val="25000"/>
-                </a:schemeClr>
-              </a:solidFill>
-              <a:ln w="9525" cap="flat" cmpd="sng" algn="ctr">
-                <a:solidFill>
-                  <a:schemeClr val="tx1">
-                    <a:lumMod val="65000"/>
-                    <a:lumOff val="35000"/>
-                  </a:schemeClr>
-                </a:solidFill>
-                <a:round/>
-              </a:ln>
-              <a:effectLst/>
-            </c:spPr>
-          </c:downBars>
-        </c:upDownBars>
-        <c:axId val="605441088"/>
-        <c:axId val="605436736"/>
-      </c:stockChart>
-      <c:catAx>
-        <c:axId val="605437280"/>
-        <c:scaling>
-          <c:orientation val="minMax"/>
-        </c:scaling>
-        <c:delete val="0"/>
-        <c:axPos val="b"/>
-        <c:numFmt formatCode="General" sourceLinked="1"/>
-        <c:majorTickMark val="none"/>
-        <c:minorTickMark val="none"/>
-        <c:tickLblPos val="nextTo"/>
-        <c:spPr>
-          <a:noFill/>
-          <a:ln w="9525" cap="flat" cmpd="sng" algn="ctr">
-            <a:solidFill>
-              <a:schemeClr val="tx1">
-                <a:lumMod val="15000"/>
-                <a:lumOff val="85000"/>
-              </a:schemeClr>
-            </a:solidFill>
-            <a:round/>
-          </a:ln>
-          <a:effectLst/>
-        </c:spPr>
-        <c:txPr>
-          <a:bodyPr rot="-60000000" spcFirstLastPara="1" vertOverflow="ellipsis" vert="horz" wrap="square" anchor="ctr" anchorCtr="1"/>
-          <a:lstStyle/>
-          <a:p>
-            <a:pPr>
-              <a:defRPr lang="es-ES" sz="1197" b="0" i="0" u="none" strike="noStrike" kern="1200" baseline="0" noProof="0">
-                <a:solidFill>
-                  <a:schemeClr val="tx1">
-                    <a:lumMod val="65000"/>
-                    <a:lumOff val="35000"/>
-                  </a:schemeClr>
-                </a:solidFill>
-                <a:latin typeface="+mn-lt"/>
-                <a:ea typeface="+mn-ea"/>
-                <a:cs typeface="+mn-cs"/>
-              </a:defRPr>
-            </a:pPr>
-            <a:endParaRPr lang="es-ES"/>
-          </a:p>
-        </c:txPr>
-        <c:crossAx val="605440544"/>
-        <c:crosses val="autoZero"/>
-        <c:auto val="1"/>
-        <c:lblAlgn val="ctr"/>
-        <c:lblOffset val="100"/>
-        <c:noMultiLvlLbl val="0"/>
-      </c:catAx>
-      <c:valAx>
-        <c:axId val="605440544"/>
-        <c:scaling>
-          <c:orientation val="minMax"/>
-        </c:scaling>
-        <c:delete val="0"/>
-        <c:axPos val="l"/>
-        <c:majorGridlines>
-          <c:spPr>
-            <a:ln w="9525" cap="flat" cmpd="sng" algn="ctr">
-              <a:solidFill>
-                <a:schemeClr val="tx1">
-                  <a:lumMod val="15000"/>
-                  <a:lumOff val="85000"/>
-                </a:schemeClr>
-              </a:solidFill>
-              <a:round/>
-            </a:ln>
-            <a:effectLst/>
-          </c:spPr>
-        </c:majorGridlines>
-        <c:numFmt formatCode="General" sourceLinked="1"/>
-        <c:majorTickMark val="none"/>
-        <c:minorTickMark val="none"/>
-        <c:tickLblPos val="nextTo"/>
-        <c:spPr>
-          <a:noFill/>
-          <a:ln>
-            <a:noFill/>
-          </a:ln>
-          <a:effectLst/>
-        </c:spPr>
-        <c:txPr>
-          <a:bodyPr rot="-60000000" spcFirstLastPara="1" vertOverflow="ellipsis" vert="horz" wrap="square" anchor="ctr" anchorCtr="1"/>
-          <a:lstStyle/>
-          <a:p>
-            <a:pPr>
-              <a:defRPr lang="es-ES" sz="1197" b="0" i="0" u="none" strike="noStrike" kern="1200" baseline="0" noProof="0">
-                <a:solidFill>
-                  <a:schemeClr val="tx1">
-                    <a:lumMod val="65000"/>
-                    <a:lumOff val="35000"/>
-                  </a:schemeClr>
-                </a:solidFill>
-                <a:latin typeface="+mn-lt"/>
-                <a:ea typeface="+mn-ea"/>
-                <a:cs typeface="+mn-cs"/>
-              </a:defRPr>
-            </a:pPr>
-            <a:endParaRPr lang="es-ES"/>
-          </a:p>
-        </c:txPr>
-        <c:crossAx val="605437280"/>
-        <c:crosses val="autoZero"/>
-        <c:crossBetween val="between"/>
-      </c:valAx>
-      <c:valAx>
-        <c:axId val="605436736"/>
-        <c:scaling>
-          <c:orientation val="minMax"/>
-        </c:scaling>
-        <c:delete val="0"/>
-        <c:axPos val="r"/>
-        <c:majorGridlines>
-          <c:spPr>
-            <a:ln w="9525" cap="flat" cmpd="sng" algn="ctr">
-              <a:solidFill>
-                <a:schemeClr val="tx1">
-                  <a:lumMod val="15000"/>
-                  <a:lumOff val="85000"/>
-                </a:schemeClr>
-              </a:solidFill>
-              <a:round/>
-            </a:ln>
-            <a:effectLst/>
-          </c:spPr>
-        </c:majorGridlines>
-        <c:numFmt formatCode="General" sourceLinked="1"/>
-        <c:majorTickMark val="none"/>
-        <c:minorTickMark val="none"/>
-        <c:tickLblPos val="nextTo"/>
-        <c:spPr>
-          <a:noFill/>
-          <a:ln>
-            <a:noFill/>
-          </a:ln>
-          <a:effectLst/>
-        </c:spPr>
-        <c:txPr>
-          <a:bodyPr rot="-60000000" spcFirstLastPara="1" vertOverflow="ellipsis" vert="horz" wrap="square" anchor="ctr" anchorCtr="1"/>
-          <a:lstStyle/>
-          <a:p>
-            <a:pPr>
-              <a:defRPr lang="es-ES" sz="1197" b="0" i="0" u="none" strike="noStrike" kern="1200" baseline="0" noProof="0">
-                <a:solidFill>
-                  <a:schemeClr val="tx1">
-                    <a:lumMod val="65000"/>
-                    <a:lumOff val="35000"/>
-                  </a:schemeClr>
-                </a:solidFill>
-                <a:latin typeface="+mn-lt"/>
-                <a:ea typeface="+mn-ea"/>
-                <a:cs typeface="+mn-cs"/>
-              </a:defRPr>
-            </a:pPr>
-            <a:endParaRPr lang="es-ES"/>
-          </a:p>
-        </c:txPr>
-        <c:crossAx val="605441088"/>
-        <c:crosses val="max"/>
-        <c:crossBetween val="between"/>
-      </c:valAx>
-      <c:catAx>
-        <c:axId val="605441088"/>
-        <c:scaling>
-          <c:orientation val="minMax"/>
-        </c:scaling>
-        <c:delete val="1"/>
-        <c:axPos val="b"/>
-        <c:numFmt formatCode="General" sourceLinked="1"/>
-        <c:majorTickMark val="none"/>
-        <c:minorTickMark val="none"/>
-        <c:tickLblPos val="nextTo"/>
-        <c:crossAx val="605436736"/>
-        <c:crosses val="autoZero"/>
-        <c:auto val="1"/>
-        <c:lblAlgn val="ctr"/>
-        <c:lblOffset val="100"/>
-        <c:noMultiLvlLbl val="0"/>
-      </c:catAx>
-      <c:spPr>
-        <a:noFill/>
-        <a:ln>
-          <a:noFill/>
-        </a:ln>
-        <a:effectLst/>
-      </c:spPr>
-    </c:plotArea>
-    <c:legend>
-      <c:legendPos val="b"/>
-      <c:layout/>
-      <c:overlay val="0"/>
-      <c:spPr>
-        <a:noFill/>
-        <a:ln>
-          <a:noFill/>
-        </a:ln>
-        <a:effectLst/>
-      </c:spPr>
-      <c:txPr>
-        <a:bodyPr rot="0" spcFirstLastPara="1" vertOverflow="ellipsis" vert="horz" wrap="square" anchor="ctr" anchorCtr="1"/>
-        <a:lstStyle/>
-        <a:p>
-          <a:pPr>
-            <a:defRPr lang="es-ES" sz="1197" b="0" i="0" u="none" strike="noStrike" kern="1200" baseline="0" noProof="0">
-              <a:solidFill>
-                <a:schemeClr val="tx1">
-                  <a:lumMod val="65000"/>
-                  <a:lumOff val="35000"/>
-                </a:schemeClr>
-              </a:solidFill>
-              <a:latin typeface="+mn-lt"/>
-              <a:ea typeface="+mn-ea"/>
-              <a:cs typeface="+mn-cs"/>
-            </a:defRPr>
-          </a:pPr>
-          <a:endParaRPr lang="es-ES"/>
-        </a:p>
-      </c:txPr>
-    </c:legend>
-    <c:plotVisOnly val="1"/>
-    <c:dispBlanksAs val="gap"/>
-    <c:showDLblsOverMax val="0"/>
-    <c:extLst xmlns:c16r2="http://schemas.microsoft.com/office/drawing/2015/06/chart">
-      <c:ext xmlns:c16r3="http://schemas.microsoft.com/office/drawing/2017/03/chart" uri="{56B9EC1D-385E-4148-901F-78D8002777C0}">
-        <c16r3:dataDisplayOptions16>
-          <c16r3:dispNaAsBlank val="1"/>
-        </c16r3:dataDisplayOptions16>
-      </c:ext>
-    </c:extLst>
-  </c:chart>
-  <c:spPr>
-    <a:noFill/>
-    <a:ln>
-      <a:noFill/>
-    </a:ln>
-    <a:effectLst/>
-  </c:spPr>
-  <c:txPr>
-    <a:bodyPr/>
-    <a:lstStyle/>
-    <a:p>
-      <a:pPr>
-        <a:defRPr lang="es-ES" noProof="0"/>
-      </a:pPr>
-      <a:endParaRPr lang="es-ES"/>
-    </a:p>
-  </c:txPr>
-  <c:externalData r:id="rId3">
-    <c:autoUpdate val="0"/>
-  </c:externalData>
-</c:chartSpace>
-</file>
-
-<file path=ppt/charts/colors1.xml><?xml version="1.0" encoding="utf-8"?>
-<cs:colorStyle xmlns:cs="http://schemas.microsoft.com/office/drawing/2012/chartStyle" xmlns:a="http://schemas.openxmlformats.org/drawingml/2006/main" meth="withinLinear" id="6">
-  <a:schemeClr val="accent4"/>
-  <a:schemeClr val="accent4"/>
-  <a:schemeClr val="accent4"/>
-  <a:schemeClr val="accent4"/>
-  <a:schemeClr val="accent4"/>
-  <a:schemeClr val="accent4"/>
-</cs:colorStyle>
-</file>
-
-<file path=ppt/charts/style1.xml><?xml version="1.0" encoding="utf-8"?>
-<cs:chartStyle xmlns:cs="http://schemas.microsoft.com/office/drawing/2012/chartStyle" xmlns:a="http://schemas.openxmlformats.org/drawingml/2006/main" id="322">
-  <cs:axisTitle>
-    <cs:lnRef idx="0"/>
-    <cs:fillRef idx="0"/>
-    <cs:effectRef idx="0"/>
-    <cs:fontRef idx="minor">
-      <a:schemeClr val="tx1">
-        <a:lumMod val="65000"/>
-        <a:lumOff val="35000"/>
-      </a:schemeClr>
-    </cs:fontRef>
-    <cs:defRPr sz="1330" kern="1200"/>
-  </cs:axisTitle>
-  <cs:categoryAxis>
-    <cs:lnRef idx="0"/>
-    <cs:fillRef idx="0"/>
-    <cs:effectRef idx="0"/>
-    <cs:fontRef idx="minor">
-      <a:schemeClr val="tx1">
-        <a:lumMod val="65000"/>
-        <a:lumOff val="35000"/>
-      </a:schemeClr>
-    </cs:fontRef>
-    <cs:spPr>
-      <a:ln w="9525" cap="flat" cmpd="sng" algn="ctr">
-        <a:solidFill>
-          <a:schemeClr val="tx1">
-            <a:lumMod val="15000"/>
-            <a:lumOff val="85000"/>
-          </a:schemeClr>
-        </a:solidFill>
-        <a:round/>
-      </a:ln>
-    </cs:spPr>
-    <cs:defRPr sz="1197" kern="1200"/>
-  </cs:categoryAxis>
-  <cs:chartArea mods="allowNoFillOverride allowNoLineOverride">
-    <cs:lnRef idx="0"/>
-    <cs:fillRef idx="0"/>
-    <cs:effectRef idx="0"/>
-    <cs:fontRef idx="minor">
-      <a:schemeClr val="tx1"/>
-    </cs:fontRef>
-    <cs:spPr>
-      <a:solidFill>
-        <a:schemeClr val="bg1"/>
-      </a:solidFill>
-      <a:ln w="9525" cap="flat" cmpd="sng" algn="ctr">
-        <a:solidFill>
-          <a:schemeClr val="tx1">
-            <a:lumMod val="15000"/>
-            <a:lumOff val="85000"/>
-          </a:schemeClr>
-        </a:solidFill>
-        <a:round/>
-      </a:ln>
-    </cs:spPr>
-    <cs:defRPr sz="1330" kern="1200"/>
-  </cs:chartArea>
-  <cs:dataLabel>
-    <cs:lnRef idx="0"/>
-    <cs:fillRef idx="0"/>
-    <cs:effectRef idx="0"/>
-    <cs:fontRef idx="minor">
-      <a:schemeClr val="tx1">
-        <a:lumMod val="75000"/>
-        <a:lumOff val="25000"/>
-      </a:schemeClr>
-    </cs:fontRef>
-    <cs:defRPr sz="1197" kern="1200"/>
-  </cs:dataLabel>
-  <cs:dataLabelCallout>
-    <cs:lnRef idx="0"/>
-    <cs:fillRef idx="0"/>
-    <cs:effectRef idx="0"/>
-    <cs:fontRef idx="minor">
-      <a:schemeClr val="dk1">
-        <a:lumMod val="65000"/>
-        <a:lumOff val="35000"/>
-      </a:schemeClr>
-    </cs:fontRef>
-    <cs:spPr>
-      <a:solidFill>
-        <a:schemeClr val="lt1"/>
-      </a:solidFill>
-      <a:ln>
-        <a:solidFill>
-          <a:schemeClr val="dk1">
-            <a:lumMod val="25000"/>
-            <a:lumOff val="75000"/>
-          </a:schemeClr>
-        </a:solidFill>
-      </a:ln>
-    </cs:spPr>
-    <cs:defRPr sz="1197" kern="1200"/>
-    <cs:bodyPr rot="0" spcFirstLastPara="1" vertOverflow="clip" horzOverflow="clip" vert="horz" wrap="square" lIns="36576" tIns="18288" rIns="36576" bIns="18288" anchor="ctr" anchorCtr="1">
-      <a:spAutoFit/>
-    </cs:bodyPr>
-  </cs:dataLabelCallout>
-  <cs:dataPoint>
-    <cs:lnRef idx="0"/>
-    <cs:fillRef idx="1">
-      <cs:styleClr val="auto"/>
-    </cs:fillRef>
-    <cs:effectRef idx="0"/>
-    <cs:fontRef idx="minor">
-      <a:schemeClr val="tx1"/>
-    </cs:fontRef>
-  </cs:dataPoint>
-  <cs:dataPoint3D>
-    <cs:lnRef idx="0"/>
-    <cs:fillRef idx="1">
-      <cs:styleClr val="auto"/>
-    </cs:fillRef>
-    <cs:effectRef idx="0"/>
-    <cs:fontRef idx="minor">
-      <a:schemeClr val="tx1"/>
-    </cs:fontRef>
-  </cs:dataPoint3D>
-  <cs:dataPointLine>
-    <cs:lnRef idx="0">
-      <cs:styleClr val="auto"/>
-    </cs:lnRef>
-    <cs:fillRef idx="1"/>
-    <cs:effectRef idx="0"/>
-    <cs:fontRef idx="minor">
-      <a:schemeClr val="tx1"/>
-    </cs:fontRef>
-    <cs:spPr>
-      <a:ln w="28575" cap="rnd">
-        <a:solidFill>
-          <a:schemeClr val="phClr"/>
-        </a:solidFill>
-        <a:round/>
-      </a:ln>
-    </cs:spPr>
-  </cs:dataPointLine>
-  <cs:dataPointMarker>
-    <cs:lnRef idx="0">
-      <cs:styleClr val="auto"/>
-    </cs:lnRef>
-    <cs:fillRef idx="1">
-      <cs:styleClr val="auto"/>
-    </cs:fillRef>
-    <cs:effectRef idx="0"/>
-    <cs:fontRef idx="minor">
-      <a:schemeClr val="tx1"/>
-    </cs:fontRef>
-    <cs:spPr>
-      <a:ln w="9525">
-        <a:solidFill>
-          <a:schemeClr val="phClr"/>
-        </a:solidFill>
-      </a:ln>
-    </cs:spPr>
-  </cs:dataPointMarker>
-  <cs:dataPointMarkerLayout symbol="circle" size="5"/>
-  <cs:dataPointWireframe>
-    <cs:lnRef idx="0">
-      <cs:styleClr val="auto"/>
-    </cs:lnRef>
-    <cs:fillRef idx="1"/>
-    <cs:effectRef idx="0"/>
-    <cs:fontRef idx="minor">
-      <a:schemeClr val="tx1"/>
-    </cs:fontRef>
-    <cs:spPr>
-      <a:ln w="9525" cap="rnd">
-        <a:solidFill>
-          <a:schemeClr val="phClr"/>
-        </a:solidFill>
-        <a:round/>
-      </a:ln>
-    </cs:spPr>
-  </cs:dataPointWireframe>
-  <cs:dataTable>
-    <cs:lnRef idx="0"/>
-    <cs:fillRef idx="0"/>
-    <cs:effectRef idx="0"/>
-    <cs:fontRef idx="minor">
-      <a:schemeClr val="tx1">
-        <a:lumMod val="65000"/>
-        <a:lumOff val="35000"/>
-      </a:schemeClr>
-    </cs:fontRef>
-    <cs:spPr>
-      <a:noFill/>
-      <a:ln w="9525" cap="flat" cmpd="sng" algn="ctr">
-        <a:solidFill>
-          <a:schemeClr val="tx1">
-            <a:lumMod val="15000"/>
-            <a:lumOff val="85000"/>
-          </a:schemeClr>
-        </a:solidFill>
-        <a:round/>
-      </a:ln>
-    </cs:spPr>
-    <cs:defRPr sz="1197" kern="1200"/>
-  </cs:dataTable>
-  <cs:downBar>
-    <cs:lnRef idx="0"/>
-    <cs:fillRef idx="0"/>
-    <cs:effectRef idx="0"/>
-    <cs:fontRef idx="minor">
-      <a:schemeClr val="tx1"/>
-    </cs:fontRef>
-    <cs:spPr>
-      <a:solidFill>
-        <a:schemeClr val="dk1">
-          <a:lumMod val="75000"/>
-          <a:lumOff val="25000"/>
-        </a:schemeClr>
-      </a:solidFill>
-      <a:ln w="9525" cap="flat" cmpd="sng" algn="ctr">
-        <a:solidFill>
-          <a:schemeClr val="tx1">
-            <a:lumMod val="65000"/>
-            <a:lumOff val="35000"/>
-          </a:schemeClr>
-        </a:solidFill>
-        <a:round/>
-      </a:ln>
-    </cs:spPr>
-  </cs:downBar>
-  <cs:dropLine>
-    <cs:lnRef idx="0"/>
-    <cs:fillRef idx="0"/>
-    <cs:effectRef idx="0"/>
-    <cs:fontRef idx="minor">
-      <a:schemeClr val="tx1"/>
-    </cs:fontRef>
-    <cs:spPr>
-      <a:ln w="9525" cap="flat" cmpd="sng" algn="ctr">
-        <a:solidFill>
-          <a:schemeClr val="tx1">
-            <a:lumMod val="35000"/>
-            <a:lumOff val="65000"/>
-          </a:schemeClr>
-        </a:solidFill>
-        <a:round/>
-      </a:ln>
-    </cs:spPr>
-  </cs:dropLine>
-  <cs:errorBar>
-    <cs:lnRef idx="0"/>
-    <cs:fillRef idx="0"/>
-    <cs:effectRef idx="0"/>
-    <cs:fontRef idx="minor">
-      <a:schemeClr val="tx1"/>
-    </cs:fontRef>
-    <cs:spPr>
-      <a:ln w="9525" cap="flat" cmpd="sng" algn="ctr">
-        <a:solidFill>
-          <a:schemeClr val="tx1">
-            <a:lumMod val="65000"/>
-            <a:lumOff val="35000"/>
-          </a:schemeClr>
-        </a:solidFill>
-        <a:round/>
-      </a:ln>
-    </cs:spPr>
-  </cs:errorBar>
-  <cs:floor>
-    <cs:lnRef idx="0"/>
-    <cs:fillRef idx="0"/>
-    <cs:effectRef idx="0"/>
-    <cs:fontRef idx="minor">
-      <a:schemeClr val="tx1"/>
-    </cs:fontRef>
-    <cs:spPr>
-      <a:noFill/>
-      <a:ln>
-        <a:noFill/>
-      </a:ln>
-    </cs:spPr>
-  </cs:floor>
-  <cs:gridlineMajor>
-    <cs:lnRef idx="0"/>
-    <cs:fillRef idx="0"/>
-    <cs:effectRef idx="0"/>
-    <cs:fontRef idx="minor">
-      <a:schemeClr val="tx1"/>
-    </cs:fontRef>
-    <cs:spPr>
-      <a:ln w="9525" cap="flat" cmpd="sng" algn="ctr">
-        <a:solidFill>
-          <a:schemeClr val="tx1">
-            <a:lumMod val="15000"/>
-            <a:lumOff val="85000"/>
-          </a:schemeClr>
-        </a:solidFill>
-        <a:round/>
-      </a:ln>
-    </cs:spPr>
-  </cs:gridlineMajor>
-  <cs:gridlineMinor>
-    <cs:lnRef idx="0"/>
-    <cs:fillRef idx="0"/>
-    <cs:effectRef idx="0"/>
-    <cs:fontRef idx="minor">
-      <a:schemeClr val="tx1"/>
-    </cs:fontRef>
-    <cs:spPr>
-      <a:ln w="9525" cap="flat" cmpd="sng" algn="ctr">
-        <a:solidFill>
-          <a:schemeClr val="tx1">
-            <a:lumMod val="5000"/>
-            <a:lumOff val="95000"/>
-          </a:schemeClr>
-        </a:solidFill>
-        <a:round/>
-      </a:ln>
-    </cs:spPr>
-  </cs:gridlineMinor>
-  <cs:hiLoLine>
-    <cs:lnRef idx="0"/>
-    <cs:fillRef idx="0"/>
-    <cs:effectRef idx="0"/>
-    <cs:fontRef idx="minor">
-      <a:schemeClr val="tx1"/>
-    </cs:fontRef>
-    <cs:spPr>
-      <a:ln w="9525" cap="flat" cmpd="sng" algn="ctr">
-        <a:solidFill>
-          <a:schemeClr val="tx1">
-            <a:lumMod val="75000"/>
-            <a:lumOff val="25000"/>
-          </a:schemeClr>
-        </a:solidFill>
-        <a:round/>
-      </a:ln>
-    </cs:spPr>
-  </cs:hiLoLine>
-  <cs:leaderLine>
-    <cs:lnRef idx="0"/>
-    <cs:fillRef idx="0"/>
-    <cs:effectRef idx="0"/>
-    <cs:fontRef idx="minor">
-      <a:schemeClr val="tx1"/>
-    </cs:fontRef>
-    <cs:spPr>
-      <a:ln w="9525" cap="flat" cmpd="sng" algn="ctr">
-        <a:solidFill>
-          <a:schemeClr val="tx1">
-            <a:lumMod val="35000"/>
-            <a:lumOff val="65000"/>
-          </a:schemeClr>
-        </a:solidFill>
-        <a:round/>
-      </a:ln>
-    </cs:spPr>
-  </cs:leaderLine>
-  <cs:legend>
-    <cs:lnRef idx="0"/>
-    <cs:fillRef idx="0"/>
-    <cs:effectRef idx="0"/>
-    <cs:fontRef idx="minor">
-      <a:schemeClr val="tx1">
-        <a:lumMod val="65000"/>
-        <a:lumOff val="35000"/>
-      </a:schemeClr>
-    </cs:fontRef>
-    <cs:defRPr sz="1197" kern="1200"/>
-  </cs:legend>
-  <cs:plotArea mods="allowNoFillOverride allowNoLineOverride">
-    <cs:lnRef idx="0"/>
-    <cs:fillRef idx="0"/>
-    <cs:effectRef idx="0"/>
-    <cs:fontRef idx="minor">
-      <a:schemeClr val="tx1"/>
-    </cs:fontRef>
-  </cs:plotArea>
-  <cs:plotArea3D mods="allowNoFillOverride allowNoLineOverride">
-    <cs:lnRef idx="0"/>
-    <cs:fillRef idx="0"/>
-    <cs:effectRef idx="0"/>
-    <cs:fontRef idx="minor">
-      <a:schemeClr val="tx1"/>
-    </cs:fontRef>
-  </cs:plotArea3D>
-  <cs:seriesAxis>
-    <cs:lnRef idx="0"/>
-    <cs:fillRef idx="0"/>
-    <cs:effectRef idx="0"/>
-    <cs:fontRef idx="minor">
-      <a:schemeClr val="tx1">
-        <a:lumMod val="65000"/>
-        <a:lumOff val="35000"/>
-      </a:schemeClr>
-    </cs:fontRef>
-    <cs:spPr>
-      <a:ln w="9525" cap="flat" cmpd="sng" algn="ctr">
-        <a:solidFill>
-          <a:schemeClr val="tx1">
-            <a:lumMod val="15000"/>
-            <a:lumOff val="85000"/>
-          </a:schemeClr>
-        </a:solidFill>
-        <a:round/>
-      </a:ln>
-    </cs:spPr>
-    <cs:defRPr sz="1197" kern="1200"/>
-  </cs:seriesAxis>
-  <cs:seriesLine>
-    <cs:lnRef idx="0"/>
-    <cs:fillRef idx="0"/>
-    <cs:effectRef idx="0"/>
-    <cs:fontRef idx="minor">
-      <a:schemeClr val="tx1"/>
-    </cs:fontRef>
-    <cs:spPr>
-      <a:ln w="9525" cap="flat" cmpd="sng" algn="ctr">
-        <a:solidFill>
-          <a:schemeClr val="tx1">
-            <a:lumMod val="35000"/>
-            <a:lumOff val="65000"/>
-          </a:schemeClr>
-        </a:solidFill>
-        <a:round/>
-      </a:ln>
-    </cs:spPr>
-  </cs:seriesLine>
-  <cs:title>
-    <cs:lnRef idx="0"/>
-    <cs:fillRef idx="0"/>
-    <cs:effectRef idx="0"/>
-    <cs:fontRef idx="minor">
-      <a:schemeClr val="tx1">
-        <a:lumMod val="65000"/>
-        <a:lumOff val="35000"/>
-      </a:schemeClr>
-    </cs:fontRef>
-    <cs:defRPr sz="1862" b="0" kern="1200" spc="0" baseline="0"/>
-  </cs:title>
-  <cs:trendline>
-    <cs:lnRef idx="0">
-      <cs:styleClr val="auto"/>
-    </cs:lnRef>
-    <cs:fillRef idx="0"/>
-    <cs:effectRef idx="0"/>
-    <cs:fontRef idx="minor">
-      <a:schemeClr val="tx1"/>
-    </cs:fontRef>
-    <cs:spPr>
-      <a:ln w="19050" cap="rnd">
-        <a:solidFill>
-          <a:schemeClr val="phClr"/>
-        </a:solidFill>
-        <a:prstDash val="sysDot"/>
-      </a:ln>
-    </cs:spPr>
-  </cs:trendline>
-  <cs:trendlineLabel>
-    <cs:lnRef idx="0"/>
-    <cs:fillRef idx="0"/>
-    <cs:effectRef idx="0"/>
-    <cs:fontRef idx="minor">
-      <a:schemeClr val="tx1">
-        <a:lumMod val="65000"/>
-        <a:lumOff val="35000"/>
-      </a:schemeClr>
-    </cs:fontRef>
-    <cs:defRPr sz="1197" kern="1200"/>
-  </cs:trendlineLabel>
-  <cs:upBar>
-    <cs:lnRef idx="0"/>
-    <cs:fillRef idx="0"/>
-    <cs:effectRef idx="0"/>
-    <cs:fontRef idx="minor">
-      <a:schemeClr val="tx1"/>
-    </cs:fontRef>
-    <cs:spPr>
-      <a:solidFill>
-        <a:schemeClr val="lt1"/>
-      </a:solidFill>
-      <a:ln w="9525" cap="flat" cmpd="sng" algn="ctr">
-        <a:solidFill>
-          <a:schemeClr val="tx1">
-            <a:lumMod val="65000"/>
-            <a:lumOff val="35000"/>
-          </a:schemeClr>
-        </a:solidFill>
-        <a:round/>
-      </a:ln>
-    </cs:spPr>
-  </cs:upBar>
-  <cs:valueAxis>
-    <cs:lnRef idx="0"/>
-    <cs:fillRef idx="0"/>
-    <cs:effectRef idx="0"/>
-    <cs:fontRef idx="minor">
-      <a:schemeClr val="tx1">
-        <a:lumMod val="65000"/>
-        <a:lumOff val="35000"/>
-      </a:schemeClr>
-    </cs:fontRef>
-    <cs:defRPr sz="1197" kern="1200"/>
-  </cs:valueAxis>
-  <cs:wall>
-    <cs:lnRef idx="0"/>
-    <cs:fillRef idx="0"/>
-    <cs:effectRef idx="0"/>
-    <cs:fontRef idx="minor">
-      <a:schemeClr val="tx1"/>
-    </cs:fontRef>
-    <cs:spPr>
-      <a:noFill/>
-      <a:ln>
-        <a:noFill/>
-      </a:ln>
-    </cs:spPr>
-  </cs:wall>
-</cs:chartStyle>
-</file>
-
 <file path=ppt/diagrams/colors1.xml><?xml version="1.0" encoding="utf-8"?>
 <dgm:colorsDef xmlns:dgm="http://schemas.openxmlformats.org/drawingml/2006/diagram" xmlns:a="http://schemas.openxmlformats.org/drawingml/2006/main" uniqueId="urn:microsoft.com/office/officeart/2018/5/colors/Iconchunking_neutralbg_colorful1">
   <dgm:title val=""/>
@@ -2320,6 +1048,753 @@
 </file>
 
 <file path=ppt/diagrams/colors2.xml><?xml version="1.0" encoding="utf-8"?>
+<dgm:colorsDef xmlns:dgm="http://schemas.openxmlformats.org/drawingml/2006/diagram" xmlns:a="http://schemas.openxmlformats.org/drawingml/2006/main" uniqueId="urn:microsoft.com/office/officeart/2005/8/colors/accent1_2">
+  <dgm:title val=""/>
+  <dgm:desc val=""/>
+  <dgm:catLst>
+    <dgm:cat type="accent1" pri="11200"/>
+  </dgm:catLst>
+  <dgm:styleLbl name="node0">
+    <dgm:fillClrLst meth="repeat">
+      <a:schemeClr val="accent1"/>
+    </dgm:fillClrLst>
+    <dgm:linClrLst meth="repeat">
+      <a:schemeClr val="lt1"/>
+    </dgm:linClrLst>
+    <dgm:effectClrLst/>
+    <dgm:txLinClrLst/>
+    <dgm:txFillClrLst/>
+    <dgm:txEffectClrLst/>
+  </dgm:styleLbl>
+  <dgm:styleLbl name="alignNode1">
+    <dgm:fillClrLst meth="repeat">
+      <a:schemeClr val="accent1"/>
+    </dgm:fillClrLst>
+    <dgm:linClrLst meth="repeat">
+      <a:schemeClr val="accent1"/>
+    </dgm:linClrLst>
+    <dgm:effectClrLst/>
+    <dgm:txLinClrLst/>
+    <dgm:txFillClrLst/>
+    <dgm:txEffectClrLst/>
+  </dgm:styleLbl>
+  <dgm:styleLbl name="node1">
+    <dgm:fillClrLst meth="repeat">
+      <a:schemeClr val="accent1"/>
+    </dgm:fillClrLst>
+    <dgm:linClrLst meth="repeat">
+      <a:schemeClr val="lt1"/>
+    </dgm:linClrLst>
+    <dgm:effectClrLst/>
+    <dgm:txLinClrLst/>
+    <dgm:txFillClrLst/>
+    <dgm:txEffectClrLst/>
+  </dgm:styleLbl>
+  <dgm:styleLbl name="lnNode1">
+    <dgm:fillClrLst meth="repeat">
+      <a:schemeClr val="accent1"/>
+    </dgm:fillClrLst>
+    <dgm:linClrLst meth="repeat">
+      <a:schemeClr val="lt1"/>
+    </dgm:linClrLst>
+    <dgm:effectClrLst/>
+    <dgm:txLinClrLst/>
+    <dgm:txFillClrLst/>
+    <dgm:txEffectClrLst/>
+  </dgm:styleLbl>
+  <dgm:styleLbl name="vennNode1">
+    <dgm:fillClrLst meth="repeat">
+      <a:schemeClr val="accent1">
+        <a:alpha val="50000"/>
+      </a:schemeClr>
+    </dgm:fillClrLst>
+    <dgm:linClrLst meth="repeat">
+      <a:schemeClr val="lt1"/>
+    </dgm:linClrLst>
+    <dgm:effectClrLst/>
+    <dgm:txLinClrLst/>
+    <dgm:txFillClrLst/>
+    <dgm:txEffectClrLst/>
+  </dgm:styleLbl>
+  <dgm:styleLbl name="node2">
+    <dgm:fillClrLst meth="repeat">
+      <a:schemeClr val="accent1"/>
+    </dgm:fillClrLst>
+    <dgm:linClrLst meth="repeat">
+      <a:schemeClr val="lt1"/>
+    </dgm:linClrLst>
+    <dgm:effectClrLst/>
+    <dgm:txLinClrLst/>
+    <dgm:txFillClrLst/>
+    <dgm:txEffectClrLst/>
+  </dgm:styleLbl>
+  <dgm:styleLbl name="node3">
+    <dgm:fillClrLst meth="repeat">
+      <a:schemeClr val="accent1"/>
+    </dgm:fillClrLst>
+    <dgm:linClrLst meth="repeat">
+      <a:schemeClr val="lt1"/>
+    </dgm:linClrLst>
+    <dgm:effectClrLst/>
+    <dgm:txLinClrLst/>
+    <dgm:txFillClrLst/>
+    <dgm:txEffectClrLst/>
+  </dgm:styleLbl>
+  <dgm:styleLbl name="node4">
+    <dgm:fillClrLst meth="repeat">
+      <a:schemeClr val="accent1"/>
+    </dgm:fillClrLst>
+    <dgm:linClrLst meth="repeat">
+      <a:schemeClr val="lt1"/>
+    </dgm:linClrLst>
+    <dgm:effectClrLst/>
+    <dgm:txLinClrLst/>
+    <dgm:txFillClrLst/>
+    <dgm:txEffectClrLst/>
+  </dgm:styleLbl>
+  <dgm:styleLbl name="fgImgPlace1">
+    <dgm:fillClrLst meth="repeat">
+      <a:schemeClr val="accent1">
+        <a:tint val="50000"/>
+      </a:schemeClr>
+    </dgm:fillClrLst>
+    <dgm:linClrLst meth="repeat">
+      <a:schemeClr val="lt1"/>
+    </dgm:linClrLst>
+    <dgm:effectClrLst/>
+    <dgm:txLinClrLst/>
+    <dgm:txFillClrLst meth="repeat">
+      <a:schemeClr val="lt1"/>
+    </dgm:txFillClrLst>
+    <dgm:txEffectClrLst/>
+  </dgm:styleLbl>
+  <dgm:styleLbl name="alignImgPlace1">
+    <dgm:fillClrLst meth="repeat">
+      <a:schemeClr val="accent1">
+        <a:tint val="50000"/>
+      </a:schemeClr>
+    </dgm:fillClrLst>
+    <dgm:linClrLst meth="repeat">
+      <a:schemeClr val="lt1"/>
+    </dgm:linClrLst>
+    <dgm:effectClrLst/>
+    <dgm:txLinClrLst/>
+    <dgm:txFillClrLst meth="repeat">
+      <a:schemeClr val="lt1"/>
+    </dgm:txFillClrLst>
+    <dgm:txEffectClrLst/>
+  </dgm:styleLbl>
+  <dgm:styleLbl name="bgImgPlace1">
+    <dgm:fillClrLst meth="repeat">
+      <a:schemeClr val="accent1">
+        <a:tint val="50000"/>
+      </a:schemeClr>
+    </dgm:fillClrLst>
+    <dgm:linClrLst meth="repeat">
+      <a:schemeClr val="lt1"/>
+    </dgm:linClrLst>
+    <dgm:effectClrLst/>
+    <dgm:txLinClrLst/>
+    <dgm:txFillClrLst meth="repeat">
+      <a:schemeClr val="lt1"/>
+    </dgm:txFillClrLst>
+    <dgm:txEffectClrLst/>
+  </dgm:styleLbl>
+  <dgm:styleLbl name="sibTrans2D1">
+    <dgm:fillClrLst meth="repeat">
+      <a:schemeClr val="accent1">
+        <a:tint val="60000"/>
+      </a:schemeClr>
+    </dgm:fillClrLst>
+    <dgm:linClrLst meth="repeat">
+      <a:schemeClr val="accent1">
+        <a:tint val="60000"/>
+      </a:schemeClr>
+    </dgm:linClrLst>
+    <dgm:effectClrLst/>
+    <dgm:txLinClrLst/>
+    <dgm:txFillClrLst/>
+    <dgm:txEffectClrLst/>
+  </dgm:styleLbl>
+  <dgm:styleLbl name="fgSibTrans2D1">
+    <dgm:fillClrLst meth="repeat">
+      <a:schemeClr val="accent1">
+        <a:tint val="60000"/>
+      </a:schemeClr>
+    </dgm:fillClrLst>
+    <dgm:linClrLst meth="repeat">
+      <a:schemeClr val="accent1">
+        <a:tint val="60000"/>
+      </a:schemeClr>
+    </dgm:linClrLst>
+    <dgm:effectClrLst/>
+    <dgm:txLinClrLst/>
+    <dgm:txFillClrLst/>
+    <dgm:txEffectClrLst/>
+  </dgm:styleLbl>
+  <dgm:styleLbl name="bgSibTrans2D1">
+    <dgm:fillClrLst meth="repeat">
+      <a:schemeClr val="accent1">
+        <a:tint val="60000"/>
+      </a:schemeClr>
+    </dgm:fillClrLst>
+    <dgm:linClrLst meth="repeat">
+      <a:schemeClr val="accent1">
+        <a:tint val="60000"/>
+      </a:schemeClr>
+    </dgm:linClrLst>
+    <dgm:effectClrLst/>
+    <dgm:txLinClrLst/>
+    <dgm:txFillClrLst/>
+    <dgm:txEffectClrLst/>
+  </dgm:styleLbl>
+  <dgm:styleLbl name="sibTrans1D1">
+    <dgm:fillClrLst meth="repeat">
+      <a:schemeClr val="accent1"/>
+    </dgm:fillClrLst>
+    <dgm:linClrLst meth="repeat">
+      <a:schemeClr val="accent1"/>
+    </dgm:linClrLst>
+    <dgm:effectClrLst/>
+    <dgm:txLinClrLst/>
+    <dgm:txFillClrLst meth="repeat">
+      <a:schemeClr val="tx1"/>
+    </dgm:txFillClrLst>
+    <dgm:txEffectClrLst/>
+  </dgm:styleLbl>
+  <dgm:styleLbl name="callout">
+    <dgm:fillClrLst meth="repeat">
+      <a:schemeClr val="accent1"/>
+    </dgm:fillClrLst>
+    <dgm:linClrLst meth="repeat">
+      <a:schemeClr val="accent1">
+        <a:tint val="50000"/>
+      </a:schemeClr>
+    </dgm:linClrLst>
+    <dgm:effectClrLst/>
+    <dgm:txLinClrLst/>
+    <dgm:txFillClrLst meth="repeat">
+      <a:schemeClr val="tx1"/>
+    </dgm:txFillClrLst>
+    <dgm:txEffectClrLst/>
+  </dgm:styleLbl>
+  <dgm:styleLbl name="asst0">
+    <dgm:fillClrLst meth="repeat">
+      <a:schemeClr val="accent1"/>
+    </dgm:fillClrLst>
+    <dgm:linClrLst meth="repeat">
+      <a:schemeClr val="lt1"/>
+    </dgm:linClrLst>
+    <dgm:effectClrLst/>
+    <dgm:txLinClrLst/>
+    <dgm:txFillClrLst/>
+    <dgm:txEffectClrLst/>
+  </dgm:styleLbl>
+  <dgm:styleLbl name="asst1">
+    <dgm:fillClrLst meth="repeat">
+      <a:schemeClr val="accent1"/>
+    </dgm:fillClrLst>
+    <dgm:linClrLst meth="repeat">
+      <a:schemeClr val="lt1"/>
+    </dgm:linClrLst>
+    <dgm:effectClrLst/>
+    <dgm:txLinClrLst/>
+    <dgm:txFillClrLst/>
+    <dgm:txEffectClrLst/>
+  </dgm:styleLbl>
+  <dgm:styleLbl name="asst2">
+    <dgm:fillClrLst meth="repeat">
+      <a:schemeClr val="accent1"/>
+    </dgm:fillClrLst>
+    <dgm:linClrLst meth="repeat">
+      <a:schemeClr val="lt1"/>
+    </dgm:linClrLst>
+    <dgm:effectClrLst/>
+    <dgm:txLinClrLst/>
+    <dgm:txFillClrLst/>
+    <dgm:txEffectClrLst/>
+  </dgm:styleLbl>
+  <dgm:styleLbl name="asst3">
+    <dgm:fillClrLst meth="repeat">
+      <a:schemeClr val="accent1"/>
+    </dgm:fillClrLst>
+    <dgm:linClrLst meth="repeat">
+      <a:schemeClr val="lt1"/>
+    </dgm:linClrLst>
+    <dgm:effectClrLst/>
+    <dgm:txLinClrLst/>
+    <dgm:txFillClrLst/>
+    <dgm:txEffectClrLst/>
+  </dgm:styleLbl>
+  <dgm:styleLbl name="asst4">
+    <dgm:fillClrLst meth="repeat">
+      <a:schemeClr val="accent1"/>
+    </dgm:fillClrLst>
+    <dgm:linClrLst meth="repeat">
+      <a:schemeClr val="lt1"/>
+    </dgm:linClrLst>
+    <dgm:effectClrLst/>
+    <dgm:txLinClrLst/>
+    <dgm:txFillClrLst/>
+    <dgm:txEffectClrLst/>
+  </dgm:styleLbl>
+  <dgm:styleLbl name="parChTrans2D1">
+    <dgm:fillClrLst meth="repeat">
+      <a:schemeClr val="accent1">
+        <a:tint val="60000"/>
+      </a:schemeClr>
+    </dgm:fillClrLst>
+    <dgm:linClrLst meth="repeat">
+      <a:schemeClr val="accent1">
+        <a:tint val="60000"/>
+      </a:schemeClr>
+    </dgm:linClrLst>
+    <dgm:effectClrLst/>
+    <dgm:txLinClrLst/>
+    <dgm:txFillClrLst meth="repeat">
+      <a:schemeClr val="lt1"/>
+    </dgm:txFillClrLst>
+    <dgm:txEffectClrLst/>
+  </dgm:styleLbl>
+  <dgm:styleLbl name="parChTrans2D2">
+    <dgm:fillClrLst meth="repeat">
+      <a:schemeClr val="accent1"/>
+    </dgm:fillClrLst>
+    <dgm:linClrLst meth="repeat">
+      <a:schemeClr val="accent1"/>
+    </dgm:linClrLst>
+    <dgm:effectClrLst/>
+    <dgm:txLinClrLst/>
+    <dgm:txFillClrLst meth="repeat">
+      <a:schemeClr val="lt1"/>
+    </dgm:txFillClrLst>
+    <dgm:txEffectClrLst/>
+  </dgm:styleLbl>
+  <dgm:styleLbl name="parChTrans2D3">
+    <dgm:fillClrLst meth="repeat">
+      <a:schemeClr val="accent1"/>
+    </dgm:fillClrLst>
+    <dgm:linClrLst meth="repeat">
+      <a:schemeClr val="accent1"/>
+    </dgm:linClrLst>
+    <dgm:effectClrLst/>
+    <dgm:txLinClrLst/>
+    <dgm:txFillClrLst meth="repeat">
+      <a:schemeClr val="lt1"/>
+    </dgm:txFillClrLst>
+    <dgm:txEffectClrLst/>
+  </dgm:styleLbl>
+  <dgm:styleLbl name="parChTrans2D4">
+    <dgm:fillClrLst meth="repeat">
+      <a:schemeClr val="accent1"/>
+    </dgm:fillClrLst>
+    <dgm:linClrLst meth="repeat">
+      <a:schemeClr val="accent1"/>
+    </dgm:linClrLst>
+    <dgm:effectClrLst/>
+    <dgm:txLinClrLst/>
+    <dgm:txFillClrLst meth="repeat">
+      <a:schemeClr val="lt1"/>
+    </dgm:txFillClrLst>
+    <dgm:txEffectClrLst/>
+  </dgm:styleLbl>
+  <dgm:styleLbl name="parChTrans1D1">
+    <dgm:fillClrLst meth="repeat">
+      <a:schemeClr val="accent1"/>
+    </dgm:fillClrLst>
+    <dgm:linClrLst meth="repeat">
+      <a:schemeClr val="accent1">
+        <a:shade val="60000"/>
+      </a:schemeClr>
+    </dgm:linClrLst>
+    <dgm:effectClrLst/>
+    <dgm:txLinClrLst/>
+    <dgm:txFillClrLst meth="repeat">
+      <a:schemeClr val="tx1"/>
+    </dgm:txFillClrLst>
+    <dgm:txEffectClrLst/>
+  </dgm:styleLbl>
+  <dgm:styleLbl name="parChTrans1D2">
+    <dgm:fillClrLst meth="repeat">
+      <a:schemeClr val="accent1"/>
+    </dgm:fillClrLst>
+    <dgm:linClrLst meth="repeat">
+      <a:schemeClr val="accent1">
+        <a:shade val="60000"/>
+      </a:schemeClr>
+    </dgm:linClrLst>
+    <dgm:effectClrLst/>
+    <dgm:txLinClrLst/>
+    <dgm:txFillClrLst meth="repeat">
+      <a:schemeClr val="tx1"/>
+    </dgm:txFillClrLst>
+    <dgm:txEffectClrLst/>
+  </dgm:styleLbl>
+  <dgm:styleLbl name="parChTrans1D3">
+    <dgm:fillClrLst meth="repeat">
+      <a:schemeClr val="accent1"/>
+    </dgm:fillClrLst>
+    <dgm:linClrLst meth="repeat">
+      <a:schemeClr val="accent1">
+        <a:shade val="80000"/>
+      </a:schemeClr>
+    </dgm:linClrLst>
+    <dgm:effectClrLst/>
+    <dgm:txLinClrLst/>
+    <dgm:txFillClrLst meth="repeat">
+      <a:schemeClr val="tx1"/>
+    </dgm:txFillClrLst>
+    <dgm:txEffectClrLst/>
+  </dgm:styleLbl>
+  <dgm:styleLbl name="parChTrans1D4">
+    <dgm:fillClrLst meth="repeat">
+      <a:schemeClr val="accent1"/>
+    </dgm:fillClrLst>
+    <dgm:linClrLst meth="repeat">
+      <a:schemeClr val="accent1">
+        <a:shade val="80000"/>
+      </a:schemeClr>
+    </dgm:linClrLst>
+    <dgm:effectClrLst/>
+    <dgm:txLinClrLst/>
+    <dgm:txFillClrLst meth="repeat">
+      <a:schemeClr val="tx1"/>
+    </dgm:txFillClrLst>
+    <dgm:txEffectClrLst/>
+  </dgm:styleLbl>
+  <dgm:styleLbl name="fgAcc1">
+    <dgm:fillClrLst meth="repeat">
+      <a:schemeClr val="lt1">
+        <a:alpha val="90000"/>
+      </a:schemeClr>
+    </dgm:fillClrLst>
+    <dgm:linClrLst meth="repeat">
+      <a:schemeClr val="accent1"/>
+    </dgm:linClrLst>
+    <dgm:effectClrLst/>
+    <dgm:txLinClrLst/>
+    <dgm:txFillClrLst meth="repeat">
+      <a:schemeClr val="dk1"/>
+    </dgm:txFillClrLst>
+    <dgm:txEffectClrLst/>
+  </dgm:styleLbl>
+  <dgm:styleLbl name="conFgAcc1">
+    <dgm:fillClrLst meth="repeat">
+      <a:schemeClr val="lt1">
+        <a:alpha val="90000"/>
+      </a:schemeClr>
+    </dgm:fillClrLst>
+    <dgm:linClrLst meth="repeat">
+      <a:schemeClr val="accent1"/>
+    </dgm:linClrLst>
+    <dgm:effectClrLst/>
+    <dgm:txLinClrLst/>
+    <dgm:txFillClrLst meth="repeat">
+      <a:schemeClr val="dk1"/>
+    </dgm:txFillClrLst>
+    <dgm:txEffectClrLst/>
+  </dgm:styleLbl>
+  <dgm:styleLbl name="alignAcc1">
+    <dgm:fillClrLst meth="repeat">
+      <a:schemeClr val="lt1">
+        <a:alpha val="90000"/>
+      </a:schemeClr>
+    </dgm:fillClrLst>
+    <dgm:linClrLst meth="repeat">
+      <a:schemeClr val="accent1"/>
+    </dgm:linClrLst>
+    <dgm:effectClrLst/>
+    <dgm:txLinClrLst/>
+    <dgm:txFillClrLst meth="repeat">
+      <a:schemeClr val="dk1"/>
+    </dgm:txFillClrLst>
+    <dgm:txEffectClrLst/>
+  </dgm:styleLbl>
+  <dgm:styleLbl name="trAlignAcc1">
+    <dgm:fillClrLst meth="repeat">
+      <a:schemeClr val="lt1">
+        <a:alpha val="40000"/>
+      </a:schemeClr>
+    </dgm:fillClrLst>
+    <dgm:linClrLst meth="repeat">
+      <a:schemeClr val="accent1"/>
+    </dgm:linClrLst>
+    <dgm:effectClrLst/>
+    <dgm:txLinClrLst/>
+    <dgm:txFillClrLst meth="repeat">
+      <a:schemeClr val="dk1"/>
+    </dgm:txFillClrLst>
+    <dgm:txEffectClrLst/>
+  </dgm:styleLbl>
+  <dgm:styleLbl name="bgAcc1">
+    <dgm:fillClrLst meth="repeat">
+      <a:schemeClr val="lt1">
+        <a:alpha val="90000"/>
+      </a:schemeClr>
+    </dgm:fillClrLst>
+    <dgm:linClrLst meth="repeat">
+      <a:schemeClr val="accent1"/>
+    </dgm:linClrLst>
+    <dgm:effectClrLst/>
+    <dgm:txLinClrLst/>
+    <dgm:txFillClrLst meth="repeat">
+      <a:schemeClr val="dk1"/>
+    </dgm:txFillClrLst>
+    <dgm:txEffectClrLst/>
+  </dgm:styleLbl>
+  <dgm:styleLbl name="solidFgAcc1">
+    <dgm:fillClrLst meth="repeat">
+      <a:schemeClr val="lt1"/>
+    </dgm:fillClrLst>
+    <dgm:linClrLst meth="repeat">
+      <a:schemeClr val="accent1"/>
+    </dgm:linClrLst>
+    <dgm:effectClrLst/>
+    <dgm:txLinClrLst/>
+    <dgm:txFillClrLst meth="repeat">
+      <a:schemeClr val="dk1"/>
+    </dgm:txFillClrLst>
+    <dgm:txEffectClrLst/>
+  </dgm:styleLbl>
+  <dgm:styleLbl name="solidAlignAcc1">
+    <dgm:fillClrLst meth="repeat">
+      <a:schemeClr val="lt1"/>
+    </dgm:fillClrLst>
+    <dgm:linClrLst meth="repeat">
+      <a:schemeClr val="accent1"/>
+    </dgm:linClrLst>
+    <dgm:effectClrLst/>
+    <dgm:txLinClrLst/>
+    <dgm:txFillClrLst meth="repeat">
+      <a:schemeClr val="dk1"/>
+    </dgm:txFillClrLst>
+    <dgm:txEffectClrLst/>
+  </dgm:styleLbl>
+  <dgm:styleLbl name="solidBgAcc1">
+    <dgm:fillClrLst meth="repeat">
+      <a:schemeClr val="lt1"/>
+    </dgm:fillClrLst>
+    <dgm:linClrLst meth="repeat">
+      <a:schemeClr val="accent1"/>
+    </dgm:linClrLst>
+    <dgm:effectClrLst/>
+    <dgm:txLinClrLst/>
+    <dgm:txFillClrLst meth="repeat">
+      <a:schemeClr val="dk1"/>
+    </dgm:txFillClrLst>
+    <dgm:txEffectClrLst/>
+  </dgm:styleLbl>
+  <dgm:styleLbl name="fgAccFollowNode1">
+    <dgm:fillClrLst meth="repeat">
+      <a:schemeClr val="accent1">
+        <a:alpha val="90000"/>
+        <a:tint val="40000"/>
+      </a:schemeClr>
+    </dgm:fillClrLst>
+    <dgm:linClrLst meth="repeat">
+      <a:schemeClr val="accent1">
+        <a:alpha val="90000"/>
+        <a:tint val="40000"/>
+      </a:schemeClr>
+    </dgm:linClrLst>
+    <dgm:effectClrLst/>
+    <dgm:txLinClrLst/>
+    <dgm:txFillClrLst meth="repeat">
+      <a:schemeClr val="dk1"/>
+    </dgm:txFillClrLst>
+    <dgm:txEffectClrLst/>
+  </dgm:styleLbl>
+  <dgm:styleLbl name="alignAccFollowNode1">
+    <dgm:fillClrLst meth="repeat">
+      <a:schemeClr val="accent1">
+        <a:alpha val="90000"/>
+        <a:tint val="40000"/>
+      </a:schemeClr>
+    </dgm:fillClrLst>
+    <dgm:linClrLst meth="repeat">
+      <a:schemeClr val="accent1">
+        <a:alpha val="90000"/>
+        <a:tint val="40000"/>
+      </a:schemeClr>
+    </dgm:linClrLst>
+    <dgm:effectClrLst/>
+    <dgm:txLinClrLst/>
+    <dgm:txFillClrLst meth="repeat">
+      <a:schemeClr val="dk1"/>
+    </dgm:txFillClrLst>
+    <dgm:txEffectClrLst/>
+  </dgm:styleLbl>
+  <dgm:styleLbl name="bgAccFollowNode1">
+    <dgm:fillClrLst meth="repeat">
+      <a:schemeClr val="accent1">
+        <a:alpha val="90000"/>
+        <a:tint val="40000"/>
+      </a:schemeClr>
+    </dgm:fillClrLst>
+    <dgm:linClrLst meth="repeat">
+      <a:schemeClr val="accent1">
+        <a:alpha val="90000"/>
+        <a:tint val="40000"/>
+      </a:schemeClr>
+    </dgm:linClrLst>
+    <dgm:effectClrLst/>
+    <dgm:txLinClrLst/>
+    <dgm:txFillClrLst meth="repeat">
+      <a:schemeClr val="dk1"/>
+    </dgm:txFillClrLst>
+    <dgm:txEffectClrLst/>
+  </dgm:styleLbl>
+  <dgm:styleLbl name="fgAcc0">
+    <dgm:fillClrLst meth="repeat">
+      <a:schemeClr val="lt1">
+        <a:alpha val="90000"/>
+      </a:schemeClr>
+    </dgm:fillClrLst>
+    <dgm:linClrLst meth="repeat">
+      <a:schemeClr val="accent1"/>
+    </dgm:linClrLst>
+    <dgm:effectClrLst/>
+    <dgm:txLinClrLst/>
+    <dgm:txFillClrLst meth="repeat">
+      <a:schemeClr val="dk1"/>
+    </dgm:txFillClrLst>
+    <dgm:txEffectClrLst/>
+  </dgm:styleLbl>
+  <dgm:styleLbl name="fgAcc2">
+    <dgm:fillClrLst meth="repeat">
+      <a:schemeClr val="lt1">
+        <a:alpha val="90000"/>
+      </a:schemeClr>
+    </dgm:fillClrLst>
+    <dgm:linClrLst meth="repeat">
+      <a:schemeClr val="accent1"/>
+    </dgm:linClrLst>
+    <dgm:effectClrLst/>
+    <dgm:txLinClrLst/>
+    <dgm:txFillClrLst meth="repeat">
+      <a:schemeClr val="dk1"/>
+    </dgm:txFillClrLst>
+    <dgm:txEffectClrLst/>
+  </dgm:styleLbl>
+  <dgm:styleLbl name="fgAcc3">
+    <dgm:fillClrLst meth="repeat">
+      <a:schemeClr val="lt1">
+        <a:alpha val="90000"/>
+      </a:schemeClr>
+    </dgm:fillClrLst>
+    <dgm:linClrLst meth="repeat">
+      <a:schemeClr val="accent1"/>
+    </dgm:linClrLst>
+    <dgm:effectClrLst/>
+    <dgm:txLinClrLst/>
+    <dgm:txFillClrLst meth="repeat">
+      <a:schemeClr val="dk1"/>
+    </dgm:txFillClrLst>
+    <dgm:txEffectClrLst/>
+  </dgm:styleLbl>
+  <dgm:styleLbl name="fgAcc4">
+    <dgm:fillClrLst meth="repeat">
+      <a:schemeClr val="lt1">
+        <a:alpha val="90000"/>
+      </a:schemeClr>
+    </dgm:fillClrLst>
+    <dgm:linClrLst meth="repeat">
+      <a:schemeClr val="accent1"/>
+    </dgm:linClrLst>
+    <dgm:effectClrLst/>
+    <dgm:txLinClrLst/>
+    <dgm:txFillClrLst meth="repeat">
+      <a:schemeClr val="dk1"/>
+    </dgm:txFillClrLst>
+    <dgm:txEffectClrLst/>
+  </dgm:styleLbl>
+  <dgm:styleLbl name="bgShp">
+    <dgm:fillClrLst meth="repeat">
+      <a:schemeClr val="accent1">
+        <a:tint val="40000"/>
+      </a:schemeClr>
+    </dgm:fillClrLst>
+    <dgm:linClrLst meth="repeat">
+      <a:schemeClr val="accent1"/>
+    </dgm:linClrLst>
+    <dgm:effectClrLst/>
+    <dgm:txLinClrLst/>
+    <dgm:txFillClrLst meth="repeat">
+      <a:schemeClr val="dk1"/>
+    </dgm:txFillClrLst>
+    <dgm:txEffectClrLst/>
+  </dgm:styleLbl>
+  <dgm:styleLbl name="dkBgShp">
+    <dgm:fillClrLst meth="repeat">
+      <a:schemeClr val="accent1">
+        <a:shade val="80000"/>
+      </a:schemeClr>
+    </dgm:fillClrLst>
+    <dgm:linClrLst meth="repeat">
+      <a:schemeClr val="accent1"/>
+    </dgm:linClrLst>
+    <dgm:effectClrLst/>
+    <dgm:txLinClrLst/>
+    <dgm:txFillClrLst meth="repeat">
+      <a:schemeClr val="lt1"/>
+    </dgm:txFillClrLst>
+    <dgm:txEffectClrLst/>
+  </dgm:styleLbl>
+  <dgm:styleLbl name="trBgShp">
+    <dgm:fillClrLst meth="repeat">
+      <a:schemeClr val="accent1">
+        <a:tint val="50000"/>
+        <a:alpha val="40000"/>
+      </a:schemeClr>
+    </dgm:fillClrLst>
+    <dgm:linClrLst meth="repeat">
+      <a:schemeClr val="accent1"/>
+    </dgm:linClrLst>
+    <dgm:effectClrLst/>
+    <dgm:txLinClrLst/>
+    <dgm:txFillClrLst meth="repeat">
+      <a:schemeClr val="lt1"/>
+    </dgm:txFillClrLst>
+    <dgm:txEffectClrLst/>
+  </dgm:styleLbl>
+  <dgm:styleLbl name="fgShp">
+    <dgm:fillClrLst meth="repeat">
+      <a:schemeClr val="accent1">
+        <a:tint val="60000"/>
+      </a:schemeClr>
+    </dgm:fillClrLst>
+    <dgm:linClrLst meth="repeat">
+      <a:schemeClr val="lt1"/>
+    </dgm:linClrLst>
+    <dgm:effectClrLst/>
+    <dgm:txLinClrLst/>
+    <dgm:txFillClrLst meth="repeat">
+      <a:schemeClr val="dk1"/>
+    </dgm:txFillClrLst>
+    <dgm:txEffectClrLst/>
+  </dgm:styleLbl>
+  <dgm:styleLbl name="revTx">
+    <dgm:fillClrLst meth="repeat">
+      <a:schemeClr val="lt1">
+        <a:alpha val="0"/>
+      </a:schemeClr>
+    </dgm:fillClrLst>
+    <dgm:linClrLst meth="repeat">
+      <a:schemeClr val="dk1">
+        <a:alpha val="0"/>
+      </a:schemeClr>
+    </dgm:linClrLst>
+    <dgm:effectClrLst/>
+    <dgm:txLinClrLst/>
+    <dgm:txFillClrLst meth="repeat">
+      <a:schemeClr val="tx1"/>
+    </dgm:txFillClrLst>
+    <dgm:txEffectClrLst/>
+  </dgm:styleLbl>
+</dgm:colorsDef>
+</file>
+
+<file path=ppt/diagrams/colors3.xml><?xml version="1.0" encoding="utf-8"?>
 <dgm:colorsDef xmlns:dgm="http://schemas.openxmlformats.org/drawingml/2006/diagram" xmlns:a="http://schemas.openxmlformats.org/drawingml/2006/main" uniqueId="urn:microsoft.com/office/officeart/2005/8/colors/accent1_2">
   <dgm:title val=""/>
   <dgm:desc val=""/>
@@ -3865,6 +3340,439 @@
 </dgm:dataModel>
 </file>
 
+<file path=ppt/diagrams/data3.xml><?xml version="1.0" encoding="utf-8"?>
+<dgm:dataModel xmlns:dgm="http://schemas.openxmlformats.org/drawingml/2006/diagram" xmlns:a="http://schemas.openxmlformats.org/drawingml/2006/main">
+  <dgm:ptLst>
+    <dgm:pt modelId="{4D3A0B57-E5D1-4B2A-988A-30CBEED33BA4}" type="doc">
+      <dgm:prSet loTypeId="urn:microsoft.com/office/officeart/2008/layout/AlternatingHexagons" loCatId="list" qsTypeId="urn:microsoft.com/office/officeart/2005/8/quickstyle/simple1" qsCatId="simple" csTypeId="urn:microsoft.com/office/officeart/2005/8/colors/accent1_2" csCatId="accent1" phldr="1"/>
+      <dgm:spPr/>
+      <dgm:t>
+        <a:bodyPr/>
+        <a:lstStyle/>
+        <a:p>
+          <a:endParaRPr lang="es-ES"/>
+        </a:p>
+      </dgm:t>
+    </dgm:pt>
+    <dgm:pt modelId="{17B89B99-CA61-4092-8C2B-94099D7CF100}">
+      <dgm:prSet phldrT="[Texto]"/>
+      <dgm:spPr/>
+      <dgm:t>
+        <a:bodyPr/>
+        <a:lstStyle/>
+        <a:p>
+          <a:r>
+            <a:rPr lang="es-ES" dirty="0" smtClean="0"/>
+            <a:t>1</a:t>
+          </a:r>
+          <a:endParaRPr lang="es-ES" dirty="0"/>
+        </a:p>
+      </dgm:t>
+    </dgm:pt>
+    <dgm:pt modelId="{A220667B-2310-4B89-84FE-68A83A9692FE}" type="parTrans" cxnId="{2F681FB8-BCBE-4458-9179-978A649E0B28}">
+      <dgm:prSet/>
+      <dgm:spPr/>
+      <dgm:t>
+        <a:bodyPr/>
+        <a:lstStyle/>
+        <a:p>
+          <a:endParaRPr lang="es-ES"/>
+        </a:p>
+      </dgm:t>
+    </dgm:pt>
+    <dgm:pt modelId="{A72F7BDE-A90C-4E08-9BDB-B7174A075CBD}" type="sibTrans" cxnId="{2F681FB8-BCBE-4458-9179-978A649E0B28}">
+      <dgm:prSet/>
+      <dgm:spPr/>
+      <dgm:t>
+        <a:bodyPr/>
+        <a:lstStyle/>
+        <a:p>
+          <a:endParaRPr lang="es-ES"/>
+        </a:p>
+      </dgm:t>
+    </dgm:pt>
+    <dgm:pt modelId="{E415BC1B-8C69-4028-B400-957800E00DBD}">
+      <dgm:prSet phldrT="[Texto]"/>
+      <dgm:spPr/>
+      <dgm:t>
+        <a:bodyPr/>
+        <a:lstStyle/>
+        <a:p>
+          <a:r>
+            <a:rPr lang="es-ES" dirty="0" err="1" smtClean="0"/>
+            <a:t>GitHub</a:t>
+          </a:r>
+          <a:endParaRPr lang="es-ES" dirty="0" smtClean="0"/>
+        </a:p>
+      </dgm:t>
+    </dgm:pt>
+    <dgm:pt modelId="{083BD406-2532-47D2-9384-A389B9FCD424}" type="parTrans" cxnId="{6ED569A5-A34B-48E6-A76A-F72EC3690369}">
+      <dgm:prSet/>
+      <dgm:spPr/>
+      <dgm:t>
+        <a:bodyPr/>
+        <a:lstStyle/>
+        <a:p>
+          <a:endParaRPr lang="es-ES"/>
+        </a:p>
+      </dgm:t>
+    </dgm:pt>
+    <dgm:pt modelId="{B1BC95A8-A79E-4791-B344-E333CACFF6CD}" type="sibTrans" cxnId="{6ED569A5-A34B-48E6-A76A-F72EC3690369}">
+      <dgm:prSet/>
+      <dgm:spPr/>
+      <dgm:t>
+        <a:bodyPr/>
+        <a:lstStyle/>
+        <a:p>
+          <a:endParaRPr lang="es-ES"/>
+        </a:p>
+      </dgm:t>
+    </dgm:pt>
+    <dgm:pt modelId="{6B560F5A-65C1-45B4-B9C2-871F5C7EA426}">
+      <dgm:prSet phldrT="[Texto]"/>
+      <dgm:spPr/>
+      <dgm:t>
+        <a:bodyPr/>
+        <a:lstStyle/>
+        <a:p>
+          <a:r>
+            <a:rPr lang="es-ES" dirty="0" smtClean="0"/>
+            <a:t>2</a:t>
+          </a:r>
+          <a:endParaRPr lang="es-ES" dirty="0"/>
+        </a:p>
+      </dgm:t>
+    </dgm:pt>
+    <dgm:pt modelId="{27749D92-AECB-4CE8-A622-A9A5BFB76305}" type="parTrans" cxnId="{0AA465B0-E53A-4AC7-B58C-4C09E40997DE}">
+      <dgm:prSet/>
+      <dgm:spPr/>
+      <dgm:t>
+        <a:bodyPr/>
+        <a:lstStyle/>
+        <a:p>
+          <a:endParaRPr lang="es-ES"/>
+        </a:p>
+      </dgm:t>
+    </dgm:pt>
+    <dgm:pt modelId="{29DC3A9F-146E-4BC7-AE49-99302FA3F5A5}" type="sibTrans" cxnId="{0AA465B0-E53A-4AC7-B58C-4C09E40997DE}">
+      <dgm:prSet/>
+      <dgm:spPr/>
+      <dgm:t>
+        <a:bodyPr/>
+        <a:lstStyle/>
+        <a:p>
+          <a:endParaRPr lang="es-ES"/>
+        </a:p>
+      </dgm:t>
+    </dgm:pt>
+    <dgm:pt modelId="{3E36C2DE-13A9-4F35-A2C1-C542244A8562}">
+      <dgm:prSet phldrT="[Texto]"/>
+      <dgm:spPr/>
+      <dgm:t>
+        <a:bodyPr/>
+        <a:lstStyle/>
+        <a:p>
+          <a:r>
+            <a:rPr lang="uk-UA" dirty="0" smtClean="0"/>
+            <a:t>База данних</a:t>
+          </a:r>
+          <a:endParaRPr lang="es-ES" dirty="0"/>
+        </a:p>
+      </dgm:t>
+    </dgm:pt>
+    <dgm:pt modelId="{4B34471D-FE79-4954-A6CA-CD22F81B077C}" type="parTrans" cxnId="{D7312545-AFA0-4E0E-8B95-5FB9137E389C}">
+      <dgm:prSet/>
+      <dgm:spPr/>
+      <dgm:t>
+        <a:bodyPr/>
+        <a:lstStyle/>
+        <a:p>
+          <a:endParaRPr lang="es-ES"/>
+        </a:p>
+      </dgm:t>
+    </dgm:pt>
+    <dgm:pt modelId="{70E28EF2-1EED-4C22-8EA5-CA362FDB5D66}" type="sibTrans" cxnId="{D7312545-AFA0-4E0E-8B95-5FB9137E389C}">
+      <dgm:prSet/>
+      <dgm:spPr/>
+      <dgm:t>
+        <a:bodyPr/>
+        <a:lstStyle/>
+        <a:p>
+          <a:endParaRPr lang="es-ES"/>
+        </a:p>
+      </dgm:t>
+    </dgm:pt>
+    <dgm:pt modelId="{0C46CC32-AD42-46D9-997D-411DB11575C4}">
+      <dgm:prSet phldrT="[Texto]"/>
+      <dgm:spPr/>
+      <dgm:t>
+        <a:bodyPr/>
+        <a:lstStyle/>
+        <a:p>
+          <a:r>
+            <a:rPr lang="uk-UA" dirty="0" smtClean="0"/>
+            <a:t>3</a:t>
+          </a:r>
+          <a:endParaRPr lang="es-ES" dirty="0"/>
+        </a:p>
+      </dgm:t>
+    </dgm:pt>
+    <dgm:pt modelId="{6359D04B-091F-4E44-A036-ACB694CAB6C9}" type="parTrans" cxnId="{FD3A2CBB-3581-4A1D-9718-C8DD4992828D}">
+      <dgm:prSet/>
+      <dgm:spPr/>
+      <dgm:t>
+        <a:bodyPr/>
+        <a:lstStyle/>
+        <a:p>
+          <a:endParaRPr lang="es-ES"/>
+        </a:p>
+      </dgm:t>
+    </dgm:pt>
+    <dgm:pt modelId="{4C55CC8C-8136-4341-BD66-6F2C5316259C}" type="sibTrans" cxnId="{FD3A2CBB-3581-4A1D-9718-C8DD4992828D}">
+      <dgm:prSet/>
+      <dgm:spPr/>
+      <dgm:t>
+        <a:bodyPr/>
+        <a:lstStyle/>
+        <a:p>
+          <a:endParaRPr lang="es-ES"/>
+        </a:p>
+      </dgm:t>
+    </dgm:pt>
+    <dgm:pt modelId="{70D7A792-0D77-48A0-8395-3AC9C2DD42C0}">
+      <dgm:prSet phldrT="[Texto]"/>
+      <dgm:spPr/>
+      <dgm:t>
+        <a:bodyPr/>
+        <a:lstStyle/>
+        <a:p>
+          <a:r>
+            <a:rPr lang="uk-UA" dirty="0" smtClean="0"/>
+            <a:t>Зонійшний вигляд</a:t>
+          </a:r>
+          <a:endParaRPr lang="es-ES" dirty="0"/>
+        </a:p>
+      </dgm:t>
+    </dgm:pt>
+    <dgm:pt modelId="{23C2377F-7EC2-44A1-8646-BA3BAFB26551}" type="parTrans" cxnId="{6B6F0C4E-522D-4FCF-B5DB-B4DB8E49E01F}">
+      <dgm:prSet/>
+      <dgm:spPr/>
+      <dgm:t>
+        <a:bodyPr/>
+        <a:lstStyle/>
+        <a:p>
+          <a:endParaRPr lang="es-ES"/>
+        </a:p>
+      </dgm:t>
+    </dgm:pt>
+    <dgm:pt modelId="{605FB11E-9AF6-4ED5-A908-431C49053F50}" type="sibTrans" cxnId="{6B6F0C4E-522D-4FCF-B5DB-B4DB8E49E01F}">
+      <dgm:prSet/>
+      <dgm:spPr/>
+      <dgm:t>
+        <a:bodyPr/>
+        <a:lstStyle/>
+        <a:p>
+          <a:endParaRPr lang="es-ES"/>
+        </a:p>
+      </dgm:t>
+    </dgm:pt>
+    <dgm:pt modelId="{0D64053C-647C-4625-A8A5-6D32B8609BE7}" type="pres">
+      <dgm:prSet presAssocID="{4D3A0B57-E5D1-4B2A-988A-30CBEED33BA4}" presName="Name0" presStyleCnt="0">
+        <dgm:presLayoutVars>
+          <dgm:chMax/>
+          <dgm:chPref/>
+          <dgm:dir/>
+          <dgm:animLvl val="lvl"/>
+        </dgm:presLayoutVars>
+      </dgm:prSet>
+      <dgm:spPr/>
+    </dgm:pt>
+    <dgm:pt modelId="{2BD2EB34-3E89-457E-9040-5E1739C3BFCF}" type="pres">
+      <dgm:prSet presAssocID="{17B89B99-CA61-4092-8C2B-94099D7CF100}" presName="composite" presStyleCnt="0"/>
+      <dgm:spPr/>
+    </dgm:pt>
+    <dgm:pt modelId="{43D11EF4-C1DB-4D2C-95FC-6D630A6EA9B1}" type="pres">
+      <dgm:prSet presAssocID="{17B89B99-CA61-4092-8C2B-94099D7CF100}" presName="Parent1" presStyleLbl="node1" presStyleIdx="0" presStyleCnt="6">
+        <dgm:presLayoutVars>
+          <dgm:chMax val="1"/>
+          <dgm:chPref val="1"/>
+          <dgm:bulletEnabled val="1"/>
+        </dgm:presLayoutVars>
+      </dgm:prSet>
+      <dgm:spPr/>
+    </dgm:pt>
+    <dgm:pt modelId="{DEBE231F-5C4D-4D6A-91BA-754BFF31EA58}" type="pres">
+      <dgm:prSet presAssocID="{17B89B99-CA61-4092-8C2B-94099D7CF100}" presName="Childtext1" presStyleLbl="revTx" presStyleIdx="0" presStyleCnt="3">
+        <dgm:presLayoutVars>
+          <dgm:chMax val="0"/>
+          <dgm:chPref val="0"/>
+          <dgm:bulletEnabled val="1"/>
+        </dgm:presLayoutVars>
+      </dgm:prSet>
+      <dgm:spPr/>
+      <dgm:t>
+        <a:bodyPr/>
+        <a:lstStyle/>
+        <a:p>
+          <a:endParaRPr lang="es-ES"/>
+        </a:p>
+      </dgm:t>
+    </dgm:pt>
+    <dgm:pt modelId="{AABE7C95-7876-4CF2-9B23-BC3C98ECAD5D}" type="pres">
+      <dgm:prSet presAssocID="{17B89B99-CA61-4092-8C2B-94099D7CF100}" presName="BalanceSpacing" presStyleCnt="0"/>
+      <dgm:spPr/>
+    </dgm:pt>
+    <dgm:pt modelId="{2C63D642-E9F5-414E-9259-C894687978EE}" type="pres">
+      <dgm:prSet presAssocID="{17B89B99-CA61-4092-8C2B-94099D7CF100}" presName="BalanceSpacing1" presStyleCnt="0"/>
+      <dgm:spPr/>
+    </dgm:pt>
+    <dgm:pt modelId="{BFBA4DFD-5376-49BE-800A-F1A41CCF537D}" type="pres">
+      <dgm:prSet presAssocID="{A72F7BDE-A90C-4E08-9BDB-B7174A075CBD}" presName="Accent1Text" presStyleLbl="node1" presStyleIdx="1" presStyleCnt="6"/>
+      <dgm:spPr/>
+    </dgm:pt>
+    <dgm:pt modelId="{8D0EA937-17BF-4190-85A1-B8722199AB89}" type="pres">
+      <dgm:prSet presAssocID="{A72F7BDE-A90C-4E08-9BDB-B7174A075CBD}" presName="spaceBetweenRectangles" presStyleCnt="0"/>
+      <dgm:spPr/>
+    </dgm:pt>
+    <dgm:pt modelId="{9BD8E923-C8DD-4B59-9C97-3B6A85C0C151}" type="pres">
+      <dgm:prSet presAssocID="{6B560F5A-65C1-45B4-B9C2-871F5C7EA426}" presName="composite" presStyleCnt="0"/>
+      <dgm:spPr/>
+    </dgm:pt>
+    <dgm:pt modelId="{960F303F-1CCA-4C3A-81C9-4612C9B79B8D}" type="pres">
+      <dgm:prSet presAssocID="{6B560F5A-65C1-45B4-B9C2-871F5C7EA426}" presName="Parent1" presStyleLbl="node1" presStyleIdx="2" presStyleCnt="6">
+        <dgm:presLayoutVars>
+          <dgm:chMax val="1"/>
+          <dgm:chPref val="1"/>
+          <dgm:bulletEnabled val="1"/>
+        </dgm:presLayoutVars>
+      </dgm:prSet>
+      <dgm:spPr/>
+    </dgm:pt>
+    <dgm:pt modelId="{810ACC16-4AAE-48E4-AEC0-54647FE42487}" type="pres">
+      <dgm:prSet presAssocID="{6B560F5A-65C1-45B4-B9C2-871F5C7EA426}" presName="Childtext1" presStyleLbl="revTx" presStyleIdx="1" presStyleCnt="3">
+        <dgm:presLayoutVars>
+          <dgm:chMax val="0"/>
+          <dgm:chPref val="0"/>
+          <dgm:bulletEnabled val="1"/>
+        </dgm:presLayoutVars>
+      </dgm:prSet>
+      <dgm:spPr/>
+      <dgm:t>
+        <a:bodyPr/>
+        <a:lstStyle/>
+        <a:p>
+          <a:endParaRPr lang="es-ES"/>
+        </a:p>
+      </dgm:t>
+    </dgm:pt>
+    <dgm:pt modelId="{4E19680E-F629-48B6-A3C0-6AF43436E1EC}" type="pres">
+      <dgm:prSet presAssocID="{6B560F5A-65C1-45B4-B9C2-871F5C7EA426}" presName="BalanceSpacing" presStyleCnt="0"/>
+      <dgm:spPr/>
+    </dgm:pt>
+    <dgm:pt modelId="{91B9E012-4869-479E-AB85-C6388C22ACB3}" type="pres">
+      <dgm:prSet presAssocID="{6B560F5A-65C1-45B4-B9C2-871F5C7EA426}" presName="BalanceSpacing1" presStyleCnt="0"/>
+      <dgm:spPr/>
+    </dgm:pt>
+    <dgm:pt modelId="{2B1BD86D-AE84-4FF4-818A-A204B799A6DF}" type="pres">
+      <dgm:prSet presAssocID="{29DC3A9F-146E-4BC7-AE49-99302FA3F5A5}" presName="Accent1Text" presStyleLbl="node1" presStyleIdx="3" presStyleCnt="6"/>
+      <dgm:spPr/>
+    </dgm:pt>
+    <dgm:pt modelId="{53A0A02F-D8BD-4E1D-98DB-F809578DF280}" type="pres">
+      <dgm:prSet presAssocID="{29DC3A9F-146E-4BC7-AE49-99302FA3F5A5}" presName="spaceBetweenRectangles" presStyleCnt="0"/>
+      <dgm:spPr/>
+    </dgm:pt>
+    <dgm:pt modelId="{7AEC376E-3A20-4D50-B9EF-9D05FA33F05A}" type="pres">
+      <dgm:prSet presAssocID="{0C46CC32-AD42-46D9-997D-411DB11575C4}" presName="composite" presStyleCnt="0"/>
+      <dgm:spPr/>
+    </dgm:pt>
+    <dgm:pt modelId="{5B9FC601-C345-42FB-A422-5201764DD340}" type="pres">
+      <dgm:prSet presAssocID="{0C46CC32-AD42-46D9-997D-411DB11575C4}" presName="Parent1" presStyleLbl="node1" presStyleIdx="4" presStyleCnt="6">
+        <dgm:presLayoutVars>
+          <dgm:chMax val="1"/>
+          <dgm:chPref val="1"/>
+          <dgm:bulletEnabled val="1"/>
+        </dgm:presLayoutVars>
+      </dgm:prSet>
+      <dgm:spPr/>
+    </dgm:pt>
+    <dgm:pt modelId="{1CBEE6C5-BFD4-4480-85CF-34585B2C9776}" type="pres">
+      <dgm:prSet presAssocID="{0C46CC32-AD42-46D9-997D-411DB11575C4}" presName="Childtext1" presStyleLbl="revTx" presStyleIdx="2" presStyleCnt="3">
+        <dgm:presLayoutVars>
+          <dgm:chMax val="0"/>
+          <dgm:chPref val="0"/>
+          <dgm:bulletEnabled val="1"/>
+        </dgm:presLayoutVars>
+      </dgm:prSet>
+      <dgm:spPr/>
+      <dgm:t>
+        <a:bodyPr/>
+        <a:lstStyle/>
+        <a:p>
+          <a:endParaRPr lang="es-ES"/>
+        </a:p>
+      </dgm:t>
+    </dgm:pt>
+    <dgm:pt modelId="{F5906242-A30E-46A8-B0D3-479C9C606CC9}" type="pres">
+      <dgm:prSet presAssocID="{0C46CC32-AD42-46D9-997D-411DB11575C4}" presName="BalanceSpacing" presStyleCnt="0"/>
+      <dgm:spPr/>
+    </dgm:pt>
+    <dgm:pt modelId="{3F58688D-3110-4694-ABD9-5B62071A05B7}" type="pres">
+      <dgm:prSet presAssocID="{0C46CC32-AD42-46D9-997D-411DB11575C4}" presName="BalanceSpacing1" presStyleCnt="0"/>
+      <dgm:spPr/>
+    </dgm:pt>
+    <dgm:pt modelId="{2D53567F-B837-47BE-8AAC-DC696DC1110F}" type="pres">
+      <dgm:prSet presAssocID="{4C55CC8C-8136-4341-BD66-6F2C5316259C}" presName="Accent1Text" presStyleLbl="node1" presStyleIdx="5" presStyleCnt="6"/>
+      <dgm:spPr/>
+    </dgm:pt>
+  </dgm:ptLst>
+  <dgm:cxnLst>
+    <dgm:cxn modelId="{FD7690FB-5330-4B4A-9828-5244D3806916}" type="presOf" srcId="{6B560F5A-65C1-45B4-B9C2-871F5C7EA426}" destId="{960F303F-1CCA-4C3A-81C9-4612C9B79B8D}" srcOrd="0" destOrd="0" presId="urn:microsoft.com/office/officeart/2008/layout/AlternatingHexagons"/>
+    <dgm:cxn modelId="{67B1259A-B452-4905-804C-5E51B98963C7}" type="presOf" srcId="{3E36C2DE-13A9-4F35-A2C1-C542244A8562}" destId="{810ACC16-4AAE-48E4-AEC0-54647FE42487}" srcOrd="0" destOrd="0" presId="urn:microsoft.com/office/officeart/2008/layout/AlternatingHexagons"/>
+    <dgm:cxn modelId="{6ED569A5-A34B-48E6-A76A-F72EC3690369}" srcId="{17B89B99-CA61-4092-8C2B-94099D7CF100}" destId="{E415BC1B-8C69-4028-B400-957800E00DBD}" srcOrd="0" destOrd="0" parTransId="{083BD406-2532-47D2-9384-A389B9FCD424}" sibTransId="{B1BC95A8-A79E-4791-B344-E333CACFF6CD}"/>
+    <dgm:cxn modelId="{CAFBD76E-38C9-4B3F-8044-BDFBB8CEE2A9}" type="presOf" srcId="{4D3A0B57-E5D1-4B2A-988A-30CBEED33BA4}" destId="{0D64053C-647C-4625-A8A5-6D32B8609BE7}" srcOrd="0" destOrd="0" presId="urn:microsoft.com/office/officeart/2008/layout/AlternatingHexagons"/>
+    <dgm:cxn modelId="{D7312545-AFA0-4E0E-8B95-5FB9137E389C}" srcId="{6B560F5A-65C1-45B4-B9C2-871F5C7EA426}" destId="{3E36C2DE-13A9-4F35-A2C1-C542244A8562}" srcOrd="0" destOrd="0" parTransId="{4B34471D-FE79-4954-A6CA-CD22F81B077C}" sibTransId="{70E28EF2-1EED-4C22-8EA5-CA362FDB5D66}"/>
+    <dgm:cxn modelId="{C5A6014A-236D-4A78-B4D8-7EEE3FCDA845}" type="presOf" srcId="{A72F7BDE-A90C-4E08-9BDB-B7174A075CBD}" destId="{BFBA4DFD-5376-49BE-800A-F1A41CCF537D}" srcOrd="0" destOrd="0" presId="urn:microsoft.com/office/officeart/2008/layout/AlternatingHexagons"/>
+    <dgm:cxn modelId="{290D3D24-13B4-4C49-8FB1-4A2352F27D42}" type="presOf" srcId="{4C55CC8C-8136-4341-BD66-6F2C5316259C}" destId="{2D53567F-B837-47BE-8AAC-DC696DC1110F}" srcOrd="0" destOrd="0" presId="urn:microsoft.com/office/officeart/2008/layout/AlternatingHexagons"/>
+    <dgm:cxn modelId="{FD3A2CBB-3581-4A1D-9718-C8DD4992828D}" srcId="{4D3A0B57-E5D1-4B2A-988A-30CBEED33BA4}" destId="{0C46CC32-AD42-46D9-997D-411DB11575C4}" srcOrd="2" destOrd="0" parTransId="{6359D04B-091F-4E44-A036-ACB694CAB6C9}" sibTransId="{4C55CC8C-8136-4341-BD66-6F2C5316259C}"/>
+    <dgm:cxn modelId="{046872AD-839F-41DC-BA40-F4DEB6F8444D}" type="presOf" srcId="{17B89B99-CA61-4092-8C2B-94099D7CF100}" destId="{43D11EF4-C1DB-4D2C-95FC-6D630A6EA9B1}" srcOrd="0" destOrd="0" presId="urn:microsoft.com/office/officeart/2008/layout/AlternatingHexagons"/>
+    <dgm:cxn modelId="{6B6F0C4E-522D-4FCF-B5DB-B4DB8E49E01F}" srcId="{0C46CC32-AD42-46D9-997D-411DB11575C4}" destId="{70D7A792-0D77-48A0-8395-3AC9C2DD42C0}" srcOrd="0" destOrd="0" parTransId="{23C2377F-7EC2-44A1-8646-BA3BAFB26551}" sibTransId="{605FB11E-9AF6-4ED5-A908-431C49053F50}"/>
+    <dgm:cxn modelId="{596C2450-BF4C-42E2-9368-88E645A6EA4B}" type="presOf" srcId="{29DC3A9F-146E-4BC7-AE49-99302FA3F5A5}" destId="{2B1BD86D-AE84-4FF4-818A-A204B799A6DF}" srcOrd="0" destOrd="0" presId="urn:microsoft.com/office/officeart/2008/layout/AlternatingHexagons"/>
+    <dgm:cxn modelId="{2F681FB8-BCBE-4458-9179-978A649E0B28}" srcId="{4D3A0B57-E5D1-4B2A-988A-30CBEED33BA4}" destId="{17B89B99-CA61-4092-8C2B-94099D7CF100}" srcOrd="0" destOrd="0" parTransId="{A220667B-2310-4B89-84FE-68A83A9692FE}" sibTransId="{A72F7BDE-A90C-4E08-9BDB-B7174A075CBD}"/>
+    <dgm:cxn modelId="{0AA465B0-E53A-4AC7-B58C-4C09E40997DE}" srcId="{4D3A0B57-E5D1-4B2A-988A-30CBEED33BA4}" destId="{6B560F5A-65C1-45B4-B9C2-871F5C7EA426}" srcOrd="1" destOrd="0" parTransId="{27749D92-AECB-4CE8-A622-A9A5BFB76305}" sibTransId="{29DC3A9F-146E-4BC7-AE49-99302FA3F5A5}"/>
+    <dgm:cxn modelId="{76CD7AE7-1476-4FE8-A2EE-3F08CD99ECEC}" type="presOf" srcId="{E415BC1B-8C69-4028-B400-957800E00DBD}" destId="{DEBE231F-5C4D-4D6A-91BA-754BFF31EA58}" srcOrd="0" destOrd="0" presId="urn:microsoft.com/office/officeart/2008/layout/AlternatingHexagons"/>
+    <dgm:cxn modelId="{F0988C7C-4E63-4FA9-82F1-343E479EA342}" type="presOf" srcId="{70D7A792-0D77-48A0-8395-3AC9C2DD42C0}" destId="{1CBEE6C5-BFD4-4480-85CF-34585B2C9776}" srcOrd="0" destOrd="0" presId="urn:microsoft.com/office/officeart/2008/layout/AlternatingHexagons"/>
+    <dgm:cxn modelId="{E1E6EC39-98DE-449F-91E8-4A39ABDE7DBB}" type="presOf" srcId="{0C46CC32-AD42-46D9-997D-411DB11575C4}" destId="{5B9FC601-C345-42FB-A422-5201764DD340}" srcOrd="0" destOrd="0" presId="urn:microsoft.com/office/officeart/2008/layout/AlternatingHexagons"/>
+    <dgm:cxn modelId="{6A2330E5-1402-4094-9FFA-59C1116793FF}" type="presParOf" srcId="{0D64053C-647C-4625-A8A5-6D32B8609BE7}" destId="{2BD2EB34-3E89-457E-9040-5E1739C3BFCF}" srcOrd="0" destOrd="0" presId="urn:microsoft.com/office/officeart/2008/layout/AlternatingHexagons"/>
+    <dgm:cxn modelId="{77225F04-7A6D-4D1B-8BF9-2B5E3FF43AE4}" type="presParOf" srcId="{2BD2EB34-3E89-457E-9040-5E1739C3BFCF}" destId="{43D11EF4-C1DB-4D2C-95FC-6D630A6EA9B1}" srcOrd="0" destOrd="0" presId="urn:microsoft.com/office/officeart/2008/layout/AlternatingHexagons"/>
+    <dgm:cxn modelId="{8A3F91C6-ACB3-4602-91E2-2E74E6ABA786}" type="presParOf" srcId="{2BD2EB34-3E89-457E-9040-5E1739C3BFCF}" destId="{DEBE231F-5C4D-4D6A-91BA-754BFF31EA58}" srcOrd="1" destOrd="0" presId="urn:microsoft.com/office/officeart/2008/layout/AlternatingHexagons"/>
+    <dgm:cxn modelId="{80A22438-5F64-4234-BAFC-0E19E4631EF8}" type="presParOf" srcId="{2BD2EB34-3E89-457E-9040-5E1739C3BFCF}" destId="{AABE7C95-7876-4CF2-9B23-BC3C98ECAD5D}" srcOrd="2" destOrd="0" presId="urn:microsoft.com/office/officeart/2008/layout/AlternatingHexagons"/>
+    <dgm:cxn modelId="{C308114C-F79C-4937-944E-9C67D8A280E0}" type="presParOf" srcId="{2BD2EB34-3E89-457E-9040-5E1739C3BFCF}" destId="{2C63D642-E9F5-414E-9259-C894687978EE}" srcOrd="3" destOrd="0" presId="urn:microsoft.com/office/officeart/2008/layout/AlternatingHexagons"/>
+    <dgm:cxn modelId="{96473753-82E6-418E-9454-FEFDB85F77D9}" type="presParOf" srcId="{2BD2EB34-3E89-457E-9040-5E1739C3BFCF}" destId="{BFBA4DFD-5376-49BE-800A-F1A41CCF537D}" srcOrd="4" destOrd="0" presId="urn:microsoft.com/office/officeart/2008/layout/AlternatingHexagons"/>
+    <dgm:cxn modelId="{1B4CD754-7C59-486E-95B3-A39EF570A088}" type="presParOf" srcId="{0D64053C-647C-4625-A8A5-6D32B8609BE7}" destId="{8D0EA937-17BF-4190-85A1-B8722199AB89}" srcOrd="1" destOrd="0" presId="urn:microsoft.com/office/officeart/2008/layout/AlternatingHexagons"/>
+    <dgm:cxn modelId="{F2A7454C-866E-4353-9BA5-9A7DB79816DC}" type="presParOf" srcId="{0D64053C-647C-4625-A8A5-6D32B8609BE7}" destId="{9BD8E923-C8DD-4B59-9C97-3B6A85C0C151}" srcOrd="2" destOrd="0" presId="urn:microsoft.com/office/officeart/2008/layout/AlternatingHexagons"/>
+    <dgm:cxn modelId="{4FA8309D-72E8-42E0-BC73-9861854086F2}" type="presParOf" srcId="{9BD8E923-C8DD-4B59-9C97-3B6A85C0C151}" destId="{960F303F-1CCA-4C3A-81C9-4612C9B79B8D}" srcOrd="0" destOrd="0" presId="urn:microsoft.com/office/officeart/2008/layout/AlternatingHexagons"/>
+    <dgm:cxn modelId="{2E293B36-0FF7-4732-AF72-213852B008E2}" type="presParOf" srcId="{9BD8E923-C8DD-4B59-9C97-3B6A85C0C151}" destId="{810ACC16-4AAE-48E4-AEC0-54647FE42487}" srcOrd="1" destOrd="0" presId="urn:microsoft.com/office/officeart/2008/layout/AlternatingHexagons"/>
+    <dgm:cxn modelId="{830B215B-4832-45A6-85B6-9D47B8A4441C}" type="presParOf" srcId="{9BD8E923-C8DD-4B59-9C97-3B6A85C0C151}" destId="{4E19680E-F629-48B6-A3C0-6AF43436E1EC}" srcOrd="2" destOrd="0" presId="urn:microsoft.com/office/officeart/2008/layout/AlternatingHexagons"/>
+    <dgm:cxn modelId="{645E32F1-C978-444A-AAFB-E43277554163}" type="presParOf" srcId="{9BD8E923-C8DD-4B59-9C97-3B6A85C0C151}" destId="{91B9E012-4869-479E-AB85-C6388C22ACB3}" srcOrd="3" destOrd="0" presId="urn:microsoft.com/office/officeart/2008/layout/AlternatingHexagons"/>
+    <dgm:cxn modelId="{DF5E8577-0BDE-4A6D-BC02-A653CC477529}" type="presParOf" srcId="{9BD8E923-C8DD-4B59-9C97-3B6A85C0C151}" destId="{2B1BD86D-AE84-4FF4-818A-A204B799A6DF}" srcOrd="4" destOrd="0" presId="urn:microsoft.com/office/officeart/2008/layout/AlternatingHexagons"/>
+    <dgm:cxn modelId="{E5707233-8430-4966-86BF-C957DB4A6F13}" type="presParOf" srcId="{0D64053C-647C-4625-A8A5-6D32B8609BE7}" destId="{53A0A02F-D8BD-4E1D-98DB-F809578DF280}" srcOrd="3" destOrd="0" presId="urn:microsoft.com/office/officeart/2008/layout/AlternatingHexagons"/>
+    <dgm:cxn modelId="{BE019A7D-0D5B-4BA9-9498-C443082B80DE}" type="presParOf" srcId="{0D64053C-647C-4625-A8A5-6D32B8609BE7}" destId="{7AEC376E-3A20-4D50-B9EF-9D05FA33F05A}" srcOrd="4" destOrd="0" presId="urn:microsoft.com/office/officeart/2008/layout/AlternatingHexagons"/>
+    <dgm:cxn modelId="{907396ED-967B-4C45-AB93-35DFB9BC5DA5}" type="presParOf" srcId="{7AEC376E-3A20-4D50-B9EF-9D05FA33F05A}" destId="{5B9FC601-C345-42FB-A422-5201764DD340}" srcOrd="0" destOrd="0" presId="urn:microsoft.com/office/officeart/2008/layout/AlternatingHexagons"/>
+    <dgm:cxn modelId="{F2564B03-20DC-4D63-9897-457AACDD95D0}" type="presParOf" srcId="{7AEC376E-3A20-4D50-B9EF-9D05FA33F05A}" destId="{1CBEE6C5-BFD4-4480-85CF-34585B2C9776}" srcOrd="1" destOrd="0" presId="urn:microsoft.com/office/officeart/2008/layout/AlternatingHexagons"/>
+    <dgm:cxn modelId="{A88C0563-AA60-47C7-8898-2D0EE2635C6C}" type="presParOf" srcId="{7AEC376E-3A20-4D50-B9EF-9D05FA33F05A}" destId="{F5906242-A30E-46A8-B0D3-479C9C606CC9}" srcOrd="2" destOrd="0" presId="urn:microsoft.com/office/officeart/2008/layout/AlternatingHexagons"/>
+    <dgm:cxn modelId="{2D7DD58E-BCCD-4012-AB3C-64C0EB24EEA9}" type="presParOf" srcId="{7AEC376E-3A20-4D50-B9EF-9D05FA33F05A}" destId="{3F58688D-3110-4694-ABD9-5B62071A05B7}" srcOrd="3" destOrd="0" presId="urn:microsoft.com/office/officeart/2008/layout/AlternatingHexagons"/>
+    <dgm:cxn modelId="{0F105380-6960-43B8-ABB8-0EF389F2E321}" type="presParOf" srcId="{7AEC376E-3A20-4D50-B9EF-9D05FA33F05A}" destId="{2D53567F-B837-47BE-8AAC-DC696DC1110F}" srcOrd="4" destOrd="0" presId="urn:microsoft.com/office/officeart/2008/layout/AlternatingHexagons"/>
+  </dgm:cxnLst>
+  <dgm:bg/>
+  <dgm:whole/>
+  <dgm:extLst>
+    <a:ext uri="http://schemas.microsoft.com/office/drawing/2008/diagram">
+      <dsp:dataModelExt xmlns:dsp="http://schemas.microsoft.com/office/drawing/2008/diagram" relId="rId7" minVer="http://schemas.openxmlformats.org/drawingml/2006/diagram"/>
+    </a:ext>
+  </dgm:extLst>
+</dgm:dataModel>
+</file>
+
 <file path=ppt/diagrams/drawing1.xml><?xml version="1.0" encoding="utf-8"?>
 <dsp:drawing xmlns:dgm="http://schemas.openxmlformats.org/drawingml/2006/diagram" xmlns:dsp="http://schemas.microsoft.com/office/drawing/2008/diagram" xmlns:a="http://schemas.openxmlformats.org/drawingml/2006/main">
   <dsp:spTree>
@@ -4503,6 +4411,666 @@
       <dsp:txXfrm>
         <a:off x="2759951" y="2555792"/>
         <a:ext cx="1350168" cy="629593"/>
+      </dsp:txXfrm>
+    </dsp:sp>
+  </dsp:spTree>
+</dsp:drawing>
+</file>
+
+<file path=ppt/diagrams/drawing3.xml><?xml version="1.0" encoding="utf-8"?>
+<dsp:drawing xmlns:dgm="http://schemas.openxmlformats.org/drawingml/2006/diagram" xmlns:dsp="http://schemas.microsoft.com/office/drawing/2008/diagram" xmlns:a="http://schemas.openxmlformats.org/drawingml/2006/main">
+  <dsp:spTree>
+    <dsp:nvGrpSpPr>
+      <dsp:cNvPr id="0" name=""/>
+      <dsp:cNvGrpSpPr/>
+    </dsp:nvGrpSpPr>
+    <dsp:grpSpPr/>
+    <dsp:sp modelId="{43D11EF4-C1DB-4D2C-95FC-6D630A6EA9B1}">
+      <dsp:nvSpPr>
+        <dsp:cNvPr id="0" name=""/>
+        <dsp:cNvSpPr/>
+      </dsp:nvSpPr>
+      <dsp:spPr>
+        <a:xfrm rot="5400000">
+          <a:off x="3158254" y="97396"/>
+          <a:ext cx="1466048" cy="1275462"/>
+        </a:xfrm>
+        <a:prstGeom prst="hexagon">
+          <a:avLst>
+            <a:gd name="adj" fmla="val 25000"/>
+            <a:gd name="vf" fmla="val 115470"/>
+          </a:avLst>
+        </a:prstGeom>
+        <a:solidFill>
+          <a:schemeClr val="accent1">
+            <a:hueOff val="0"/>
+            <a:satOff val="0"/>
+            <a:lumOff val="0"/>
+            <a:alphaOff val="0"/>
+          </a:schemeClr>
+        </a:solidFill>
+        <a:ln w="12700" cap="flat" cmpd="sng" algn="ctr">
+          <a:solidFill>
+            <a:schemeClr val="lt1">
+              <a:hueOff val="0"/>
+              <a:satOff val="0"/>
+              <a:lumOff val="0"/>
+              <a:alphaOff val="0"/>
+            </a:schemeClr>
+          </a:solidFill>
+          <a:prstDash val="solid"/>
+        </a:ln>
+        <a:effectLst/>
+      </dsp:spPr>
+      <dsp:style>
+        <a:lnRef idx="2">
+          <a:scrgbClr r="0" g="0" b="0"/>
+        </a:lnRef>
+        <a:fillRef idx="1">
+          <a:scrgbClr r="0" g="0" b="0"/>
+        </a:fillRef>
+        <a:effectRef idx="0">
+          <a:scrgbClr r="0" g="0" b="0"/>
+        </a:effectRef>
+        <a:fontRef idx="minor">
+          <a:schemeClr val="lt1"/>
+        </a:fontRef>
+      </dsp:style>
+      <dsp:txBody>
+        <a:bodyPr spcFirstLastPara="0" vert="horz" wrap="square" lIns="175260" tIns="175260" rIns="175260" bIns="175260" numCol="1" spcCol="1270" anchor="ctr" anchorCtr="0">
+          <a:noAutofit/>
+        </a:bodyPr>
+        <a:lstStyle/>
+        <a:p>
+          <a:pPr lvl="0" algn="ctr" defTabSz="2044700">
+            <a:lnSpc>
+              <a:spcPct val="90000"/>
+            </a:lnSpc>
+            <a:spcBef>
+              <a:spcPct val="0"/>
+            </a:spcBef>
+            <a:spcAft>
+              <a:spcPct val="35000"/>
+            </a:spcAft>
+          </a:pPr>
+          <a:r>
+            <a:rPr lang="es-ES" sz="4600" kern="1200" dirty="0" smtClean="0"/>
+            <a:t>1</a:t>
+          </a:r>
+          <a:endParaRPr lang="es-ES" sz="4600" kern="1200" dirty="0"/>
+        </a:p>
+      </dsp:txBody>
+      <dsp:txXfrm rot="-5400000">
+        <a:off x="3452307" y="230562"/>
+        <a:ext cx="877942" cy="1009130"/>
+      </dsp:txXfrm>
+    </dsp:sp>
+    <dsp:sp modelId="{DEBE231F-5C4D-4D6A-91BA-754BFF31EA58}">
+      <dsp:nvSpPr>
+        <dsp:cNvPr id="0" name=""/>
+        <dsp:cNvSpPr/>
+      </dsp:nvSpPr>
+      <dsp:spPr>
+        <a:xfrm>
+          <a:off x="4567713" y="295313"/>
+          <a:ext cx="1636110" cy="879629"/>
+        </a:xfrm>
+        <a:prstGeom prst="rect">
+          <a:avLst/>
+        </a:prstGeom>
+        <a:noFill/>
+        <a:ln>
+          <a:noFill/>
+        </a:ln>
+        <a:effectLst/>
+      </dsp:spPr>
+      <dsp:style>
+        <a:lnRef idx="0">
+          <a:scrgbClr r="0" g="0" b="0"/>
+        </a:lnRef>
+        <a:fillRef idx="0">
+          <a:scrgbClr r="0" g="0" b="0"/>
+        </a:fillRef>
+        <a:effectRef idx="0">
+          <a:scrgbClr r="0" g="0" b="0"/>
+        </a:effectRef>
+        <a:fontRef idx="minor"/>
+      </dsp:style>
+      <dsp:txBody>
+        <a:bodyPr spcFirstLastPara="0" vert="horz" wrap="square" lIns="91440" tIns="91440" rIns="91440" bIns="91440" numCol="1" spcCol="1270" anchor="ctr" anchorCtr="0">
+          <a:noAutofit/>
+        </a:bodyPr>
+        <a:lstStyle/>
+        <a:p>
+          <a:pPr lvl="0" algn="l" defTabSz="1066800">
+            <a:lnSpc>
+              <a:spcPct val="90000"/>
+            </a:lnSpc>
+            <a:spcBef>
+              <a:spcPct val="0"/>
+            </a:spcBef>
+            <a:spcAft>
+              <a:spcPct val="35000"/>
+            </a:spcAft>
+          </a:pPr>
+          <a:r>
+            <a:rPr lang="es-ES" sz="2400" kern="1200" dirty="0" err="1" smtClean="0"/>
+            <a:t>GitHub</a:t>
+          </a:r>
+          <a:endParaRPr lang="es-ES" sz="2400" kern="1200" dirty="0" smtClean="0"/>
+        </a:p>
+      </dsp:txBody>
+      <dsp:txXfrm>
+        <a:off x="4567713" y="295313"/>
+        <a:ext cx="1636110" cy="879629"/>
+      </dsp:txXfrm>
+    </dsp:sp>
+    <dsp:sp modelId="{BFBA4DFD-5376-49BE-800A-F1A41CCF537D}">
+      <dsp:nvSpPr>
+        <dsp:cNvPr id="0" name=""/>
+        <dsp:cNvSpPr/>
+      </dsp:nvSpPr>
+      <dsp:spPr>
+        <a:xfrm rot="5400000">
+          <a:off x="1780754" y="97396"/>
+          <a:ext cx="1466048" cy="1275462"/>
+        </a:xfrm>
+        <a:prstGeom prst="hexagon">
+          <a:avLst>
+            <a:gd name="adj" fmla="val 25000"/>
+            <a:gd name="vf" fmla="val 115470"/>
+          </a:avLst>
+        </a:prstGeom>
+        <a:solidFill>
+          <a:schemeClr val="accent1">
+            <a:hueOff val="0"/>
+            <a:satOff val="0"/>
+            <a:lumOff val="0"/>
+            <a:alphaOff val="0"/>
+          </a:schemeClr>
+        </a:solidFill>
+        <a:ln w="12700" cap="flat" cmpd="sng" algn="ctr">
+          <a:solidFill>
+            <a:schemeClr val="lt1">
+              <a:hueOff val="0"/>
+              <a:satOff val="0"/>
+              <a:lumOff val="0"/>
+              <a:alphaOff val="0"/>
+            </a:schemeClr>
+          </a:solidFill>
+          <a:prstDash val="solid"/>
+        </a:ln>
+        <a:effectLst/>
+      </dsp:spPr>
+      <dsp:style>
+        <a:lnRef idx="2">
+          <a:scrgbClr r="0" g="0" b="0"/>
+        </a:lnRef>
+        <a:fillRef idx="1">
+          <a:scrgbClr r="0" g="0" b="0"/>
+        </a:fillRef>
+        <a:effectRef idx="0">
+          <a:scrgbClr r="0" g="0" b="0"/>
+        </a:effectRef>
+        <a:fontRef idx="minor">
+          <a:schemeClr val="lt1"/>
+        </a:fontRef>
+      </dsp:style>
+      <dsp:txBody>
+        <a:bodyPr spcFirstLastPara="0" vert="horz" wrap="square" lIns="0" tIns="0" rIns="0" bIns="0" numCol="1" spcCol="1270" anchor="ctr" anchorCtr="0">
+          <a:noAutofit/>
+        </a:bodyPr>
+        <a:lstStyle/>
+        <a:p>
+          <a:pPr lvl="0" algn="ctr" defTabSz="1600200">
+            <a:lnSpc>
+              <a:spcPct val="90000"/>
+            </a:lnSpc>
+            <a:spcBef>
+              <a:spcPct val="0"/>
+            </a:spcBef>
+            <a:spcAft>
+              <a:spcPct val="35000"/>
+            </a:spcAft>
+          </a:pPr>
+          <a:endParaRPr lang="es-ES" sz="3600" kern="1200"/>
+        </a:p>
+      </dsp:txBody>
+      <dsp:txXfrm rot="-5400000">
+        <a:off x="2074807" y="230562"/>
+        <a:ext cx="877942" cy="1009130"/>
+      </dsp:txXfrm>
+    </dsp:sp>
+    <dsp:sp modelId="{960F303F-1CCA-4C3A-81C9-4612C9B79B8D}">
+      <dsp:nvSpPr>
+        <dsp:cNvPr id="0" name=""/>
+        <dsp:cNvSpPr/>
+      </dsp:nvSpPr>
+      <dsp:spPr>
+        <a:xfrm rot="5400000">
+          <a:off x="2466865" y="1341779"/>
+          <a:ext cx="1466048" cy="1275462"/>
+        </a:xfrm>
+        <a:prstGeom prst="hexagon">
+          <a:avLst>
+            <a:gd name="adj" fmla="val 25000"/>
+            <a:gd name="vf" fmla="val 115470"/>
+          </a:avLst>
+        </a:prstGeom>
+        <a:solidFill>
+          <a:schemeClr val="accent1">
+            <a:hueOff val="0"/>
+            <a:satOff val="0"/>
+            <a:lumOff val="0"/>
+            <a:alphaOff val="0"/>
+          </a:schemeClr>
+        </a:solidFill>
+        <a:ln w="12700" cap="flat" cmpd="sng" algn="ctr">
+          <a:solidFill>
+            <a:schemeClr val="lt1">
+              <a:hueOff val="0"/>
+              <a:satOff val="0"/>
+              <a:lumOff val="0"/>
+              <a:alphaOff val="0"/>
+            </a:schemeClr>
+          </a:solidFill>
+          <a:prstDash val="solid"/>
+        </a:ln>
+        <a:effectLst/>
+      </dsp:spPr>
+      <dsp:style>
+        <a:lnRef idx="2">
+          <a:scrgbClr r="0" g="0" b="0"/>
+        </a:lnRef>
+        <a:fillRef idx="1">
+          <a:scrgbClr r="0" g="0" b="0"/>
+        </a:fillRef>
+        <a:effectRef idx="0">
+          <a:scrgbClr r="0" g="0" b="0"/>
+        </a:effectRef>
+        <a:fontRef idx="minor">
+          <a:schemeClr val="lt1"/>
+        </a:fontRef>
+      </dsp:style>
+      <dsp:txBody>
+        <a:bodyPr spcFirstLastPara="0" vert="horz" wrap="square" lIns="175260" tIns="175260" rIns="175260" bIns="175260" numCol="1" spcCol="1270" anchor="ctr" anchorCtr="0">
+          <a:noAutofit/>
+        </a:bodyPr>
+        <a:lstStyle/>
+        <a:p>
+          <a:pPr lvl="0" algn="ctr" defTabSz="2044700">
+            <a:lnSpc>
+              <a:spcPct val="90000"/>
+            </a:lnSpc>
+            <a:spcBef>
+              <a:spcPct val="0"/>
+            </a:spcBef>
+            <a:spcAft>
+              <a:spcPct val="35000"/>
+            </a:spcAft>
+          </a:pPr>
+          <a:r>
+            <a:rPr lang="es-ES" sz="4600" kern="1200" dirty="0" smtClean="0"/>
+            <a:t>2</a:t>
+          </a:r>
+          <a:endParaRPr lang="es-ES" sz="4600" kern="1200" dirty="0"/>
+        </a:p>
+      </dsp:txBody>
+      <dsp:txXfrm rot="-5400000">
+        <a:off x="2760918" y="1474945"/>
+        <a:ext cx="877942" cy="1009130"/>
+      </dsp:txXfrm>
+    </dsp:sp>
+    <dsp:sp modelId="{810ACC16-4AAE-48E4-AEC0-54647FE42487}">
+      <dsp:nvSpPr>
+        <dsp:cNvPr id="0" name=""/>
+        <dsp:cNvSpPr/>
+      </dsp:nvSpPr>
+      <dsp:spPr>
+        <a:xfrm>
+          <a:off x="926047" y="1539695"/>
+          <a:ext cx="1583332" cy="879629"/>
+        </a:xfrm>
+        <a:prstGeom prst="rect">
+          <a:avLst/>
+        </a:prstGeom>
+        <a:noFill/>
+        <a:ln>
+          <a:noFill/>
+        </a:ln>
+        <a:effectLst/>
+      </dsp:spPr>
+      <dsp:style>
+        <a:lnRef idx="0">
+          <a:scrgbClr r="0" g="0" b="0"/>
+        </a:lnRef>
+        <a:fillRef idx="0">
+          <a:scrgbClr r="0" g="0" b="0"/>
+        </a:fillRef>
+        <a:effectRef idx="0">
+          <a:scrgbClr r="0" g="0" b="0"/>
+        </a:effectRef>
+        <a:fontRef idx="minor"/>
+      </dsp:style>
+      <dsp:txBody>
+        <a:bodyPr spcFirstLastPara="0" vert="horz" wrap="square" lIns="91440" tIns="91440" rIns="91440" bIns="91440" numCol="1" spcCol="1270" anchor="ctr" anchorCtr="0">
+          <a:noAutofit/>
+        </a:bodyPr>
+        <a:lstStyle/>
+        <a:p>
+          <a:pPr lvl="0" algn="r" defTabSz="1066800">
+            <a:lnSpc>
+              <a:spcPct val="90000"/>
+            </a:lnSpc>
+            <a:spcBef>
+              <a:spcPct val="0"/>
+            </a:spcBef>
+            <a:spcAft>
+              <a:spcPct val="35000"/>
+            </a:spcAft>
+          </a:pPr>
+          <a:r>
+            <a:rPr lang="uk-UA" sz="2400" kern="1200" dirty="0" smtClean="0"/>
+            <a:t>База данних</a:t>
+          </a:r>
+          <a:endParaRPr lang="es-ES" sz="2400" kern="1200" dirty="0"/>
+        </a:p>
+      </dsp:txBody>
+      <dsp:txXfrm>
+        <a:off x="926047" y="1539695"/>
+        <a:ext cx="1583332" cy="879629"/>
+      </dsp:txXfrm>
+    </dsp:sp>
+    <dsp:sp modelId="{2B1BD86D-AE84-4FF4-818A-A204B799A6DF}">
+      <dsp:nvSpPr>
+        <dsp:cNvPr id="0" name=""/>
+        <dsp:cNvSpPr/>
+      </dsp:nvSpPr>
+      <dsp:spPr>
+        <a:xfrm rot="5400000">
+          <a:off x="3844364" y="1341779"/>
+          <a:ext cx="1466048" cy="1275462"/>
+        </a:xfrm>
+        <a:prstGeom prst="hexagon">
+          <a:avLst>
+            <a:gd name="adj" fmla="val 25000"/>
+            <a:gd name="vf" fmla="val 115470"/>
+          </a:avLst>
+        </a:prstGeom>
+        <a:solidFill>
+          <a:schemeClr val="accent1">
+            <a:hueOff val="0"/>
+            <a:satOff val="0"/>
+            <a:lumOff val="0"/>
+            <a:alphaOff val="0"/>
+          </a:schemeClr>
+        </a:solidFill>
+        <a:ln w="12700" cap="flat" cmpd="sng" algn="ctr">
+          <a:solidFill>
+            <a:schemeClr val="lt1">
+              <a:hueOff val="0"/>
+              <a:satOff val="0"/>
+              <a:lumOff val="0"/>
+              <a:alphaOff val="0"/>
+            </a:schemeClr>
+          </a:solidFill>
+          <a:prstDash val="solid"/>
+        </a:ln>
+        <a:effectLst/>
+      </dsp:spPr>
+      <dsp:style>
+        <a:lnRef idx="2">
+          <a:scrgbClr r="0" g="0" b="0"/>
+        </a:lnRef>
+        <a:fillRef idx="1">
+          <a:scrgbClr r="0" g="0" b="0"/>
+        </a:fillRef>
+        <a:effectRef idx="0">
+          <a:scrgbClr r="0" g="0" b="0"/>
+        </a:effectRef>
+        <a:fontRef idx="minor">
+          <a:schemeClr val="lt1"/>
+        </a:fontRef>
+      </dsp:style>
+      <dsp:txBody>
+        <a:bodyPr spcFirstLastPara="0" vert="horz" wrap="square" lIns="0" tIns="0" rIns="0" bIns="0" numCol="1" spcCol="1270" anchor="ctr" anchorCtr="0">
+          <a:noAutofit/>
+        </a:bodyPr>
+        <a:lstStyle/>
+        <a:p>
+          <a:pPr lvl="0" algn="ctr" defTabSz="1600200">
+            <a:lnSpc>
+              <a:spcPct val="90000"/>
+            </a:lnSpc>
+            <a:spcBef>
+              <a:spcPct val="0"/>
+            </a:spcBef>
+            <a:spcAft>
+              <a:spcPct val="35000"/>
+            </a:spcAft>
+          </a:pPr>
+          <a:endParaRPr lang="es-ES" sz="3600" kern="1200"/>
+        </a:p>
+      </dsp:txBody>
+      <dsp:txXfrm rot="-5400000">
+        <a:off x="4138417" y="1474945"/>
+        <a:ext cx="877942" cy="1009130"/>
+      </dsp:txXfrm>
+    </dsp:sp>
+    <dsp:sp modelId="{5B9FC601-C345-42FB-A422-5201764DD340}">
+      <dsp:nvSpPr>
+        <dsp:cNvPr id="0" name=""/>
+        <dsp:cNvSpPr/>
+      </dsp:nvSpPr>
+      <dsp:spPr>
+        <a:xfrm rot="5400000">
+          <a:off x="3158254" y="2586161"/>
+          <a:ext cx="1466048" cy="1275462"/>
+        </a:xfrm>
+        <a:prstGeom prst="hexagon">
+          <a:avLst>
+            <a:gd name="adj" fmla="val 25000"/>
+            <a:gd name="vf" fmla="val 115470"/>
+          </a:avLst>
+        </a:prstGeom>
+        <a:solidFill>
+          <a:schemeClr val="accent1">
+            <a:hueOff val="0"/>
+            <a:satOff val="0"/>
+            <a:lumOff val="0"/>
+            <a:alphaOff val="0"/>
+          </a:schemeClr>
+        </a:solidFill>
+        <a:ln w="12700" cap="flat" cmpd="sng" algn="ctr">
+          <a:solidFill>
+            <a:schemeClr val="lt1">
+              <a:hueOff val="0"/>
+              <a:satOff val="0"/>
+              <a:lumOff val="0"/>
+              <a:alphaOff val="0"/>
+            </a:schemeClr>
+          </a:solidFill>
+          <a:prstDash val="solid"/>
+        </a:ln>
+        <a:effectLst/>
+      </dsp:spPr>
+      <dsp:style>
+        <a:lnRef idx="2">
+          <a:scrgbClr r="0" g="0" b="0"/>
+        </a:lnRef>
+        <a:fillRef idx="1">
+          <a:scrgbClr r="0" g="0" b="0"/>
+        </a:fillRef>
+        <a:effectRef idx="0">
+          <a:scrgbClr r="0" g="0" b="0"/>
+        </a:effectRef>
+        <a:fontRef idx="minor">
+          <a:schemeClr val="lt1"/>
+        </a:fontRef>
+      </dsp:style>
+      <dsp:txBody>
+        <a:bodyPr spcFirstLastPara="0" vert="horz" wrap="square" lIns="175260" tIns="175260" rIns="175260" bIns="175260" numCol="1" spcCol="1270" anchor="ctr" anchorCtr="0">
+          <a:noAutofit/>
+        </a:bodyPr>
+        <a:lstStyle/>
+        <a:p>
+          <a:pPr lvl="0" algn="ctr" defTabSz="2044700">
+            <a:lnSpc>
+              <a:spcPct val="90000"/>
+            </a:lnSpc>
+            <a:spcBef>
+              <a:spcPct val="0"/>
+            </a:spcBef>
+            <a:spcAft>
+              <a:spcPct val="35000"/>
+            </a:spcAft>
+          </a:pPr>
+          <a:r>
+            <a:rPr lang="uk-UA" sz="4600" kern="1200" dirty="0" smtClean="0"/>
+            <a:t>3</a:t>
+          </a:r>
+          <a:endParaRPr lang="es-ES" sz="4600" kern="1200" dirty="0"/>
+        </a:p>
+      </dsp:txBody>
+      <dsp:txXfrm rot="-5400000">
+        <a:off x="3452307" y="2719327"/>
+        <a:ext cx="877942" cy="1009130"/>
+      </dsp:txXfrm>
+    </dsp:sp>
+    <dsp:sp modelId="{1CBEE6C5-BFD4-4480-85CF-34585B2C9776}">
+      <dsp:nvSpPr>
+        <dsp:cNvPr id="0" name=""/>
+        <dsp:cNvSpPr/>
+      </dsp:nvSpPr>
+      <dsp:spPr>
+        <a:xfrm>
+          <a:off x="4567713" y="2784078"/>
+          <a:ext cx="1636110" cy="879629"/>
+        </a:xfrm>
+        <a:prstGeom prst="rect">
+          <a:avLst/>
+        </a:prstGeom>
+        <a:noFill/>
+        <a:ln>
+          <a:noFill/>
+        </a:ln>
+        <a:effectLst/>
+      </dsp:spPr>
+      <dsp:style>
+        <a:lnRef idx="0">
+          <a:scrgbClr r="0" g="0" b="0"/>
+        </a:lnRef>
+        <a:fillRef idx="0">
+          <a:scrgbClr r="0" g="0" b="0"/>
+        </a:fillRef>
+        <a:effectRef idx="0">
+          <a:scrgbClr r="0" g="0" b="0"/>
+        </a:effectRef>
+        <a:fontRef idx="minor"/>
+      </dsp:style>
+      <dsp:txBody>
+        <a:bodyPr spcFirstLastPara="0" vert="horz" wrap="square" lIns="91440" tIns="91440" rIns="91440" bIns="91440" numCol="1" spcCol="1270" anchor="ctr" anchorCtr="0">
+          <a:noAutofit/>
+        </a:bodyPr>
+        <a:lstStyle/>
+        <a:p>
+          <a:pPr lvl="0" algn="l" defTabSz="1066800">
+            <a:lnSpc>
+              <a:spcPct val="90000"/>
+            </a:lnSpc>
+            <a:spcBef>
+              <a:spcPct val="0"/>
+            </a:spcBef>
+            <a:spcAft>
+              <a:spcPct val="35000"/>
+            </a:spcAft>
+          </a:pPr>
+          <a:r>
+            <a:rPr lang="uk-UA" sz="2400" kern="1200" dirty="0" smtClean="0"/>
+            <a:t>Зонійшний вигляд</a:t>
+          </a:r>
+          <a:endParaRPr lang="es-ES" sz="2400" kern="1200" dirty="0"/>
+        </a:p>
+      </dsp:txBody>
+      <dsp:txXfrm>
+        <a:off x="4567713" y="2784078"/>
+        <a:ext cx="1636110" cy="879629"/>
+      </dsp:txXfrm>
+    </dsp:sp>
+    <dsp:sp modelId="{2D53567F-B837-47BE-8AAC-DC696DC1110F}">
+      <dsp:nvSpPr>
+        <dsp:cNvPr id="0" name=""/>
+        <dsp:cNvSpPr/>
+      </dsp:nvSpPr>
+      <dsp:spPr>
+        <a:xfrm rot="5400000">
+          <a:off x="1780754" y="2586161"/>
+          <a:ext cx="1466048" cy="1275462"/>
+        </a:xfrm>
+        <a:prstGeom prst="hexagon">
+          <a:avLst>
+            <a:gd name="adj" fmla="val 25000"/>
+            <a:gd name="vf" fmla="val 115470"/>
+          </a:avLst>
+        </a:prstGeom>
+        <a:solidFill>
+          <a:schemeClr val="accent1">
+            <a:hueOff val="0"/>
+            <a:satOff val="0"/>
+            <a:lumOff val="0"/>
+            <a:alphaOff val="0"/>
+          </a:schemeClr>
+        </a:solidFill>
+        <a:ln w="12700" cap="flat" cmpd="sng" algn="ctr">
+          <a:solidFill>
+            <a:schemeClr val="lt1">
+              <a:hueOff val="0"/>
+              <a:satOff val="0"/>
+              <a:lumOff val="0"/>
+              <a:alphaOff val="0"/>
+            </a:schemeClr>
+          </a:solidFill>
+          <a:prstDash val="solid"/>
+        </a:ln>
+        <a:effectLst/>
+      </dsp:spPr>
+      <dsp:style>
+        <a:lnRef idx="2">
+          <a:scrgbClr r="0" g="0" b="0"/>
+        </a:lnRef>
+        <a:fillRef idx="1">
+          <a:scrgbClr r="0" g="0" b="0"/>
+        </a:fillRef>
+        <a:effectRef idx="0">
+          <a:scrgbClr r="0" g="0" b="0"/>
+        </a:effectRef>
+        <a:fontRef idx="minor">
+          <a:schemeClr val="lt1"/>
+        </a:fontRef>
+      </dsp:style>
+      <dsp:txBody>
+        <a:bodyPr spcFirstLastPara="0" vert="horz" wrap="square" lIns="0" tIns="0" rIns="0" bIns="0" numCol="1" spcCol="1270" anchor="ctr" anchorCtr="0">
+          <a:noAutofit/>
+        </a:bodyPr>
+        <a:lstStyle/>
+        <a:p>
+          <a:pPr lvl="0" algn="ctr" defTabSz="1600200">
+            <a:lnSpc>
+              <a:spcPct val="90000"/>
+            </a:lnSpc>
+            <a:spcBef>
+              <a:spcPct val="0"/>
+            </a:spcBef>
+            <a:spcAft>
+              <a:spcPct val="35000"/>
+            </a:spcAft>
+          </a:pPr>
+          <a:endParaRPr lang="es-ES" sz="3600" kern="1200"/>
+        </a:p>
+      </dsp:txBody>
+      <dsp:txXfrm rot="-5400000">
+        <a:off x="2074807" y="2719327"/>
+        <a:ext cx="877942" cy="1009130"/>
       </dsp:txXfrm>
     </dsp:sp>
   </dsp:spTree>
@@ -5298,6 +5866,361 @@
 </dgm:layoutDef>
 </file>
 
+<file path=ppt/diagrams/layout3.xml><?xml version="1.0" encoding="utf-8"?>
+<dgm:layoutDef xmlns:dgm="http://schemas.openxmlformats.org/drawingml/2006/diagram" xmlns:a="http://schemas.openxmlformats.org/drawingml/2006/main" uniqueId="urn:microsoft.com/office/officeart/2008/layout/AlternatingHexagons">
+  <dgm:title val=""/>
+  <dgm:desc val=""/>
+  <dgm:catLst>
+    <dgm:cat type="list" pri="1500"/>
+  </dgm:catLst>
+  <dgm:sampData>
+    <dgm:dataModel>
+      <dgm:ptLst>
+        <dgm:pt modelId="0" type="doc"/>
+        <dgm:pt modelId="10">
+          <dgm:prSet phldr="1"/>
+        </dgm:pt>
+        <dgm:pt modelId="11">
+          <dgm:prSet phldr="1"/>
+        </dgm:pt>
+        <dgm:pt modelId="20">
+          <dgm:prSet phldr="1"/>
+        </dgm:pt>
+        <dgm:pt modelId="21">
+          <dgm:prSet phldr="1"/>
+        </dgm:pt>
+        <dgm:pt modelId="30">
+          <dgm:prSet phldr="1"/>
+        </dgm:pt>
+        <dgm:pt modelId="31">
+          <dgm:prSet phldr="1"/>
+        </dgm:pt>
+      </dgm:ptLst>
+      <dgm:cxnLst>
+        <dgm:cxn modelId="40" srcId="0" destId="10" srcOrd="0" destOrd="0"/>
+        <dgm:cxn modelId="12" srcId="10" destId="11" srcOrd="0" destOrd="0"/>
+        <dgm:cxn modelId="50" srcId="0" destId="20" srcOrd="1" destOrd="0"/>
+        <dgm:cxn modelId="22" srcId="20" destId="21" srcOrd="0" destOrd="0"/>
+        <dgm:cxn modelId="60" srcId="0" destId="30" srcOrd="1" destOrd="0"/>
+        <dgm:cxn modelId="32" srcId="30" destId="31" srcOrd="0" destOrd="0"/>
+      </dgm:cxnLst>
+      <dgm:bg/>
+      <dgm:whole/>
+    </dgm:dataModel>
+  </dgm:sampData>
+  <dgm:styleData>
+    <dgm:dataModel>
+      <dgm:ptLst>
+        <dgm:pt modelId="0" type="doc"/>
+        <dgm:pt modelId="10">
+          <dgm:prSet phldr="1"/>
+        </dgm:pt>
+        <dgm:pt modelId="20">
+          <dgm:prSet phldr="1"/>
+        </dgm:pt>
+      </dgm:ptLst>
+      <dgm:cxnLst>
+        <dgm:cxn modelId="60" srcId="0" destId="10" srcOrd="0" destOrd="0"/>
+        <dgm:cxn modelId="70" srcId="0" destId="20" srcOrd="1" destOrd="0"/>
+      </dgm:cxnLst>
+      <dgm:bg/>
+      <dgm:whole/>
+    </dgm:dataModel>
+  </dgm:styleData>
+  <dgm:clrData>
+    <dgm:dataModel>
+      <dgm:ptLst>
+        <dgm:pt modelId="0" type="doc"/>
+        <dgm:pt modelId="10">
+          <dgm:prSet phldr="1"/>
+        </dgm:pt>
+        <dgm:pt modelId="20">
+          <dgm:prSet phldr="1"/>
+        </dgm:pt>
+        <dgm:pt modelId="30">
+          <dgm:prSet phldr="1"/>
+        </dgm:pt>
+        <dgm:pt modelId="40">
+          <dgm:prSet phldr="1"/>
+        </dgm:pt>
+      </dgm:ptLst>
+      <dgm:cxnLst>
+        <dgm:cxn modelId="60" srcId="0" destId="10" srcOrd="0" destOrd="0"/>
+        <dgm:cxn modelId="70" srcId="0" destId="20" srcOrd="1" destOrd="0"/>
+        <dgm:cxn modelId="80" srcId="0" destId="30" srcOrd="2" destOrd="0"/>
+        <dgm:cxn modelId="90" srcId="0" destId="40" srcOrd="3" destOrd="0"/>
+      </dgm:cxnLst>
+      <dgm:bg/>
+      <dgm:whole/>
+    </dgm:dataModel>
+  </dgm:clrData>
+  <dgm:layoutNode name="Name0">
+    <dgm:varLst>
+      <dgm:chMax/>
+      <dgm:chPref/>
+      <dgm:dir/>
+      <dgm:animLvl val="lvl"/>
+    </dgm:varLst>
+    <dgm:alg type="lin">
+      <dgm:param type="linDir" val="fromT"/>
+    </dgm:alg>
+    <dgm:shape xmlns:r="http://schemas.openxmlformats.org/officeDocument/2006/relationships" r:blip="">
+      <dgm:adjLst/>
+    </dgm:shape>
+    <dgm:constrLst>
+      <dgm:constr type="primFontSz" for="des" forName="Parent1" val="65"/>
+      <dgm:constr type="primFontSz" for="des" forName="Childtext1" refType="primFontSz" refFor="des" refForName="Parent1" op="lte"/>
+      <dgm:constr type="w" for="ch" forName="composite" refType="w"/>
+      <dgm:constr type="h" for="ch" forName="composite" refType="h"/>
+      <dgm:constr type="h" for="ch" forName="spaceBetweenRectangles" refType="w" refFor="ch" refForName="composite" fact="-0.042"/>
+      <dgm:constr type="sp" refType="h" refFor="ch" refForName="composite" op="equ" fact="0.1"/>
+    </dgm:constrLst>
+    <dgm:forEach name="nodesForEach" axis="ch" ptType="node">
+      <dgm:layoutNode name="composite">
+        <dgm:alg type="composite">
+          <dgm:param type="ar" val="3.6"/>
+        </dgm:alg>
+        <dgm:shape xmlns:r="http://schemas.openxmlformats.org/officeDocument/2006/relationships" r:blip="">
+          <dgm:adjLst/>
+        </dgm:shape>
+        <dgm:choose name="Name1">
+          <dgm:if name="Name2" func="var" arg="dir" op="equ" val="norm">
+            <dgm:choose name="Name3">
+              <dgm:if name="Name4" axis="self" ptType="node" func="posOdd" op="equ" val="1">
+                <dgm:constrLst>
+                  <dgm:constr type="l" for="ch" forName="Accent1" refType="w" fact="0.18"/>
+                  <dgm:constr type="t" for="ch" forName="Accent1" refType="h" fact="0"/>
+                  <dgm:constr type="h" for="ch" forName="Accent1" refType="h"/>
+                  <dgm:constr type="w" for="ch" forName="Accent1" refType="h" fact="0.87"/>
+                  <dgm:constr type="l" for="ch" forName="Accent1Text" refType="w" fact="0.18"/>
+                  <dgm:constr type="t" for="ch" forName="Accent1Text" refType="h" fact="0"/>
+                  <dgm:constr type="h" for="ch" forName="Accent1Text" refType="h"/>
+                  <dgm:constr type="w" for="ch" forName="Accent1Text" refType="h" fact="0.87"/>
+                  <dgm:constr type="l" for="ch" forName="Parent1" refType="w" fact="0.441"/>
+                  <dgm:constr type="t" for="ch" forName="Parent1" refType="h" fact="0"/>
+                  <dgm:constr type="h" for="ch" forName="Parent1" refType="h"/>
+                  <dgm:constr type="w" for="ch" forName="Parent1" refType="h" fact="0.87"/>
+                  <dgm:constr type="l" for="ch" forName="Childtext1" refType="w" fact="0.69"/>
+                  <dgm:constr type="t" for="ch" forName="Childtext1" refType="h" fact="0.2"/>
+                  <dgm:constr type="w" for="ch" forName="Childtext1" refType="w" fact="0.31"/>
+                  <dgm:constr type="h" for="ch" forName="Childtext1" refType="h" fact="0.6"/>
+                  <dgm:constr type="l" for="ch" forName="BalanceSpacing" refType="w" fact="0"/>
+                  <dgm:constr type="t" for="ch" forName="BalanceSpacing" refType="h" fact="0"/>
+                  <dgm:constr type="w" for="ch" forName="BalanceSpacing" refType="w"/>
+                  <dgm:constr type="h" for="ch" forName="BalanceSpacing" refType="h" fact="0.1"/>
+                  <dgm:constr type="l" for="ch" forName="BalanceSpacing1" refType="w" fact="0.69"/>
+                  <dgm:constr type="t" for="ch" forName="BalanceSpacing1" refType="h" fact="0.2"/>
+                  <dgm:constr type="w" for="ch" forName="BalanceSpacing1" refType="w" fact="0.31"/>
+                  <dgm:constr type="h" for="ch" forName="BalanceSpacing1" refType="h" fact="0.6"/>
+                </dgm:constrLst>
+              </dgm:if>
+              <dgm:else name="Name5">
+                <dgm:constrLst>
+                  <dgm:constr type="l" for="ch" forName="Accent1" refType="w" fact="0.571"/>
+                  <dgm:constr type="t" for="ch" forName="Accent1" refType="h" fact="0"/>
+                  <dgm:constr type="h" for="ch" forName="Accent1" refType="h"/>
+                  <dgm:constr type="w" for="ch" forName="Accent1" refType="h" fact="0.87"/>
+                  <dgm:constr type="l" for="ch" forName="Accent1Text" refType="w" fact="0.571"/>
+                  <dgm:constr type="t" for="ch" forName="Accent1Text" refType="h" fact="0"/>
+                  <dgm:constr type="h" for="ch" forName="Accent1Text" refType="h"/>
+                  <dgm:constr type="w" for="ch" forName="Accent1Text" refType="h" fact="0.87"/>
+                  <dgm:constr type="l" for="ch" forName="Parent1" refType="w" fact="0.31"/>
+                  <dgm:constr type="t" for="ch" forName="Parent1" refType="h" fact="0"/>
+                  <dgm:constr type="h" for="ch" forName="Parent1" refType="h"/>
+                  <dgm:constr type="w" for="ch" forName="Parent1" refType="h" fact="0.87"/>
+                  <dgm:constr type="l" for="ch" forName="Childtext1" refType="w" fact="0"/>
+                  <dgm:constr type="t" for="ch" forName="Childtext1" refType="h" fact="0.2"/>
+                  <dgm:constr type="w" for="ch" forName="Childtext1" refType="w" fact="0.3"/>
+                  <dgm:constr type="h" for="ch" forName="Childtext1" refType="h" fact="0.6"/>
+                  <dgm:constr type="l" for="ch" forName="BalanceSpacing" refType="w" fact="0.82"/>
+                  <dgm:constr type="t" for="ch" forName="BalanceSpacing" refType="h" fact="0"/>
+                  <dgm:constr type="w" for="ch" forName="BalanceSpacing" refType="w" fact="0.18"/>
+                  <dgm:constr type="h" for="ch" forName="BalanceSpacing" refType="h"/>
+                  <dgm:constr type="l" for="ch" forName="BalanceSpacing1" refType="w" fact="0"/>
+                  <dgm:constr type="t" for="ch" forName="BalanceSpacing1" refType="h" fact="0.2"/>
+                  <dgm:constr type="w" for="ch" forName="BalanceSpacing1" refType="w" fact="0.3"/>
+                  <dgm:constr type="h" for="ch" forName="BalanceSpacing1" refType="h" fact="0.6"/>
+                </dgm:constrLst>
+              </dgm:else>
+            </dgm:choose>
+          </dgm:if>
+          <dgm:else name="Name6">
+            <dgm:choose name="Name7">
+              <dgm:if name="Name8" axis="self" ptType="node" func="posOdd" op="equ" val="1">
+                <dgm:constrLst>
+                  <dgm:constr type="l" for="ch" forName="Accent1" refType="w" fact="0.571"/>
+                  <dgm:constr type="t" for="ch" forName="Accent1" refType="h" fact="0"/>
+                  <dgm:constr type="h" for="ch" forName="Accent1" refType="h"/>
+                  <dgm:constr type="w" for="ch" forName="Accent1" refType="h" fact="0.87"/>
+                  <dgm:constr type="l" for="ch" forName="Accent1Text" refType="w" fact="0.571"/>
+                  <dgm:constr type="t" for="ch" forName="Accent1Text" refType="h" fact="0"/>
+                  <dgm:constr type="h" for="ch" forName="Accent1Text" refType="h"/>
+                  <dgm:constr type="w" for="ch" forName="Accent1Text" refType="h" fact="0.87"/>
+                  <dgm:constr type="l" for="ch" forName="Parent1" refType="w" fact="0.31"/>
+                  <dgm:constr type="t" for="ch" forName="Parent1" refType="h" fact="0"/>
+                  <dgm:constr type="h" for="ch" forName="Parent1" refType="h"/>
+                  <dgm:constr type="w" for="ch" forName="Parent1" refType="h" fact="0.87"/>
+                  <dgm:constr type="l" for="ch" forName="Childtext1" refType="w" fact="0"/>
+                  <dgm:constr type="t" for="ch" forName="Childtext1" refType="h" fact="0.2"/>
+                  <dgm:constr type="w" for="ch" forName="Childtext1" refType="w" fact="0.3"/>
+                  <dgm:constr type="h" for="ch" forName="Childtext1" refType="h" fact="0.6"/>
+                  <dgm:constr type="l" for="ch" forName="BalanceSpacing" refType="w" fact="0.82"/>
+                  <dgm:constr type="t" for="ch" forName="BalanceSpacing" refType="h" fact="0"/>
+                  <dgm:constr type="w" for="ch" forName="BalanceSpacing" refType="w" fact="0.18"/>
+                  <dgm:constr type="h" for="ch" forName="BalanceSpacing" refType="h"/>
+                </dgm:constrLst>
+              </dgm:if>
+              <dgm:else name="Name9">
+                <dgm:constrLst>
+                  <dgm:constr type="l" for="ch" forName="Accent1" refType="w" fact="0.18"/>
+                  <dgm:constr type="t" for="ch" forName="Accent1" refType="h" fact="0"/>
+                  <dgm:constr type="h" for="ch" forName="Accent1" refType="h"/>
+                  <dgm:constr type="w" for="ch" forName="Accent1" refType="h" fact="0.87"/>
+                  <dgm:constr type="l" for="ch" forName="Accent1Text" refType="w" fact="0.18"/>
+                  <dgm:constr type="t" for="ch" forName="Accent1Text" refType="h" fact="0"/>
+                  <dgm:constr type="h" for="ch" forName="Accent1Text" refType="h"/>
+                  <dgm:constr type="w" for="ch" forName="Accent1Text" refType="h" fact="0.87"/>
+                  <dgm:constr type="l" for="ch" forName="Parent1" refType="w" fact="0.441"/>
+                  <dgm:constr type="t" for="ch" forName="Parent1" refType="h" fact="0"/>
+                  <dgm:constr type="h" for="ch" forName="Parent1" refType="h"/>
+                  <dgm:constr type="w" for="ch" forName="Parent1" refType="h" fact="0.87"/>
+                  <dgm:constr type="l" for="ch" forName="Childtext1" refType="w" fact="0.69"/>
+                  <dgm:constr type="t" for="ch" forName="Childtext1" refType="h" fact="0.2"/>
+                  <dgm:constr type="w" for="ch" forName="Childtext1" refType="w" fact="0.31"/>
+                  <dgm:constr type="h" for="ch" forName="Childtext1" refType="h" fact="0.6"/>
+                  <dgm:constr type="l" for="ch" forName="BalanceSpacing" refType="w" fact="0"/>
+                  <dgm:constr type="t" for="ch" forName="BalanceSpacing" refType="h" fact="0"/>
+                  <dgm:constr type="w" for="ch" forName="BalanceSpacing" refType="w" fact="0.18"/>
+                  <dgm:constr type="h" for="ch" forName="BalanceSpacing" refType="h"/>
+                </dgm:constrLst>
+              </dgm:else>
+            </dgm:choose>
+          </dgm:else>
+        </dgm:choose>
+        <dgm:layoutNode name="Parent1" styleLbl="node1">
+          <dgm:varLst>
+            <dgm:chMax val="1"/>
+            <dgm:chPref val="1"/>
+            <dgm:bulletEnabled val="1"/>
+          </dgm:varLst>
+          <dgm:alg type="tx"/>
+          <dgm:shape xmlns:r="http://schemas.openxmlformats.org/officeDocument/2006/relationships" rot="90" type="hexagon" r:blip="">
+            <dgm:adjLst>
+              <dgm:adj idx="1" val="0.25"/>
+              <dgm:adj idx="2" val="1.1547"/>
+            </dgm:adjLst>
+          </dgm:shape>
+          <dgm:presOf axis="self" ptType="node"/>
+          <dgm:constrLst>
+            <dgm:constr type="lMarg" refType="primFontSz" fact="0.3"/>
+            <dgm:constr type="rMarg" refType="primFontSz" fact="0.3"/>
+            <dgm:constr type="tMarg" refType="primFontSz" fact="0.3"/>
+            <dgm:constr type="bMarg" refType="primFontSz" fact="0.3"/>
+          </dgm:constrLst>
+          <dgm:ruleLst>
+            <dgm:rule type="primFontSz" val="5" fact="NaN" max="NaN"/>
+          </dgm:ruleLst>
+        </dgm:layoutNode>
+        <dgm:layoutNode name="Childtext1" styleLbl="revTx">
+          <dgm:varLst>
+            <dgm:chMax val="0"/>
+            <dgm:chPref val="0"/>
+            <dgm:bulletEnabled val="1"/>
+          </dgm:varLst>
+          <dgm:choose name="Name10">
+            <dgm:if name="Name11" func="var" arg="dir" op="equ" val="norm">
+              <dgm:choose name="Name12">
+                <dgm:if name="Name13" axis="self" ptType="node" func="posOdd" op="equ" val="1">
+                  <dgm:alg type="tx">
+                    <dgm:param type="parTxLTRAlign" val="l"/>
+                  </dgm:alg>
+                </dgm:if>
+                <dgm:else name="Name14">
+                  <dgm:alg type="tx">
+                    <dgm:param type="parTxLTRAlign" val="r"/>
+                  </dgm:alg>
+                </dgm:else>
+              </dgm:choose>
+            </dgm:if>
+            <dgm:else name="Name15">
+              <dgm:choose name="Name16">
+                <dgm:if name="Name17" axis="self" ptType="node" func="posOdd" op="equ" val="1">
+                  <dgm:alg type="tx">
+                    <dgm:param type="parTxLTRAlign" val="r"/>
+                  </dgm:alg>
+                </dgm:if>
+                <dgm:else name="Name18">
+                  <dgm:alg type="tx">
+                    <dgm:param type="parTxLTRAlign" val="l"/>
+                  </dgm:alg>
+                </dgm:else>
+              </dgm:choose>
+            </dgm:else>
+          </dgm:choose>
+          <dgm:shape xmlns:r="http://schemas.openxmlformats.org/officeDocument/2006/relationships" type="rect" r:blip="">
+            <dgm:adjLst/>
+          </dgm:shape>
+          <dgm:presOf axis="des" ptType="node"/>
+          <dgm:constrLst>
+            <dgm:constr type="lMarg" refType="primFontSz" fact="0.3"/>
+            <dgm:constr type="rMarg" refType="primFontSz" fact="0.3"/>
+            <dgm:constr type="tMarg" refType="primFontSz" fact="0.3"/>
+            <dgm:constr type="bMarg" refType="primFontSz" fact="0.3"/>
+          </dgm:constrLst>
+          <dgm:ruleLst>
+            <dgm:rule type="primFontSz" val="5" fact="NaN" max="NaN"/>
+          </dgm:ruleLst>
+        </dgm:layoutNode>
+        <dgm:layoutNode name="BalanceSpacing">
+          <dgm:alg type="sp"/>
+          <dgm:shape xmlns:r="http://schemas.openxmlformats.org/officeDocument/2006/relationships" r:blip="">
+            <dgm:adjLst/>
+          </dgm:shape>
+        </dgm:layoutNode>
+        <dgm:layoutNode name="BalanceSpacing1">
+          <dgm:alg type="sp"/>
+          <dgm:shape xmlns:r="http://schemas.openxmlformats.org/officeDocument/2006/relationships" r:blip="">
+            <dgm:adjLst/>
+          </dgm:shape>
+        </dgm:layoutNode>
+        <dgm:forEach name="Name19" axis="followSib" ptType="sibTrans" hideLastTrans="0" cnt="1">
+          <dgm:layoutNode name="Accent1Text" styleLbl="node1">
+            <dgm:alg type="tx"/>
+            <dgm:shape xmlns:r="http://schemas.openxmlformats.org/officeDocument/2006/relationships" rot="90" type="hexagon" r:blip="">
+              <dgm:adjLst>
+                <dgm:adj idx="1" val="0.25"/>
+                <dgm:adj idx="2" val="1.1547"/>
+              </dgm:adjLst>
+            </dgm:shape>
+            <dgm:presOf axis="self" ptType="sibTrans"/>
+            <dgm:constrLst>
+              <dgm:constr type="lMarg"/>
+              <dgm:constr type="rMarg"/>
+              <dgm:constr type="tMarg"/>
+              <dgm:constr type="bMarg"/>
+            </dgm:constrLst>
+            <dgm:ruleLst>
+              <dgm:rule type="primFontSz" val="5" fact="NaN" max="NaN"/>
+            </dgm:ruleLst>
+          </dgm:layoutNode>
+        </dgm:forEach>
+      </dgm:layoutNode>
+      <dgm:forEach name="Name20" axis="followSib" ptType="sibTrans" cnt="1">
+        <dgm:layoutNode name="spaceBetweenRectangles">
+          <dgm:alg type="sp"/>
+          <dgm:shape xmlns:r="http://schemas.openxmlformats.org/officeDocument/2006/relationships" r:blip="">
+            <dgm:adjLst/>
+          </dgm:shape>
+          <dgm:presOf/>
+          <dgm:constrLst/>
+          <dgm:ruleLst/>
+        </dgm:layoutNode>
+      </dgm:forEach>
+    </dgm:forEach>
+  </dgm:layoutNode>
+</dgm:layoutDef>
+</file>
+
 <file path=ppt/diagrams/quickStyle1.xml><?xml version="1.0" encoding="utf-8"?>
 <dgm:styleDef xmlns:dgm="http://schemas.openxmlformats.org/drawingml/2006/diagram" xmlns:a="http://schemas.openxmlformats.org/drawingml/2006/main" uniqueId="urn:microsoft.com/office/officeart/2005/8/quickstyle/simple4">
   <dgm:title val=""/>
@@ -7364,6 +8287,1040 @@
         <a:scrgbClr r="0" g="0" b="0"/>
       </a:fillRef>
       <a:effectRef idx="1">
+        <a:scrgbClr r="0" g="0" b="0"/>
+      </a:effectRef>
+      <a:fontRef idx="minor"/>
+    </dgm:style>
+  </dgm:styleLbl>
+  <dgm:styleLbl name="revTx">
+    <dgm:scene3d>
+      <a:camera prst="orthographicFront"/>
+      <a:lightRig rig="threePt" dir="t"/>
+    </dgm:scene3d>
+    <dgm:sp3d/>
+    <dgm:txPr/>
+    <dgm:style>
+      <a:lnRef idx="0">
+        <a:scrgbClr r="0" g="0" b="0"/>
+      </a:lnRef>
+      <a:fillRef idx="0">
+        <a:scrgbClr r="0" g="0" b="0"/>
+      </a:fillRef>
+      <a:effectRef idx="0">
+        <a:scrgbClr r="0" g="0" b="0"/>
+      </a:effectRef>
+      <a:fontRef idx="minor"/>
+    </dgm:style>
+  </dgm:styleLbl>
+</dgm:styleDef>
+</file>
+
+<file path=ppt/diagrams/quickStyle3.xml><?xml version="1.0" encoding="utf-8"?>
+<dgm:styleDef xmlns:dgm="http://schemas.openxmlformats.org/drawingml/2006/diagram" xmlns:a="http://schemas.openxmlformats.org/drawingml/2006/main" uniqueId="urn:microsoft.com/office/officeart/2005/8/quickstyle/simple1">
+  <dgm:title val=""/>
+  <dgm:desc val=""/>
+  <dgm:catLst>
+    <dgm:cat type="simple" pri="10100"/>
+  </dgm:catLst>
+  <dgm:scene3d>
+    <a:camera prst="orthographicFront"/>
+    <a:lightRig rig="threePt" dir="t"/>
+  </dgm:scene3d>
+  <dgm:styleLbl name="node0">
+    <dgm:scene3d>
+      <a:camera prst="orthographicFront"/>
+      <a:lightRig rig="threePt" dir="t"/>
+    </dgm:scene3d>
+    <dgm:sp3d/>
+    <dgm:txPr/>
+    <dgm:style>
+      <a:lnRef idx="2">
+        <a:scrgbClr r="0" g="0" b="0"/>
+      </a:lnRef>
+      <a:fillRef idx="1">
+        <a:scrgbClr r="0" g="0" b="0"/>
+      </a:fillRef>
+      <a:effectRef idx="0">
+        <a:scrgbClr r="0" g="0" b="0"/>
+      </a:effectRef>
+      <a:fontRef idx="minor">
+        <a:schemeClr val="lt1"/>
+      </a:fontRef>
+    </dgm:style>
+  </dgm:styleLbl>
+  <dgm:styleLbl name="lnNode1">
+    <dgm:scene3d>
+      <a:camera prst="orthographicFront"/>
+      <a:lightRig rig="threePt" dir="t"/>
+    </dgm:scene3d>
+    <dgm:sp3d/>
+    <dgm:txPr/>
+    <dgm:style>
+      <a:lnRef idx="2">
+        <a:scrgbClr r="0" g="0" b="0"/>
+      </a:lnRef>
+      <a:fillRef idx="1">
+        <a:scrgbClr r="0" g="0" b="0"/>
+      </a:fillRef>
+      <a:effectRef idx="0">
+        <a:scrgbClr r="0" g="0" b="0"/>
+      </a:effectRef>
+      <a:fontRef idx="minor">
+        <a:schemeClr val="lt1"/>
+      </a:fontRef>
+    </dgm:style>
+  </dgm:styleLbl>
+  <dgm:styleLbl name="vennNode1">
+    <dgm:scene3d>
+      <a:camera prst="orthographicFront"/>
+      <a:lightRig rig="threePt" dir="t"/>
+    </dgm:scene3d>
+    <dgm:sp3d/>
+    <dgm:txPr/>
+    <dgm:style>
+      <a:lnRef idx="2">
+        <a:scrgbClr r="0" g="0" b="0"/>
+      </a:lnRef>
+      <a:fillRef idx="1">
+        <a:scrgbClr r="0" g="0" b="0"/>
+      </a:fillRef>
+      <a:effectRef idx="0">
+        <a:scrgbClr r="0" g="0" b="0"/>
+      </a:effectRef>
+      <a:fontRef idx="minor">
+        <a:schemeClr val="tx1"/>
+      </a:fontRef>
+    </dgm:style>
+  </dgm:styleLbl>
+  <dgm:styleLbl name="alignNode1">
+    <dgm:scene3d>
+      <a:camera prst="orthographicFront"/>
+      <a:lightRig rig="threePt" dir="t"/>
+    </dgm:scene3d>
+    <dgm:sp3d/>
+    <dgm:txPr/>
+    <dgm:style>
+      <a:lnRef idx="2">
+        <a:scrgbClr r="0" g="0" b="0"/>
+      </a:lnRef>
+      <a:fillRef idx="1">
+        <a:scrgbClr r="0" g="0" b="0"/>
+      </a:fillRef>
+      <a:effectRef idx="0">
+        <a:scrgbClr r="0" g="0" b="0"/>
+      </a:effectRef>
+      <a:fontRef idx="minor">
+        <a:schemeClr val="lt1"/>
+      </a:fontRef>
+    </dgm:style>
+  </dgm:styleLbl>
+  <dgm:styleLbl name="node1">
+    <dgm:scene3d>
+      <a:camera prst="orthographicFront"/>
+      <a:lightRig rig="threePt" dir="t"/>
+    </dgm:scene3d>
+    <dgm:sp3d/>
+    <dgm:txPr/>
+    <dgm:style>
+      <a:lnRef idx="2">
+        <a:scrgbClr r="0" g="0" b="0"/>
+      </a:lnRef>
+      <a:fillRef idx="1">
+        <a:scrgbClr r="0" g="0" b="0"/>
+      </a:fillRef>
+      <a:effectRef idx="0">
+        <a:scrgbClr r="0" g="0" b="0"/>
+      </a:effectRef>
+      <a:fontRef idx="minor">
+        <a:schemeClr val="lt1"/>
+      </a:fontRef>
+    </dgm:style>
+  </dgm:styleLbl>
+  <dgm:styleLbl name="node2">
+    <dgm:scene3d>
+      <a:camera prst="orthographicFront"/>
+      <a:lightRig rig="threePt" dir="t"/>
+    </dgm:scene3d>
+    <dgm:sp3d/>
+    <dgm:txPr/>
+    <dgm:style>
+      <a:lnRef idx="2">
+        <a:scrgbClr r="0" g="0" b="0"/>
+      </a:lnRef>
+      <a:fillRef idx="1">
+        <a:scrgbClr r="0" g="0" b="0"/>
+      </a:fillRef>
+      <a:effectRef idx="0">
+        <a:scrgbClr r="0" g="0" b="0"/>
+      </a:effectRef>
+      <a:fontRef idx="minor">
+        <a:schemeClr val="lt1"/>
+      </a:fontRef>
+    </dgm:style>
+  </dgm:styleLbl>
+  <dgm:styleLbl name="node3">
+    <dgm:scene3d>
+      <a:camera prst="orthographicFront"/>
+      <a:lightRig rig="threePt" dir="t"/>
+    </dgm:scene3d>
+    <dgm:sp3d/>
+    <dgm:txPr/>
+    <dgm:style>
+      <a:lnRef idx="2">
+        <a:scrgbClr r="0" g="0" b="0"/>
+      </a:lnRef>
+      <a:fillRef idx="1">
+        <a:scrgbClr r="0" g="0" b="0"/>
+      </a:fillRef>
+      <a:effectRef idx="0">
+        <a:scrgbClr r="0" g="0" b="0"/>
+      </a:effectRef>
+      <a:fontRef idx="minor">
+        <a:schemeClr val="lt1"/>
+      </a:fontRef>
+    </dgm:style>
+  </dgm:styleLbl>
+  <dgm:styleLbl name="node4">
+    <dgm:scene3d>
+      <a:camera prst="orthographicFront"/>
+      <a:lightRig rig="threePt" dir="t"/>
+    </dgm:scene3d>
+    <dgm:sp3d/>
+    <dgm:txPr/>
+    <dgm:style>
+      <a:lnRef idx="2">
+        <a:scrgbClr r="0" g="0" b="0"/>
+      </a:lnRef>
+      <a:fillRef idx="1">
+        <a:scrgbClr r="0" g="0" b="0"/>
+      </a:fillRef>
+      <a:effectRef idx="0">
+        <a:scrgbClr r="0" g="0" b="0"/>
+      </a:effectRef>
+      <a:fontRef idx="minor">
+        <a:schemeClr val="lt1"/>
+      </a:fontRef>
+    </dgm:style>
+  </dgm:styleLbl>
+  <dgm:styleLbl name="fgImgPlace1">
+    <dgm:scene3d>
+      <a:camera prst="orthographicFront"/>
+      <a:lightRig rig="threePt" dir="t"/>
+    </dgm:scene3d>
+    <dgm:sp3d/>
+    <dgm:txPr/>
+    <dgm:style>
+      <a:lnRef idx="2">
+        <a:scrgbClr r="0" g="0" b="0"/>
+      </a:lnRef>
+      <a:fillRef idx="1">
+        <a:scrgbClr r="0" g="0" b="0"/>
+      </a:fillRef>
+      <a:effectRef idx="0">
+        <a:scrgbClr r="0" g="0" b="0"/>
+      </a:effectRef>
+      <a:fontRef idx="minor"/>
+    </dgm:style>
+  </dgm:styleLbl>
+  <dgm:styleLbl name="alignImgPlace1">
+    <dgm:scene3d>
+      <a:camera prst="orthographicFront"/>
+      <a:lightRig rig="threePt" dir="t"/>
+    </dgm:scene3d>
+    <dgm:sp3d/>
+    <dgm:txPr/>
+    <dgm:style>
+      <a:lnRef idx="2">
+        <a:scrgbClr r="0" g="0" b="0"/>
+      </a:lnRef>
+      <a:fillRef idx="1">
+        <a:scrgbClr r="0" g="0" b="0"/>
+      </a:fillRef>
+      <a:effectRef idx="0">
+        <a:scrgbClr r="0" g="0" b="0"/>
+      </a:effectRef>
+      <a:fontRef idx="minor"/>
+    </dgm:style>
+  </dgm:styleLbl>
+  <dgm:styleLbl name="bgImgPlace1">
+    <dgm:scene3d>
+      <a:camera prst="orthographicFront"/>
+      <a:lightRig rig="threePt" dir="t"/>
+    </dgm:scene3d>
+    <dgm:sp3d/>
+    <dgm:txPr/>
+    <dgm:style>
+      <a:lnRef idx="2">
+        <a:scrgbClr r="0" g="0" b="0"/>
+      </a:lnRef>
+      <a:fillRef idx="1">
+        <a:scrgbClr r="0" g="0" b="0"/>
+      </a:fillRef>
+      <a:effectRef idx="0">
+        <a:scrgbClr r="0" g="0" b="0"/>
+      </a:effectRef>
+      <a:fontRef idx="minor"/>
+    </dgm:style>
+  </dgm:styleLbl>
+  <dgm:styleLbl name="sibTrans2D1">
+    <dgm:scene3d>
+      <a:camera prst="orthographicFront"/>
+      <a:lightRig rig="threePt" dir="t"/>
+    </dgm:scene3d>
+    <dgm:sp3d/>
+    <dgm:txPr/>
+    <dgm:style>
+      <a:lnRef idx="0">
+        <a:scrgbClr r="0" g="0" b="0"/>
+      </a:lnRef>
+      <a:fillRef idx="1">
+        <a:scrgbClr r="0" g="0" b="0"/>
+      </a:fillRef>
+      <a:effectRef idx="0">
+        <a:scrgbClr r="0" g="0" b="0"/>
+      </a:effectRef>
+      <a:fontRef idx="minor">
+        <a:schemeClr val="lt1"/>
+      </a:fontRef>
+    </dgm:style>
+  </dgm:styleLbl>
+  <dgm:styleLbl name="fgSibTrans2D1">
+    <dgm:scene3d>
+      <a:camera prst="orthographicFront"/>
+      <a:lightRig rig="threePt" dir="t"/>
+    </dgm:scene3d>
+    <dgm:sp3d/>
+    <dgm:txPr/>
+    <dgm:style>
+      <a:lnRef idx="0">
+        <a:scrgbClr r="0" g="0" b="0"/>
+      </a:lnRef>
+      <a:fillRef idx="1">
+        <a:scrgbClr r="0" g="0" b="0"/>
+      </a:fillRef>
+      <a:effectRef idx="0">
+        <a:scrgbClr r="0" g="0" b="0"/>
+      </a:effectRef>
+      <a:fontRef idx="minor">
+        <a:schemeClr val="lt1"/>
+      </a:fontRef>
+    </dgm:style>
+  </dgm:styleLbl>
+  <dgm:styleLbl name="bgSibTrans2D1">
+    <dgm:scene3d>
+      <a:camera prst="orthographicFront"/>
+      <a:lightRig rig="threePt" dir="t"/>
+    </dgm:scene3d>
+    <dgm:sp3d/>
+    <dgm:txPr/>
+    <dgm:style>
+      <a:lnRef idx="0">
+        <a:scrgbClr r="0" g="0" b="0"/>
+      </a:lnRef>
+      <a:fillRef idx="1">
+        <a:scrgbClr r="0" g="0" b="0"/>
+      </a:fillRef>
+      <a:effectRef idx="0">
+        <a:scrgbClr r="0" g="0" b="0"/>
+      </a:effectRef>
+      <a:fontRef idx="minor">
+        <a:schemeClr val="lt1"/>
+      </a:fontRef>
+    </dgm:style>
+  </dgm:styleLbl>
+  <dgm:styleLbl name="sibTrans1D1">
+    <dgm:scene3d>
+      <a:camera prst="orthographicFront"/>
+      <a:lightRig rig="threePt" dir="t"/>
+    </dgm:scene3d>
+    <dgm:sp3d/>
+    <dgm:txPr/>
+    <dgm:style>
+      <a:lnRef idx="1">
+        <a:scrgbClr r="0" g="0" b="0"/>
+      </a:lnRef>
+      <a:fillRef idx="0">
+        <a:scrgbClr r="0" g="0" b="0"/>
+      </a:fillRef>
+      <a:effectRef idx="0">
+        <a:scrgbClr r="0" g="0" b="0"/>
+      </a:effectRef>
+      <a:fontRef idx="minor"/>
+    </dgm:style>
+  </dgm:styleLbl>
+  <dgm:styleLbl name="callout">
+    <dgm:scene3d>
+      <a:camera prst="orthographicFront"/>
+      <a:lightRig rig="threePt" dir="t"/>
+    </dgm:scene3d>
+    <dgm:sp3d/>
+    <dgm:txPr/>
+    <dgm:style>
+      <a:lnRef idx="2">
+        <a:scrgbClr r="0" g="0" b="0"/>
+      </a:lnRef>
+      <a:fillRef idx="1">
+        <a:scrgbClr r="0" g="0" b="0"/>
+      </a:fillRef>
+      <a:effectRef idx="0">
+        <a:scrgbClr r="0" g="0" b="0"/>
+      </a:effectRef>
+      <a:fontRef idx="minor"/>
+    </dgm:style>
+  </dgm:styleLbl>
+  <dgm:styleLbl name="asst0">
+    <dgm:scene3d>
+      <a:camera prst="orthographicFront"/>
+      <a:lightRig rig="threePt" dir="t"/>
+    </dgm:scene3d>
+    <dgm:sp3d/>
+    <dgm:txPr/>
+    <dgm:style>
+      <a:lnRef idx="2">
+        <a:scrgbClr r="0" g="0" b="0"/>
+      </a:lnRef>
+      <a:fillRef idx="1">
+        <a:scrgbClr r="0" g="0" b="0"/>
+      </a:fillRef>
+      <a:effectRef idx="0">
+        <a:scrgbClr r="0" g="0" b="0"/>
+      </a:effectRef>
+      <a:fontRef idx="minor">
+        <a:schemeClr val="lt1"/>
+      </a:fontRef>
+    </dgm:style>
+  </dgm:styleLbl>
+  <dgm:styleLbl name="asst1">
+    <dgm:scene3d>
+      <a:camera prst="orthographicFront"/>
+      <a:lightRig rig="threePt" dir="t"/>
+    </dgm:scene3d>
+    <dgm:sp3d/>
+    <dgm:txPr/>
+    <dgm:style>
+      <a:lnRef idx="2">
+        <a:scrgbClr r="0" g="0" b="0"/>
+      </a:lnRef>
+      <a:fillRef idx="1">
+        <a:scrgbClr r="0" g="0" b="0"/>
+      </a:fillRef>
+      <a:effectRef idx="0">
+        <a:scrgbClr r="0" g="0" b="0"/>
+      </a:effectRef>
+      <a:fontRef idx="minor">
+        <a:schemeClr val="lt1"/>
+      </a:fontRef>
+    </dgm:style>
+  </dgm:styleLbl>
+  <dgm:styleLbl name="asst2">
+    <dgm:scene3d>
+      <a:camera prst="orthographicFront"/>
+      <a:lightRig rig="threePt" dir="t"/>
+    </dgm:scene3d>
+    <dgm:sp3d/>
+    <dgm:txPr/>
+    <dgm:style>
+      <a:lnRef idx="2">
+        <a:scrgbClr r="0" g="0" b="0"/>
+      </a:lnRef>
+      <a:fillRef idx="1">
+        <a:scrgbClr r="0" g="0" b="0"/>
+      </a:fillRef>
+      <a:effectRef idx="0">
+        <a:scrgbClr r="0" g="0" b="0"/>
+      </a:effectRef>
+      <a:fontRef idx="minor">
+        <a:schemeClr val="lt1"/>
+      </a:fontRef>
+    </dgm:style>
+  </dgm:styleLbl>
+  <dgm:styleLbl name="asst3">
+    <dgm:scene3d>
+      <a:camera prst="orthographicFront"/>
+      <a:lightRig rig="threePt" dir="t"/>
+    </dgm:scene3d>
+    <dgm:sp3d/>
+    <dgm:txPr/>
+    <dgm:style>
+      <a:lnRef idx="2">
+        <a:scrgbClr r="0" g="0" b="0"/>
+      </a:lnRef>
+      <a:fillRef idx="1">
+        <a:scrgbClr r="0" g="0" b="0"/>
+      </a:fillRef>
+      <a:effectRef idx="0">
+        <a:scrgbClr r="0" g="0" b="0"/>
+      </a:effectRef>
+      <a:fontRef idx="minor">
+        <a:schemeClr val="lt1"/>
+      </a:fontRef>
+    </dgm:style>
+  </dgm:styleLbl>
+  <dgm:styleLbl name="asst4">
+    <dgm:scene3d>
+      <a:camera prst="orthographicFront"/>
+      <a:lightRig rig="threePt" dir="t"/>
+    </dgm:scene3d>
+    <dgm:sp3d/>
+    <dgm:txPr/>
+    <dgm:style>
+      <a:lnRef idx="2">
+        <a:scrgbClr r="0" g="0" b="0"/>
+      </a:lnRef>
+      <a:fillRef idx="1">
+        <a:scrgbClr r="0" g="0" b="0"/>
+      </a:fillRef>
+      <a:effectRef idx="0">
+        <a:scrgbClr r="0" g="0" b="0"/>
+      </a:effectRef>
+      <a:fontRef idx="minor">
+        <a:schemeClr val="lt1"/>
+      </a:fontRef>
+    </dgm:style>
+  </dgm:styleLbl>
+  <dgm:styleLbl name="parChTrans2D1">
+    <dgm:scene3d>
+      <a:camera prst="orthographicFront"/>
+      <a:lightRig rig="threePt" dir="t"/>
+    </dgm:scene3d>
+    <dgm:sp3d/>
+    <dgm:txPr/>
+    <dgm:style>
+      <a:lnRef idx="2">
+        <a:scrgbClr r="0" g="0" b="0"/>
+      </a:lnRef>
+      <a:fillRef idx="1">
+        <a:scrgbClr r="0" g="0" b="0"/>
+      </a:fillRef>
+      <a:effectRef idx="0">
+        <a:scrgbClr r="0" g="0" b="0"/>
+      </a:effectRef>
+      <a:fontRef idx="minor">
+        <a:schemeClr val="lt1"/>
+      </a:fontRef>
+    </dgm:style>
+  </dgm:styleLbl>
+  <dgm:styleLbl name="parChTrans2D2">
+    <dgm:scene3d>
+      <a:camera prst="orthographicFront"/>
+      <a:lightRig rig="threePt" dir="t"/>
+    </dgm:scene3d>
+    <dgm:sp3d/>
+    <dgm:txPr/>
+    <dgm:style>
+      <a:lnRef idx="2">
+        <a:scrgbClr r="0" g="0" b="0"/>
+      </a:lnRef>
+      <a:fillRef idx="1">
+        <a:scrgbClr r="0" g="0" b="0"/>
+      </a:fillRef>
+      <a:effectRef idx="0">
+        <a:scrgbClr r="0" g="0" b="0"/>
+      </a:effectRef>
+      <a:fontRef idx="minor">
+        <a:schemeClr val="lt1"/>
+      </a:fontRef>
+    </dgm:style>
+  </dgm:styleLbl>
+  <dgm:styleLbl name="parChTrans2D3">
+    <dgm:scene3d>
+      <a:camera prst="orthographicFront"/>
+      <a:lightRig rig="threePt" dir="t"/>
+    </dgm:scene3d>
+    <dgm:sp3d/>
+    <dgm:txPr/>
+    <dgm:style>
+      <a:lnRef idx="2">
+        <a:scrgbClr r="0" g="0" b="0"/>
+      </a:lnRef>
+      <a:fillRef idx="1">
+        <a:scrgbClr r="0" g="0" b="0"/>
+      </a:fillRef>
+      <a:effectRef idx="0">
+        <a:scrgbClr r="0" g="0" b="0"/>
+      </a:effectRef>
+      <a:fontRef idx="minor">
+        <a:schemeClr val="lt1"/>
+      </a:fontRef>
+    </dgm:style>
+  </dgm:styleLbl>
+  <dgm:styleLbl name="parChTrans2D4">
+    <dgm:scene3d>
+      <a:camera prst="orthographicFront"/>
+      <a:lightRig rig="threePt" dir="t"/>
+    </dgm:scene3d>
+    <dgm:sp3d/>
+    <dgm:txPr/>
+    <dgm:style>
+      <a:lnRef idx="2">
+        <a:scrgbClr r="0" g="0" b="0"/>
+      </a:lnRef>
+      <a:fillRef idx="1">
+        <a:scrgbClr r="0" g="0" b="0"/>
+      </a:fillRef>
+      <a:effectRef idx="0">
+        <a:scrgbClr r="0" g="0" b="0"/>
+      </a:effectRef>
+      <a:fontRef idx="minor">
+        <a:schemeClr val="lt1"/>
+      </a:fontRef>
+    </dgm:style>
+  </dgm:styleLbl>
+  <dgm:styleLbl name="parChTrans1D1">
+    <dgm:scene3d>
+      <a:camera prst="orthographicFront"/>
+      <a:lightRig rig="threePt" dir="t"/>
+    </dgm:scene3d>
+    <dgm:sp3d/>
+    <dgm:txPr/>
+    <dgm:style>
+      <a:lnRef idx="2">
+        <a:scrgbClr r="0" g="0" b="0"/>
+      </a:lnRef>
+      <a:fillRef idx="0">
+        <a:scrgbClr r="0" g="0" b="0"/>
+      </a:fillRef>
+      <a:effectRef idx="0">
+        <a:scrgbClr r="0" g="0" b="0"/>
+      </a:effectRef>
+      <a:fontRef idx="minor"/>
+    </dgm:style>
+  </dgm:styleLbl>
+  <dgm:styleLbl name="parChTrans1D2">
+    <dgm:scene3d>
+      <a:camera prst="orthographicFront"/>
+      <a:lightRig rig="threePt" dir="t"/>
+    </dgm:scene3d>
+    <dgm:sp3d/>
+    <dgm:txPr/>
+    <dgm:style>
+      <a:lnRef idx="2">
+        <a:scrgbClr r="0" g="0" b="0"/>
+      </a:lnRef>
+      <a:fillRef idx="0">
+        <a:scrgbClr r="0" g="0" b="0"/>
+      </a:fillRef>
+      <a:effectRef idx="0">
+        <a:scrgbClr r="0" g="0" b="0"/>
+      </a:effectRef>
+      <a:fontRef idx="minor"/>
+    </dgm:style>
+  </dgm:styleLbl>
+  <dgm:styleLbl name="parChTrans1D3">
+    <dgm:scene3d>
+      <a:camera prst="orthographicFront"/>
+      <a:lightRig rig="threePt" dir="t"/>
+    </dgm:scene3d>
+    <dgm:sp3d/>
+    <dgm:txPr/>
+    <dgm:style>
+      <a:lnRef idx="2">
+        <a:scrgbClr r="0" g="0" b="0"/>
+      </a:lnRef>
+      <a:fillRef idx="0">
+        <a:scrgbClr r="0" g="0" b="0"/>
+      </a:fillRef>
+      <a:effectRef idx="0">
+        <a:scrgbClr r="0" g="0" b="0"/>
+      </a:effectRef>
+      <a:fontRef idx="minor"/>
+    </dgm:style>
+  </dgm:styleLbl>
+  <dgm:styleLbl name="parChTrans1D4">
+    <dgm:scene3d>
+      <a:camera prst="orthographicFront"/>
+      <a:lightRig rig="threePt" dir="t"/>
+    </dgm:scene3d>
+    <dgm:sp3d/>
+    <dgm:txPr/>
+    <dgm:style>
+      <a:lnRef idx="2">
+        <a:scrgbClr r="0" g="0" b="0"/>
+      </a:lnRef>
+      <a:fillRef idx="0">
+        <a:scrgbClr r="0" g="0" b="0"/>
+      </a:fillRef>
+      <a:effectRef idx="0">
+        <a:scrgbClr r="0" g="0" b="0"/>
+      </a:effectRef>
+      <a:fontRef idx="minor"/>
+    </dgm:style>
+  </dgm:styleLbl>
+  <dgm:styleLbl name="fgAcc1">
+    <dgm:scene3d>
+      <a:camera prst="orthographicFront"/>
+      <a:lightRig rig="threePt" dir="t"/>
+    </dgm:scene3d>
+    <dgm:sp3d/>
+    <dgm:txPr/>
+    <dgm:style>
+      <a:lnRef idx="2">
+        <a:scrgbClr r="0" g="0" b="0"/>
+      </a:lnRef>
+      <a:fillRef idx="1">
+        <a:scrgbClr r="0" g="0" b="0"/>
+      </a:fillRef>
+      <a:effectRef idx="0">
+        <a:scrgbClr r="0" g="0" b="0"/>
+      </a:effectRef>
+      <a:fontRef idx="minor"/>
+    </dgm:style>
+  </dgm:styleLbl>
+  <dgm:styleLbl name="conFgAcc1">
+    <dgm:scene3d>
+      <a:camera prst="orthographicFront"/>
+      <a:lightRig rig="threePt" dir="t"/>
+    </dgm:scene3d>
+    <dgm:sp3d/>
+    <dgm:txPr/>
+    <dgm:style>
+      <a:lnRef idx="2">
+        <a:scrgbClr r="0" g="0" b="0"/>
+      </a:lnRef>
+      <a:fillRef idx="1">
+        <a:scrgbClr r="0" g="0" b="0"/>
+      </a:fillRef>
+      <a:effectRef idx="0">
+        <a:scrgbClr r="0" g="0" b="0"/>
+      </a:effectRef>
+      <a:fontRef idx="minor"/>
+    </dgm:style>
+  </dgm:styleLbl>
+  <dgm:styleLbl name="alignAcc1">
+    <dgm:scene3d>
+      <a:camera prst="orthographicFront"/>
+      <a:lightRig rig="threePt" dir="t"/>
+    </dgm:scene3d>
+    <dgm:sp3d/>
+    <dgm:txPr/>
+    <dgm:style>
+      <a:lnRef idx="2">
+        <a:scrgbClr r="0" g="0" b="0"/>
+      </a:lnRef>
+      <a:fillRef idx="1">
+        <a:scrgbClr r="0" g="0" b="0"/>
+      </a:fillRef>
+      <a:effectRef idx="0">
+        <a:scrgbClr r="0" g="0" b="0"/>
+      </a:effectRef>
+      <a:fontRef idx="minor"/>
+    </dgm:style>
+  </dgm:styleLbl>
+  <dgm:styleLbl name="trAlignAcc1">
+    <dgm:scene3d>
+      <a:camera prst="orthographicFront"/>
+      <a:lightRig rig="threePt" dir="t"/>
+    </dgm:scene3d>
+    <dgm:sp3d/>
+    <dgm:txPr/>
+    <dgm:style>
+      <a:lnRef idx="1">
+        <a:scrgbClr r="0" g="0" b="0"/>
+      </a:lnRef>
+      <a:fillRef idx="1">
+        <a:scrgbClr r="0" g="0" b="0"/>
+      </a:fillRef>
+      <a:effectRef idx="0">
+        <a:scrgbClr r="0" g="0" b="0"/>
+      </a:effectRef>
+      <a:fontRef idx="minor"/>
+    </dgm:style>
+  </dgm:styleLbl>
+  <dgm:styleLbl name="bgAcc1">
+    <dgm:scene3d>
+      <a:camera prst="orthographicFront"/>
+      <a:lightRig rig="threePt" dir="t"/>
+    </dgm:scene3d>
+    <dgm:sp3d/>
+    <dgm:txPr/>
+    <dgm:style>
+      <a:lnRef idx="2">
+        <a:scrgbClr r="0" g="0" b="0"/>
+      </a:lnRef>
+      <a:fillRef idx="1">
+        <a:scrgbClr r="0" g="0" b="0"/>
+      </a:fillRef>
+      <a:effectRef idx="0">
+        <a:scrgbClr r="0" g="0" b="0"/>
+      </a:effectRef>
+      <a:fontRef idx="minor"/>
+    </dgm:style>
+  </dgm:styleLbl>
+  <dgm:styleLbl name="solidFgAcc1">
+    <dgm:scene3d>
+      <a:camera prst="orthographicFront"/>
+      <a:lightRig rig="threePt" dir="t"/>
+    </dgm:scene3d>
+    <dgm:sp3d/>
+    <dgm:txPr/>
+    <dgm:style>
+      <a:lnRef idx="2">
+        <a:scrgbClr r="0" g="0" b="0"/>
+      </a:lnRef>
+      <a:fillRef idx="1">
+        <a:scrgbClr r="0" g="0" b="0"/>
+      </a:fillRef>
+      <a:effectRef idx="0">
+        <a:scrgbClr r="0" g="0" b="0"/>
+      </a:effectRef>
+      <a:fontRef idx="minor"/>
+    </dgm:style>
+  </dgm:styleLbl>
+  <dgm:styleLbl name="solidAlignAcc1">
+    <dgm:scene3d>
+      <a:camera prst="orthographicFront"/>
+      <a:lightRig rig="threePt" dir="t"/>
+    </dgm:scene3d>
+    <dgm:sp3d/>
+    <dgm:txPr/>
+    <dgm:style>
+      <a:lnRef idx="2">
+        <a:scrgbClr r="0" g="0" b="0"/>
+      </a:lnRef>
+      <a:fillRef idx="1">
+        <a:scrgbClr r="0" g="0" b="0"/>
+      </a:fillRef>
+      <a:effectRef idx="0">
+        <a:scrgbClr r="0" g="0" b="0"/>
+      </a:effectRef>
+      <a:fontRef idx="minor"/>
+    </dgm:style>
+  </dgm:styleLbl>
+  <dgm:styleLbl name="solidBgAcc1">
+    <dgm:scene3d>
+      <a:camera prst="orthographicFront"/>
+      <a:lightRig rig="threePt" dir="t"/>
+    </dgm:scene3d>
+    <dgm:sp3d/>
+    <dgm:txPr/>
+    <dgm:style>
+      <a:lnRef idx="2">
+        <a:scrgbClr r="0" g="0" b="0"/>
+      </a:lnRef>
+      <a:fillRef idx="1">
+        <a:scrgbClr r="0" g="0" b="0"/>
+      </a:fillRef>
+      <a:effectRef idx="0">
+        <a:scrgbClr r="0" g="0" b="0"/>
+      </a:effectRef>
+      <a:fontRef idx="minor"/>
+    </dgm:style>
+  </dgm:styleLbl>
+  <dgm:styleLbl name="fgAccFollowNode1">
+    <dgm:scene3d>
+      <a:camera prst="orthographicFront"/>
+      <a:lightRig rig="threePt" dir="t"/>
+    </dgm:scene3d>
+    <dgm:sp3d/>
+    <dgm:txPr/>
+    <dgm:style>
+      <a:lnRef idx="2">
+        <a:scrgbClr r="0" g="0" b="0"/>
+      </a:lnRef>
+      <a:fillRef idx="1">
+        <a:scrgbClr r="0" g="0" b="0"/>
+      </a:fillRef>
+      <a:effectRef idx="0">
+        <a:scrgbClr r="0" g="0" b="0"/>
+      </a:effectRef>
+      <a:fontRef idx="minor"/>
+    </dgm:style>
+  </dgm:styleLbl>
+  <dgm:styleLbl name="alignAccFollowNode1">
+    <dgm:scene3d>
+      <a:camera prst="orthographicFront"/>
+      <a:lightRig rig="threePt" dir="t"/>
+    </dgm:scene3d>
+    <dgm:sp3d/>
+    <dgm:txPr/>
+    <dgm:style>
+      <a:lnRef idx="2">
+        <a:scrgbClr r="0" g="0" b="0"/>
+      </a:lnRef>
+      <a:fillRef idx="1">
+        <a:scrgbClr r="0" g="0" b="0"/>
+      </a:fillRef>
+      <a:effectRef idx="0">
+        <a:scrgbClr r="0" g="0" b="0"/>
+      </a:effectRef>
+      <a:fontRef idx="minor"/>
+    </dgm:style>
+  </dgm:styleLbl>
+  <dgm:styleLbl name="bgAccFollowNode1">
+    <dgm:scene3d>
+      <a:camera prst="orthographicFront"/>
+      <a:lightRig rig="threePt" dir="t"/>
+    </dgm:scene3d>
+    <dgm:sp3d/>
+    <dgm:txPr/>
+    <dgm:style>
+      <a:lnRef idx="2">
+        <a:scrgbClr r="0" g="0" b="0"/>
+      </a:lnRef>
+      <a:fillRef idx="1">
+        <a:scrgbClr r="0" g="0" b="0"/>
+      </a:fillRef>
+      <a:effectRef idx="0">
+        <a:scrgbClr r="0" g="0" b="0"/>
+      </a:effectRef>
+      <a:fontRef idx="minor"/>
+    </dgm:style>
+  </dgm:styleLbl>
+  <dgm:styleLbl name="fgAcc0">
+    <dgm:scene3d>
+      <a:camera prst="orthographicFront"/>
+      <a:lightRig rig="threePt" dir="t"/>
+    </dgm:scene3d>
+    <dgm:sp3d/>
+    <dgm:txPr/>
+    <dgm:style>
+      <a:lnRef idx="2">
+        <a:scrgbClr r="0" g="0" b="0"/>
+      </a:lnRef>
+      <a:fillRef idx="1">
+        <a:scrgbClr r="0" g="0" b="0"/>
+      </a:fillRef>
+      <a:effectRef idx="0">
+        <a:scrgbClr r="0" g="0" b="0"/>
+      </a:effectRef>
+      <a:fontRef idx="minor"/>
+    </dgm:style>
+  </dgm:styleLbl>
+  <dgm:styleLbl name="fgAcc2">
+    <dgm:scene3d>
+      <a:camera prst="orthographicFront"/>
+      <a:lightRig rig="threePt" dir="t"/>
+    </dgm:scene3d>
+    <dgm:sp3d/>
+    <dgm:txPr/>
+    <dgm:style>
+      <a:lnRef idx="2">
+        <a:scrgbClr r="0" g="0" b="0"/>
+      </a:lnRef>
+      <a:fillRef idx="1">
+        <a:scrgbClr r="0" g="0" b="0"/>
+      </a:fillRef>
+      <a:effectRef idx="0">
+        <a:scrgbClr r="0" g="0" b="0"/>
+      </a:effectRef>
+      <a:fontRef idx="minor"/>
+    </dgm:style>
+  </dgm:styleLbl>
+  <dgm:styleLbl name="fgAcc3">
+    <dgm:scene3d>
+      <a:camera prst="orthographicFront"/>
+      <a:lightRig rig="threePt" dir="t"/>
+    </dgm:scene3d>
+    <dgm:sp3d/>
+    <dgm:txPr/>
+    <dgm:style>
+      <a:lnRef idx="2">
+        <a:scrgbClr r="0" g="0" b="0"/>
+      </a:lnRef>
+      <a:fillRef idx="1">
+        <a:scrgbClr r="0" g="0" b="0"/>
+      </a:fillRef>
+      <a:effectRef idx="0">
+        <a:scrgbClr r="0" g="0" b="0"/>
+      </a:effectRef>
+      <a:fontRef idx="minor"/>
+    </dgm:style>
+  </dgm:styleLbl>
+  <dgm:styleLbl name="fgAcc4">
+    <dgm:scene3d>
+      <a:camera prst="orthographicFront"/>
+      <a:lightRig rig="threePt" dir="t"/>
+    </dgm:scene3d>
+    <dgm:sp3d/>
+    <dgm:txPr/>
+    <dgm:style>
+      <a:lnRef idx="2">
+        <a:scrgbClr r="0" g="0" b="0"/>
+      </a:lnRef>
+      <a:fillRef idx="1">
+        <a:scrgbClr r="0" g="0" b="0"/>
+      </a:fillRef>
+      <a:effectRef idx="0">
+        <a:scrgbClr r="0" g="0" b="0"/>
+      </a:effectRef>
+      <a:fontRef idx="minor"/>
+    </dgm:style>
+  </dgm:styleLbl>
+  <dgm:styleLbl name="bgShp">
+    <dgm:scene3d>
+      <a:camera prst="orthographicFront"/>
+      <a:lightRig rig="threePt" dir="t"/>
+    </dgm:scene3d>
+    <dgm:sp3d/>
+    <dgm:txPr/>
+    <dgm:style>
+      <a:lnRef idx="0">
+        <a:scrgbClr r="0" g="0" b="0"/>
+      </a:lnRef>
+      <a:fillRef idx="1">
+        <a:scrgbClr r="0" g="0" b="0"/>
+      </a:fillRef>
+      <a:effectRef idx="0">
+        <a:scrgbClr r="0" g="0" b="0"/>
+      </a:effectRef>
+      <a:fontRef idx="minor"/>
+    </dgm:style>
+  </dgm:styleLbl>
+  <dgm:styleLbl name="dkBgShp">
+    <dgm:scene3d>
+      <a:camera prst="orthographicFront"/>
+      <a:lightRig rig="threePt" dir="t"/>
+    </dgm:scene3d>
+    <dgm:sp3d/>
+    <dgm:txPr/>
+    <dgm:style>
+      <a:lnRef idx="0">
+        <a:scrgbClr r="0" g="0" b="0"/>
+      </a:lnRef>
+      <a:fillRef idx="1">
+        <a:scrgbClr r="0" g="0" b="0"/>
+      </a:fillRef>
+      <a:effectRef idx="0">
+        <a:scrgbClr r="0" g="0" b="0"/>
+      </a:effectRef>
+      <a:fontRef idx="minor"/>
+    </dgm:style>
+  </dgm:styleLbl>
+  <dgm:styleLbl name="trBgShp">
+    <dgm:scene3d>
+      <a:camera prst="orthographicFront"/>
+      <a:lightRig rig="threePt" dir="t"/>
+    </dgm:scene3d>
+    <dgm:sp3d/>
+    <dgm:txPr/>
+    <dgm:style>
+      <a:lnRef idx="0">
+        <a:scrgbClr r="0" g="0" b="0"/>
+      </a:lnRef>
+      <a:fillRef idx="1">
+        <a:scrgbClr r="0" g="0" b="0"/>
+      </a:fillRef>
+      <a:effectRef idx="0">
+        <a:scrgbClr r="0" g="0" b="0"/>
+      </a:effectRef>
+      <a:fontRef idx="minor"/>
+    </dgm:style>
+  </dgm:styleLbl>
+  <dgm:styleLbl name="fgShp">
+    <dgm:scene3d>
+      <a:camera prst="orthographicFront"/>
+      <a:lightRig rig="threePt" dir="t"/>
+    </dgm:scene3d>
+    <dgm:sp3d/>
+    <dgm:txPr/>
+    <dgm:style>
+      <a:lnRef idx="2">
+        <a:scrgbClr r="0" g="0" b="0"/>
+      </a:lnRef>
+      <a:fillRef idx="1">
+        <a:scrgbClr r="0" g="0" b="0"/>
+      </a:fillRef>
+      <a:effectRef idx="0">
         <a:scrgbClr r="0" g="0" b="0"/>
       </a:effectRef>
       <a:fontRef idx="minor"/>
@@ -8233,7 +10190,7 @@
     </p:spTree>
     <p:extLst>
       <p:ext uri="{BB962C8B-B14F-4D97-AF65-F5344CB8AC3E}">
-        <p14:creationId xmlns:p14="http://schemas.microsoft.com/office/powerpoint/2010/main" val="2438967742"/>
+        <p14:creationId xmlns:p14="http://schemas.microsoft.com/office/powerpoint/2010/main" val="2222909348"/>
       </p:ext>
     </p:extLst>
   </p:cSld>
@@ -8317,7 +10274,7 @@
     </p:spTree>
     <p:extLst>
       <p:ext uri="{BB962C8B-B14F-4D97-AF65-F5344CB8AC3E}">
-        <p14:creationId xmlns:p14="http://schemas.microsoft.com/office/powerpoint/2010/main" val="2222909348"/>
+        <p14:creationId xmlns:p14="http://schemas.microsoft.com/office/powerpoint/2010/main" val="2438967742"/>
       </p:ext>
     </p:extLst>
   </p:cSld>
@@ -13950,6 +15907,584 @@
     <p:bg>
       <p:bgPr>
         <a:solidFill>
+          <a:schemeClr val="bg1"/>
+        </a:solidFill>
+        <a:effectLst/>
+      </p:bgPr>
+    </p:bg>
+    <p:spTree>
+      <p:nvGrpSpPr>
+        <p:cNvPr id="1" name=""/>
+        <p:cNvGrpSpPr/>
+        <p:nvPr/>
+      </p:nvGrpSpPr>
+      <p:grpSpPr>
+        <a:xfrm>
+          <a:off x="0" y="0"/>
+          <a:ext cx="0" cy="0"/>
+          <a:chOff x="0" y="0"/>
+          <a:chExt cx="0" cy="0"/>
+        </a:xfrm>
+      </p:grpSpPr>
+      <p:sp useBgFill="1">
+        <p:nvSpPr>
+          <p:cNvPr id="18" name="Rectángulo 17">
+            <a:extLst>
+              <a:ext uri="{FF2B5EF4-FFF2-40B4-BE49-F238E27FC236}">
+                <a16:creationId xmlns:a16="http://schemas.microsoft.com/office/drawing/2014/main" xmlns="" id="{0AF33C27-9C85-4B30-9AD7-879D48AFE4FF}"/>
+              </a:ext>
+              <a:ext uri="{C183D7F6-B498-43B3-948B-1728B52AA6E4}">
+                <adec:decorative xmlns:adec="http://schemas.microsoft.com/office/drawing/2017/decorative" xmlns="" val="1"/>
+              </a:ext>
+            </a:extLst>
+          </p:cNvPr>
+          <p:cNvSpPr>
+            <a:spLocks noGrp="1" noRot="1" noChangeAspect="1" noMove="1" noResize="1" noEditPoints="1" noAdjustHandles="1" noChangeArrowheads="1" noChangeShapeType="1" noTextEdit="1"/>
+          </p:cNvSpPr>
+          <p:nvPr>
+            <p:extLst>
+              <p:ext uri="{386F3935-93C4-4BCD-93E2-E3B085C9AB24}">
+                <p16:designElem xmlns:p16="http://schemas.microsoft.com/office/powerpoint/2015/main" xmlns="" val="1"/>
+              </p:ext>
+            </p:extLst>
+          </p:nvPr>
+        </p:nvSpPr>
+        <p:spPr>
+          <a:xfrm>
+            <a:off x="0" y="0"/>
+            <a:ext cx="12191999" cy="6858000"/>
+          </a:xfrm>
+          <a:prstGeom prst="rect">
+            <a:avLst/>
+          </a:prstGeom>
+          <a:ln>
+            <a:noFill/>
+          </a:ln>
+        </p:spPr>
+        <p:style>
+          <a:lnRef idx="2">
+            <a:schemeClr val="accent1">
+              <a:shade val="50000"/>
+            </a:schemeClr>
+          </a:lnRef>
+          <a:fillRef idx="1">
+            <a:schemeClr val="accent1"/>
+          </a:fillRef>
+          <a:effectRef idx="0">
+            <a:schemeClr val="accent1"/>
+          </a:effectRef>
+          <a:fontRef idx="minor">
+            <a:schemeClr val="lt1"/>
+          </a:fontRef>
+        </p:style>
+        <p:txBody>
+          <a:bodyPr rtlCol="0" anchor="ctr"/>
+          <a:lstStyle/>
+          <a:p>
+            <a:pPr algn="ctr" rtl="0"/>
+            <a:endParaRPr lang="es-ES" dirty="0"/>
+          </a:p>
+        </p:txBody>
+      </p:sp>
+      <p:sp>
+        <p:nvSpPr>
+          <p:cNvPr id="20" name="Rectángulo 19">
+            <a:extLst>
+              <a:ext uri="{FF2B5EF4-FFF2-40B4-BE49-F238E27FC236}">
+                <a16:creationId xmlns:a16="http://schemas.microsoft.com/office/drawing/2014/main" xmlns="" id="{6D5089DD-882D-4413-B8BF-4798BFD84A98}"/>
+              </a:ext>
+              <a:ext uri="{C183D7F6-B498-43B3-948B-1728B52AA6E4}">
+                <adec:decorative xmlns:adec="http://schemas.microsoft.com/office/drawing/2017/decorative" xmlns="" val="1"/>
+              </a:ext>
+            </a:extLst>
+          </p:cNvPr>
+          <p:cNvSpPr>
+            <a:spLocks noGrp="1" noRot="1" noChangeAspect="1" noMove="1" noResize="1" noEditPoints="1" noAdjustHandles="1" noChangeArrowheads="1" noChangeShapeType="1" noTextEdit="1"/>
+          </p:cNvSpPr>
+          <p:nvPr>
+            <p:extLst>
+              <p:ext uri="{386F3935-93C4-4BCD-93E2-E3B085C9AB24}">
+                <p16:designElem xmlns:p16="http://schemas.microsoft.com/office/powerpoint/2015/main" xmlns="" val="1"/>
+              </p:ext>
+            </p:extLst>
+          </p:nvPr>
+        </p:nvSpPr>
+        <p:spPr>
+          <a:xfrm>
+            <a:off x="7537704" y="0"/>
+            <a:ext cx="4654296" cy="6858000"/>
+          </a:xfrm>
+          <a:prstGeom prst="rect">
+            <a:avLst/>
+          </a:prstGeom>
+          <a:solidFill>
+            <a:schemeClr val="tx1">
+              <a:lumMod val="95000"/>
+              <a:lumOff val="5000"/>
+            </a:schemeClr>
+          </a:solidFill>
+          <a:ln>
+            <a:noFill/>
+          </a:ln>
+        </p:spPr>
+        <p:style>
+          <a:lnRef idx="2">
+            <a:schemeClr val="accent1">
+              <a:shade val="50000"/>
+            </a:schemeClr>
+          </a:lnRef>
+          <a:fillRef idx="1">
+            <a:schemeClr val="accent1"/>
+          </a:fillRef>
+          <a:effectRef idx="0">
+            <a:schemeClr val="accent1"/>
+          </a:effectRef>
+          <a:fontRef idx="minor">
+            <a:schemeClr val="lt1"/>
+          </a:fontRef>
+        </p:style>
+        <p:txBody>
+          <a:bodyPr rtlCol="0" anchor="ctr"/>
+          <a:lstStyle/>
+          <a:p>
+            <a:pPr algn="ctr" rtl="0"/>
+            <a:endParaRPr lang="es-ES" dirty="0"/>
+          </a:p>
+        </p:txBody>
+      </p:sp>
+      <p:sp>
+        <p:nvSpPr>
+          <p:cNvPr id="2" name="Título 1">
+            <a:extLst>
+              <a:ext uri="{FF2B5EF4-FFF2-40B4-BE49-F238E27FC236}">
+                <a16:creationId xmlns:a16="http://schemas.microsoft.com/office/drawing/2014/main" xmlns="" id="{8EB78894-19E5-4916-B37E-B4A80B9B8D52}"/>
+              </a:ext>
+            </a:extLst>
+          </p:cNvPr>
+          <p:cNvSpPr>
+            <a:spLocks noGrp="1"/>
+          </p:cNvSpPr>
+          <p:nvPr>
+            <p:ph type="title"/>
+          </p:nvPr>
+        </p:nvSpPr>
+        <p:spPr>
+          <a:xfrm>
+            <a:off x="8181171" y="2681103"/>
+            <a:ext cx="3363974" cy="1495794"/>
+          </a:xfrm>
+          <a:noFill/>
+          <a:ln>
+            <a:solidFill>
+              <a:srgbClr val="FFFFFF"/>
+            </a:solidFill>
+          </a:ln>
+          <a:effectLst>
+            <a:glow rad="152400">
+              <a:schemeClr val="bg1">
+                <a:alpha val="13000"/>
+              </a:schemeClr>
+            </a:glow>
+          </a:effectLst>
+        </p:spPr>
+        <p:txBody>
+          <a:bodyPr wrap="square" rtlCol="0">
+            <a:normAutofit/>
+          </a:bodyPr>
+          <a:lstStyle/>
+          <a:p>
+            <a:pPr rtl="0"/>
+            <a:r>
+              <a:rPr lang="uk-UA" dirty="0" smtClean="0">
+                <a:solidFill>
+                  <a:srgbClr val="FFFFFF"/>
+                </a:solidFill>
+              </a:rPr>
+              <a:t>проблеми</a:t>
+            </a:r>
+            <a:endParaRPr lang="es-ES" dirty="0">
+              <a:solidFill>
+                <a:srgbClr val="FFFFFF"/>
+              </a:solidFill>
+            </a:endParaRPr>
+          </a:p>
+        </p:txBody>
+      </p:sp>
+      <p:graphicFrame>
+        <p:nvGraphicFramePr>
+          <p:cNvPr id="4" name="Marcador de contenido 3"/>
+          <p:cNvGraphicFramePr>
+            <a:graphicFrameLocks noGrp="1"/>
+          </p:cNvGraphicFramePr>
+          <p:nvPr>
+            <p:ph idx="1"/>
+            <p:extLst>
+              <p:ext uri="{D42A27DB-BD31-4B8C-83A1-F6EECF244321}">
+                <p14:modId xmlns:p14="http://schemas.microsoft.com/office/powerpoint/2010/main" val="3258696107"/>
+              </p:ext>
+            </p:extLst>
+          </p:nvPr>
+        </p:nvGraphicFramePr>
+        <p:xfrm>
+          <a:off x="293484" y="1409392"/>
+          <a:ext cx="7129872" cy="3959021"/>
+        </p:xfrm>
+        <a:graphic>
+          <a:graphicData uri="http://schemas.openxmlformats.org/drawingml/2006/diagram">
+            <dgm:relIds xmlns:dgm="http://schemas.openxmlformats.org/drawingml/2006/diagram" xmlns:r="http://schemas.openxmlformats.org/officeDocument/2006/relationships" r:dm="rId3" r:lo="rId4" r:qs="rId5" r:cs="rId6"/>
+          </a:graphicData>
+        </a:graphic>
+      </p:graphicFrame>
+    </p:spTree>
+    <p:extLst>
+      <p:ext uri="{BB962C8B-B14F-4D97-AF65-F5344CB8AC3E}">
+        <p14:creationId xmlns:p14="http://schemas.microsoft.com/office/powerpoint/2010/main" val="4128952323"/>
+      </p:ext>
+    </p:extLst>
+  </p:cSld>
+  <p:clrMapOvr>
+    <a:masterClrMapping/>
+  </p:clrMapOvr>
+  <p:timing>
+    <p:tnLst>
+      <p:par>
+        <p:cTn id="1" dur="indefinite" restart="never" nodeType="tmRoot">
+          <p:childTnLst>
+            <p:seq concurrent="1" nextAc="seek">
+              <p:cTn id="2" dur="indefinite" nodeType="mainSeq">
+                <p:childTnLst>
+                  <p:par>
+                    <p:cTn id="3" fill="hold">
+                      <p:stCondLst>
+                        <p:cond delay="indefinite"/>
+                      </p:stCondLst>
+                      <p:childTnLst>
+                        <p:par>
+                          <p:cTn id="4" fill="hold">
+                            <p:stCondLst>
+                              <p:cond delay="0"/>
+                            </p:stCondLst>
+                            <p:childTnLst>
+                              <p:par>
+                                <p:cTn id="5" presetID="26" presetClass="entr" presetSubtype="0" fill="hold" grpId="0" nodeType="clickEffect">
+                                  <p:stCondLst>
+                                    <p:cond delay="0"/>
+                                  </p:stCondLst>
+                                  <p:childTnLst>
+                                    <p:set>
+                                      <p:cBhvr>
+                                        <p:cTn id="6" dur="1" fill="hold">
+                                          <p:stCondLst>
+                                            <p:cond delay="0"/>
+                                          </p:stCondLst>
+                                        </p:cTn>
+                                        <p:tgtEl>
+                                          <p:spTgt spid="4"/>
+                                        </p:tgtEl>
+                                        <p:attrNameLst>
+                                          <p:attrName>style.visibility</p:attrName>
+                                        </p:attrNameLst>
+                                      </p:cBhvr>
+                                      <p:to>
+                                        <p:strVal val="visible"/>
+                                      </p:to>
+                                    </p:set>
+                                    <p:animEffect transition="in" filter="wipe(down)">
+                                      <p:cBhvr>
+                                        <p:cTn id="7" dur="580">
+                                          <p:stCondLst>
+                                            <p:cond delay="0"/>
+                                          </p:stCondLst>
+                                        </p:cTn>
+                                        <p:tgtEl>
+                                          <p:spTgt spid="4"/>
+                                        </p:tgtEl>
+                                      </p:cBhvr>
+                                    </p:animEffect>
+                                    <p:anim calcmode="lin" valueType="num">
+                                      <p:cBhvr>
+                                        <p:cTn id="8" dur="1822" tmFilter="0,0; 0.14,0.36; 0.43,0.73; 0.71,0.91; 1.0,1.0">
+                                          <p:stCondLst>
+                                            <p:cond delay="0"/>
+                                          </p:stCondLst>
+                                        </p:cTn>
+                                        <p:tgtEl>
+                                          <p:spTgt spid="4"/>
+                                        </p:tgtEl>
+                                        <p:attrNameLst>
+                                          <p:attrName>ppt_x</p:attrName>
+                                        </p:attrNameLst>
+                                      </p:cBhvr>
+                                      <p:tavLst>
+                                        <p:tav tm="0">
+                                          <p:val>
+                                            <p:strVal val="#ppt_x-0.25"/>
+                                          </p:val>
+                                        </p:tav>
+                                        <p:tav tm="100000">
+                                          <p:val>
+                                            <p:strVal val="#ppt_x"/>
+                                          </p:val>
+                                        </p:tav>
+                                      </p:tavLst>
+                                    </p:anim>
+                                    <p:anim calcmode="lin" valueType="num">
+                                      <p:cBhvr>
+                                        <p:cTn id="9" dur="664" tmFilter="0.0,0.0; 0.25,0.07; 0.50,0.2; 0.75,0.467; 1.0,1.0">
+                                          <p:stCondLst>
+                                            <p:cond delay="0"/>
+                                          </p:stCondLst>
+                                        </p:cTn>
+                                        <p:tgtEl>
+                                          <p:spTgt spid="4"/>
+                                        </p:tgtEl>
+                                        <p:attrNameLst>
+                                          <p:attrName>ppt_y</p:attrName>
+                                        </p:attrNameLst>
+                                      </p:cBhvr>
+                                      <p:tavLst>
+                                        <p:tav tm="0" fmla="#ppt_y-sin(pi*$)/3">
+                                          <p:val>
+                                            <p:fltVal val="0.5"/>
+                                          </p:val>
+                                        </p:tav>
+                                        <p:tav tm="100000">
+                                          <p:val>
+                                            <p:fltVal val="1"/>
+                                          </p:val>
+                                        </p:tav>
+                                      </p:tavLst>
+                                    </p:anim>
+                                    <p:anim calcmode="lin" valueType="num">
+                                      <p:cBhvr>
+                                        <p:cTn id="10" dur="664" tmFilter="0, 0; 0.125,0.2665; 0.25,0.4; 0.375,0.465; 0.5,0.5;  0.625,0.535; 0.75,0.6; 0.875,0.7335; 1,1">
+                                          <p:stCondLst>
+                                            <p:cond delay="664"/>
+                                          </p:stCondLst>
+                                        </p:cTn>
+                                        <p:tgtEl>
+                                          <p:spTgt spid="4"/>
+                                        </p:tgtEl>
+                                        <p:attrNameLst>
+                                          <p:attrName>ppt_y</p:attrName>
+                                        </p:attrNameLst>
+                                      </p:cBhvr>
+                                      <p:tavLst>
+                                        <p:tav tm="0" fmla="#ppt_y-sin(pi*$)/9">
+                                          <p:val>
+                                            <p:fltVal val="0"/>
+                                          </p:val>
+                                        </p:tav>
+                                        <p:tav tm="100000">
+                                          <p:val>
+                                            <p:fltVal val="1"/>
+                                          </p:val>
+                                        </p:tav>
+                                      </p:tavLst>
+                                    </p:anim>
+                                    <p:anim calcmode="lin" valueType="num">
+                                      <p:cBhvr>
+                                        <p:cTn id="11" dur="332" tmFilter="0, 0; 0.125,0.2665; 0.25,0.4; 0.375,0.465; 0.5,0.5;  0.625,0.535; 0.75,0.6; 0.875,0.7335; 1,1">
+                                          <p:stCondLst>
+                                            <p:cond delay="1324"/>
+                                          </p:stCondLst>
+                                        </p:cTn>
+                                        <p:tgtEl>
+                                          <p:spTgt spid="4"/>
+                                        </p:tgtEl>
+                                        <p:attrNameLst>
+                                          <p:attrName>ppt_y</p:attrName>
+                                        </p:attrNameLst>
+                                      </p:cBhvr>
+                                      <p:tavLst>
+                                        <p:tav tm="0" fmla="#ppt_y-sin(pi*$)/27">
+                                          <p:val>
+                                            <p:fltVal val="0"/>
+                                          </p:val>
+                                        </p:tav>
+                                        <p:tav tm="100000">
+                                          <p:val>
+                                            <p:fltVal val="1"/>
+                                          </p:val>
+                                        </p:tav>
+                                      </p:tavLst>
+                                    </p:anim>
+                                    <p:anim calcmode="lin" valueType="num">
+                                      <p:cBhvr>
+                                        <p:cTn id="12" dur="164" tmFilter="0, 0; 0.125,0.2665; 0.25,0.4; 0.375,0.465; 0.5,0.5;  0.625,0.535; 0.75,0.6; 0.875,0.7335; 1,1">
+                                          <p:stCondLst>
+                                            <p:cond delay="1656"/>
+                                          </p:stCondLst>
+                                        </p:cTn>
+                                        <p:tgtEl>
+                                          <p:spTgt spid="4"/>
+                                        </p:tgtEl>
+                                        <p:attrNameLst>
+                                          <p:attrName>ppt_y</p:attrName>
+                                        </p:attrNameLst>
+                                      </p:cBhvr>
+                                      <p:tavLst>
+                                        <p:tav tm="0" fmla="#ppt_y-sin(pi*$)/81">
+                                          <p:val>
+                                            <p:fltVal val="0"/>
+                                          </p:val>
+                                        </p:tav>
+                                        <p:tav tm="100000">
+                                          <p:val>
+                                            <p:fltVal val="1"/>
+                                          </p:val>
+                                        </p:tav>
+                                      </p:tavLst>
+                                    </p:anim>
+                                    <p:animScale>
+                                      <p:cBhvr>
+                                        <p:cTn id="13" dur="26">
+                                          <p:stCondLst>
+                                            <p:cond delay="650"/>
+                                          </p:stCondLst>
+                                        </p:cTn>
+                                        <p:tgtEl>
+                                          <p:spTgt spid="4"/>
+                                        </p:tgtEl>
+                                      </p:cBhvr>
+                                      <p:to x="100000" y="60000"/>
+                                    </p:animScale>
+                                    <p:animScale>
+                                      <p:cBhvr>
+                                        <p:cTn id="14" dur="166" decel="50000">
+                                          <p:stCondLst>
+                                            <p:cond delay="676"/>
+                                          </p:stCondLst>
+                                        </p:cTn>
+                                        <p:tgtEl>
+                                          <p:spTgt spid="4"/>
+                                        </p:tgtEl>
+                                      </p:cBhvr>
+                                      <p:to x="100000" y="100000"/>
+                                    </p:animScale>
+                                    <p:animScale>
+                                      <p:cBhvr>
+                                        <p:cTn id="15" dur="26">
+                                          <p:stCondLst>
+                                            <p:cond delay="1312"/>
+                                          </p:stCondLst>
+                                        </p:cTn>
+                                        <p:tgtEl>
+                                          <p:spTgt spid="4"/>
+                                        </p:tgtEl>
+                                      </p:cBhvr>
+                                      <p:to x="100000" y="80000"/>
+                                    </p:animScale>
+                                    <p:animScale>
+                                      <p:cBhvr>
+                                        <p:cTn id="16" dur="166" decel="50000">
+                                          <p:stCondLst>
+                                            <p:cond delay="1338"/>
+                                          </p:stCondLst>
+                                        </p:cTn>
+                                        <p:tgtEl>
+                                          <p:spTgt spid="4"/>
+                                        </p:tgtEl>
+                                      </p:cBhvr>
+                                      <p:to x="100000" y="100000"/>
+                                    </p:animScale>
+                                    <p:animScale>
+                                      <p:cBhvr>
+                                        <p:cTn id="17" dur="26">
+                                          <p:stCondLst>
+                                            <p:cond delay="1642"/>
+                                          </p:stCondLst>
+                                        </p:cTn>
+                                        <p:tgtEl>
+                                          <p:spTgt spid="4"/>
+                                        </p:tgtEl>
+                                      </p:cBhvr>
+                                      <p:to x="100000" y="90000"/>
+                                    </p:animScale>
+                                    <p:animScale>
+                                      <p:cBhvr>
+                                        <p:cTn id="18" dur="166" decel="50000">
+                                          <p:stCondLst>
+                                            <p:cond delay="1668"/>
+                                          </p:stCondLst>
+                                        </p:cTn>
+                                        <p:tgtEl>
+                                          <p:spTgt spid="4"/>
+                                        </p:tgtEl>
+                                      </p:cBhvr>
+                                      <p:to x="100000" y="100000"/>
+                                    </p:animScale>
+                                    <p:animScale>
+                                      <p:cBhvr>
+                                        <p:cTn id="19" dur="26">
+                                          <p:stCondLst>
+                                            <p:cond delay="1808"/>
+                                          </p:stCondLst>
+                                        </p:cTn>
+                                        <p:tgtEl>
+                                          <p:spTgt spid="4"/>
+                                        </p:tgtEl>
+                                      </p:cBhvr>
+                                      <p:to x="100000" y="95000"/>
+                                    </p:animScale>
+                                    <p:animScale>
+                                      <p:cBhvr>
+                                        <p:cTn id="20" dur="166" decel="50000">
+                                          <p:stCondLst>
+                                            <p:cond delay="1834"/>
+                                          </p:stCondLst>
+                                        </p:cTn>
+                                        <p:tgtEl>
+                                          <p:spTgt spid="4"/>
+                                        </p:tgtEl>
+                                      </p:cBhvr>
+                                      <p:to x="100000" y="100000"/>
+                                    </p:animScale>
+                                  </p:childTnLst>
+                                </p:cTn>
+                              </p:par>
+                            </p:childTnLst>
+                          </p:cTn>
+                        </p:par>
+                      </p:childTnLst>
+                    </p:cTn>
+                  </p:par>
+                </p:childTnLst>
+              </p:cTn>
+              <p:prevCondLst>
+                <p:cond evt="onPrev" delay="0">
+                  <p:tgtEl>
+                    <p:sldTgt/>
+                  </p:tgtEl>
+                </p:cond>
+              </p:prevCondLst>
+              <p:nextCondLst>
+                <p:cond evt="onNext" delay="0">
+                  <p:tgtEl>
+                    <p:sldTgt/>
+                  </p:tgtEl>
+                </p:cond>
+              </p:nextCondLst>
+            </p:seq>
+          </p:childTnLst>
+        </p:cTn>
+      </p:par>
+    </p:tnLst>
+    <p:bldLst>
+      <p:bldGraphic spid="4" grpId="0">
+        <p:bldAsOne/>
+      </p:bldGraphic>
+    </p:bldLst>
+  </p:timing>
+</p:sld>
+</file>
+
+<file path=ppt/slides/slide5.xml><?xml version="1.0" encoding="utf-8"?>
+<p:sld xmlns:a="http://schemas.openxmlformats.org/drawingml/2006/main" xmlns:r="http://schemas.openxmlformats.org/officeDocument/2006/relationships" xmlns:p="http://schemas.openxmlformats.org/presentationml/2006/main">
+  <p:cSld>
+    <p:bg>
+      <p:bgPr>
+        <a:solidFill>
           <a:schemeClr val="tx1">
             <a:lumMod val="95000"/>
             <a:lumOff val="5000"/>
@@ -14728,13 +17263,13 @@
 </p:sld>
 </file>
 
-<file path=ppt/slides/slide5.xml><?xml version="1.0" encoding="utf-8"?>
+<file path=ppt/slides/slide6.xml><?xml version="1.0" encoding="utf-8"?>
 <p:sld xmlns:a="http://schemas.openxmlformats.org/drawingml/2006/main" xmlns:r="http://schemas.openxmlformats.org/officeDocument/2006/relationships" xmlns:p="http://schemas.openxmlformats.org/presentationml/2006/main">
   <p:cSld>
     <p:bg>
       <p:bgPr>
         <a:solidFill>
-          <a:schemeClr val="bg1"/>
+          <a:schemeClr val="tx1"/>
         </a:solidFill>
         <a:effectLst/>
       </p:bgPr>
@@ -14753,141 +17288,9 @@
           <a:chExt cx="0" cy="0"/>
         </a:xfrm>
       </p:grpSpPr>
-      <p:sp useBgFill="1">
-        <p:nvSpPr>
-          <p:cNvPr id="18" name="Rectángulo 17">
-            <a:extLst>
-              <a:ext uri="{FF2B5EF4-FFF2-40B4-BE49-F238E27FC236}">
-                <a16:creationId xmlns:a16="http://schemas.microsoft.com/office/drawing/2014/main" xmlns="" id="{0AF33C27-9C85-4B30-9AD7-879D48AFE4FF}"/>
-              </a:ext>
-              <a:ext uri="{C183D7F6-B498-43B3-948B-1728B52AA6E4}">
-                <adec:decorative xmlns:adec="http://schemas.microsoft.com/office/drawing/2017/decorative" xmlns="" val="1"/>
-              </a:ext>
-            </a:extLst>
-          </p:cNvPr>
-          <p:cNvSpPr>
-            <a:spLocks noGrp="1" noRot="1" noChangeAspect="1" noMove="1" noResize="1" noEditPoints="1" noAdjustHandles="1" noChangeArrowheads="1" noChangeShapeType="1" noTextEdit="1"/>
-          </p:cNvSpPr>
-          <p:nvPr>
-            <p:extLst>
-              <p:ext uri="{386F3935-93C4-4BCD-93E2-E3B085C9AB24}">
-                <p16:designElem xmlns:p16="http://schemas.microsoft.com/office/powerpoint/2015/main" xmlns="" val="1"/>
-              </p:ext>
-            </p:extLst>
-          </p:nvPr>
-        </p:nvSpPr>
-        <p:spPr>
-          <a:xfrm>
-            <a:off x="0" y="0"/>
-            <a:ext cx="12191999" cy="6858000"/>
-          </a:xfrm>
-          <a:prstGeom prst="rect">
-            <a:avLst/>
-          </a:prstGeom>
-          <a:ln>
-            <a:noFill/>
-          </a:ln>
-        </p:spPr>
-        <p:style>
-          <a:lnRef idx="2">
-            <a:schemeClr val="accent1">
-              <a:shade val="50000"/>
-            </a:schemeClr>
-          </a:lnRef>
-          <a:fillRef idx="1">
-            <a:schemeClr val="accent1"/>
-          </a:fillRef>
-          <a:effectRef idx="0">
-            <a:schemeClr val="accent1"/>
-          </a:effectRef>
-          <a:fontRef idx="minor">
-            <a:schemeClr val="lt1"/>
-          </a:fontRef>
-        </p:style>
-        <p:txBody>
-          <a:bodyPr rtlCol="0" anchor="ctr"/>
-          <a:lstStyle/>
-          <a:p>
-            <a:pPr algn="ctr" rtl="0"/>
-            <a:endParaRPr lang="es-ES" dirty="0"/>
-          </a:p>
-        </p:txBody>
-      </p:sp>
       <p:sp>
         <p:nvSpPr>
-          <p:cNvPr id="20" name="Rectángulo 19">
-            <a:extLst>
-              <a:ext uri="{FF2B5EF4-FFF2-40B4-BE49-F238E27FC236}">
-                <a16:creationId xmlns:a16="http://schemas.microsoft.com/office/drawing/2014/main" xmlns="" id="{6D5089DD-882D-4413-B8BF-4798BFD84A98}"/>
-              </a:ext>
-              <a:ext uri="{C183D7F6-B498-43B3-948B-1728B52AA6E4}">
-                <adec:decorative xmlns:adec="http://schemas.microsoft.com/office/drawing/2017/decorative" xmlns="" val="1"/>
-              </a:ext>
-            </a:extLst>
-          </p:cNvPr>
-          <p:cNvSpPr>
-            <a:spLocks noGrp="1" noRot="1" noChangeAspect="1" noMove="1" noResize="1" noEditPoints="1" noAdjustHandles="1" noChangeArrowheads="1" noChangeShapeType="1" noTextEdit="1"/>
-          </p:cNvSpPr>
-          <p:nvPr>
-            <p:extLst>
-              <p:ext uri="{386F3935-93C4-4BCD-93E2-E3B085C9AB24}">
-                <p16:designElem xmlns:p16="http://schemas.microsoft.com/office/powerpoint/2015/main" xmlns="" val="1"/>
-              </p:ext>
-            </p:extLst>
-          </p:nvPr>
-        </p:nvSpPr>
-        <p:spPr>
-          <a:xfrm>
-            <a:off x="7537704" y="0"/>
-            <a:ext cx="4654296" cy="6858000"/>
-          </a:xfrm>
-          <a:prstGeom prst="rect">
-            <a:avLst/>
-          </a:prstGeom>
-          <a:solidFill>
-            <a:schemeClr val="tx1">
-              <a:lumMod val="95000"/>
-              <a:lumOff val="5000"/>
-            </a:schemeClr>
-          </a:solidFill>
-          <a:ln>
-            <a:noFill/>
-          </a:ln>
-        </p:spPr>
-        <p:style>
-          <a:lnRef idx="2">
-            <a:schemeClr val="accent1">
-              <a:shade val="50000"/>
-            </a:schemeClr>
-          </a:lnRef>
-          <a:fillRef idx="1">
-            <a:schemeClr val="accent1"/>
-          </a:fillRef>
-          <a:effectRef idx="0">
-            <a:schemeClr val="accent1"/>
-          </a:effectRef>
-          <a:fontRef idx="minor">
-            <a:schemeClr val="lt1"/>
-          </a:fontRef>
-        </p:style>
-        <p:txBody>
-          <a:bodyPr rtlCol="0" anchor="ctr"/>
-          <a:lstStyle/>
-          <a:p>
-            <a:pPr algn="ctr" rtl="0"/>
-            <a:endParaRPr lang="es-ES" dirty="0"/>
-          </a:p>
-        </p:txBody>
-      </p:sp>
-      <p:sp>
-        <p:nvSpPr>
-          <p:cNvPr id="2" name="Título 1">
-            <a:extLst>
-              <a:ext uri="{FF2B5EF4-FFF2-40B4-BE49-F238E27FC236}">
-                <a16:creationId xmlns:a16="http://schemas.microsoft.com/office/drawing/2014/main" xmlns="" id="{8EB78894-19E5-4916-B37E-B4A80B9B8D52}"/>
-              </a:ext>
-            </a:extLst>
-          </p:cNvPr>
+          <p:cNvPr id="2" name="Título 1"/>
           <p:cNvSpPr>
             <a:spLocks noGrp="1"/>
           </p:cNvSpPr>
@@ -14897,76 +17300,69 @@
         </p:nvSpPr>
         <p:spPr>
           <a:xfrm>
-            <a:off x="8181171" y="2681103"/>
-            <a:ext cx="3363974" cy="1495794"/>
+            <a:off x="2231136" y="964692"/>
+            <a:ext cx="7729728" cy="4836340"/>
           </a:xfrm>
-          <a:noFill/>
-          <a:ln>
-            <a:solidFill>
-              <a:srgbClr val="FFFFFF"/>
-            </a:solidFill>
-          </a:ln>
-          <a:effectLst>
-            <a:glow rad="152400">
-              <a:schemeClr val="bg1">
-                <a:alpha val="13000"/>
-              </a:schemeClr>
-            </a:glow>
-          </a:effectLst>
+          <a:solidFill>
+            <a:srgbClr val="FFC000"/>
+          </a:solidFill>
         </p:spPr>
         <p:txBody>
-          <a:bodyPr wrap="square" rtlCol="0">
+          <a:bodyPr>
             <a:normAutofit/>
           </a:bodyPr>
           <a:lstStyle/>
           <a:p>
-            <a:pPr rtl="0"/>
             <a:r>
-              <a:rPr lang="es-ES" dirty="0">
+              <a:rPr lang="uk-UA" b="1" dirty="0" smtClean="0">
                 <a:solidFill>
-                  <a:srgbClr val="FFFFFF"/>
+                  <a:schemeClr val="bg1"/>
                 </a:solidFill>
               </a:rPr>
-              <a:t>Crecimiento de cartera</a:t>
+              <a:t>ДЯКУЄМО</a:t>
             </a:r>
+            <a:br>
+              <a:rPr lang="uk-UA" b="1" dirty="0" smtClean="0">
+                <a:solidFill>
+                  <a:schemeClr val="bg1"/>
+                </a:solidFill>
+              </a:rPr>
+            </a:br>
+            <a:r>
+              <a:rPr lang="uk-UA" b="1" dirty="0" smtClean="0">
+                <a:solidFill>
+                  <a:schemeClr val="bg1"/>
+                </a:solidFill>
+              </a:rPr>
+              <a:t>ЗА</a:t>
+            </a:r>
+            <a:br>
+              <a:rPr lang="uk-UA" b="1" dirty="0" smtClean="0">
+                <a:solidFill>
+                  <a:schemeClr val="bg1"/>
+                </a:solidFill>
+              </a:rPr>
+            </a:br>
+            <a:r>
+              <a:rPr lang="uk-UA" b="1" dirty="0" smtClean="0">
+                <a:solidFill>
+                  <a:schemeClr val="bg1"/>
+                </a:solidFill>
+              </a:rPr>
+              <a:t>УВАГУ!</a:t>
+            </a:r>
+            <a:endParaRPr lang="es-ES" b="1" dirty="0">
+              <a:solidFill>
+                <a:schemeClr val="bg1"/>
+              </a:solidFill>
+            </a:endParaRPr>
           </a:p>
         </p:txBody>
       </p:sp>
-      <p:graphicFrame>
-        <p:nvGraphicFramePr>
-          <p:cNvPr id="6" name="Marcador de contenido 5" descr="Gráfico de finanzas">
-            <a:extLst>
-              <a:ext uri="{FF2B5EF4-FFF2-40B4-BE49-F238E27FC236}">
-                <a16:creationId xmlns:a16="http://schemas.microsoft.com/office/drawing/2014/main" xmlns="" id="{553FBC4F-691A-471D-8ADC-EEE7AF67D66D}"/>
-              </a:ext>
-            </a:extLst>
-          </p:cNvPr>
-          <p:cNvGraphicFramePr>
-            <a:graphicFrameLocks noGrp="1"/>
-          </p:cNvGraphicFramePr>
-          <p:nvPr>
-            <p:ph idx="1"/>
-            <p:extLst>
-              <p:ext uri="{D42A27DB-BD31-4B8C-83A1-F6EECF244321}">
-                <p14:modId xmlns:p14="http://schemas.microsoft.com/office/powerpoint/2010/main" val="4278876526"/>
-              </p:ext>
-            </p:extLst>
-          </p:nvPr>
-        </p:nvGraphicFramePr>
-        <p:xfrm>
-          <a:off x="920750" y="965200"/>
-          <a:ext cx="5651500" cy="4968875"/>
-        </p:xfrm>
-        <a:graphic>
-          <a:graphicData uri="http://schemas.openxmlformats.org/drawingml/2006/chart">
-            <c:chart xmlns:c="http://schemas.openxmlformats.org/drawingml/2006/chart" xmlns:r="http://schemas.openxmlformats.org/officeDocument/2006/relationships" r:id="rId3"/>
-          </a:graphicData>
-        </a:graphic>
-      </p:graphicFrame>
     </p:spTree>
     <p:extLst>
       <p:ext uri="{BB962C8B-B14F-4D97-AF65-F5344CB8AC3E}">
-        <p14:creationId xmlns:p14="http://schemas.microsoft.com/office/powerpoint/2010/main" val="4128952323"/>
+        <p14:creationId xmlns:p14="http://schemas.microsoft.com/office/powerpoint/2010/main" val="1074017401"/>
       </p:ext>
     </p:extLst>
   </p:cSld>

--- a/interactive_helper/Interactive helper.pptx
+++ b/interactive_helper/Interactive helper.pptx
@@ -2877,7 +2877,7 @@
                 <a14:useLocalDpi xmlns:a14="http://schemas.microsoft.com/office/drawing/2010/main"/>
               </a:ext>
               <a:ext uri="{96DAC541-7B7A-43D3-8B79-37D633B846F1}">
-                <asvg:svgBlip xmlns:asvg="http://schemas.microsoft.com/office/drawing/2016/SVG/main" xmlns="" r:embed="rId2"/>
+                <asvg:svgBlip xmlns="" xmlns:asvg="http://schemas.microsoft.com/office/drawing/2016/SVG/main" r:embed="rId2"/>
               </a:ext>
             </a:extLst>
           </a:blip>
@@ -2989,7 +2989,7 @@
                 <a14:useLocalDpi xmlns:a14="http://schemas.microsoft.com/office/drawing/2010/main"/>
               </a:ext>
               <a:ext uri="{96DAC541-7B7A-43D3-8B79-37D633B846F1}">
-                <asvg:svgBlip xmlns:asvg="http://schemas.microsoft.com/office/drawing/2016/SVG/main" xmlns="" r:embed="rId4"/>
+                <asvg:svgBlip xmlns="" xmlns:asvg="http://schemas.microsoft.com/office/drawing/2016/SVG/main" r:embed="rId4"/>
               </a:ext>
             </a:extLst>
           </a:blip>
@@ -3101,7 +3101,7 @@
                 <a14:useLocalDpi xmlns:a14="http://schemas.microsoft.com/office/drawing/2010/main"/>
               </a:ext>
               <a:ext uri="{96DAC541-7B7A-43D3-8B79-37D633B846F1}">
-                <asvg:svgBlip xmlns:asvg="http://schemas.microsoft.com/office/drawing/2016/SVG/main" xmlns="" r:embed="rId6"/>
+                <asvg:svgBlip xmlns="" xmlns:asvg="http://schemas.microsoft.com/office/drawing/2016/SVG/main" r:embed="rId6"/>
               </a:ext>
             </a:extLst>
           </a:blip>
@@ -3155,13 +3155,13 @@
     </dgm:pt>
   </dgm:ptLst>
   <dgm:cxnLst>
+    <dgm:cxn modelId="{EB9839C5-F324-41C4-8950-5284E09FB71E}" srcId="{E1B432F4-5FDB-4518-9272-2F3934AC6AA2}" destId="{14BC708E-A0A1-4102-88E4-E75128B4E51E}" srcOrd="1" destOrd="0" parTransId="{CF221EFF-354A-47A9-A498-1F0BBF01ECB8}" sibTransId="{7519C821-85FB-4CA3-BEB5-E4BFBC529B83}"/>
+    <dgm:cxn modelId="{3E6B7CA5-EBA4-48C1-A48C-B9BCBCE8CF1E}" type="presOf" srcId="{14BC708E-A0A1-4102-88E4-E75128B4E51E}" destId="{80F6AD63-74FB-40E4-9D40-4178AFD87F60}" srcOrd="0" destOrd="0" presId="urn:microsoft.com/office/officeart/2018/2/layout/IconVerticalSolidList"/>
+    <dgm:cxn modelId="{56ADA02B-9055-4F39-B74D-2D556F11DDB6}" srcId="{E1B432F4-5FDB-4518-9272-2F3934AC6AA2}" destId="{B633A646-2062-4841-AF18-847B074C6716}" srcOrd="0" destOrd="0" parTransId="{DB4A5689-BD48-4D3D-8017-D1E3C49B0DDB}" sibTransId="{1397C75F-5FD8-4120-9A24-A246D042942B}"/>
     <dgm:cxn modelId="{EEAA52FF-E4A1-49BD-9B1E-000F5AABCD8E}" type="presOf" srcId="{B633A646-2062-4841-AF18-847B074C6716}" destId="{C95AF6F0-F4DA-48FE-85EB-61ADFB42AA13}" srcOrd="0" destOrd="0" presId="urn:microsoft.com/office/officeart/2018/2/layout/IconVerticalSolidList"/>
     <dgm:cxn modelId="{3905E0BC-71EE-4610-827E-655844CE3113}" type="presOf" srcId="{C6D21269-399B-4BA2-8621-C7B9DA1E1B8F}" destId="{D5847293-6F0A-4807-B203-585610F4F535}" srcOrd="0" destOrd="0" presId="urn:microsoft.com/office/officeart/2018/2/layout/IconVerticalSolidList"/>
-    <dgm:cxn modelId="{56ADA02B-9055-4F39-B74D-2D556F11DDB6}" srcId="{E1B432F4-5FDB-4518-9272-2F3934AC6AA2}" destId="{B633A646-2062-4841-AF18-847B074C6716}" srcOrd="0" destOrd="0" parTransId="{DB4A5689-BD48-4D3D-8017-D1E3C49B0DDB}" sibTransId="{1397C75F-5FD8-4120-9A24-A246D042942B}"/>
     <dgm:cxn modelId="{9C176326-2BDF-4E92-BD6C-4BCBC882ACEA}" type="presOf" srcId="{E1B432F4-5FDB-4518-9272-2F3934AC6AA2}" destId="{D40A0249-41A7-44A6-A657-361E8C18FD42}" srcOrd="0" destOrd="0" presId="urn:microsoft.com/office/officeart/2018/2/layout/IconVerticalSolidList"/>
     <dgm:cxn modelId="{E4AD895B-72A4-4A6B-A7F4-C77A53EC51BC}" srcId="{E1B432F4-5FDB-4518-9272-2F3934AC6AA2}" destId="{C6D21269-399B-4BA2-8621-C7B9DA1E1B8F}" srcOrd="2" destOrd="0" parTransId="{AA3929B3-1058-4240-AD5D-9518D4976567}" sibTransId="{C79B0F2C-DDB4-44EB-89F7-717146B88B10}"/>
-    <dgm:cxn modelId="{3E6B7CA5-EBA4-48C1-A48C-B9BCBCE8CF1E}" type="presOf" srcId="{14BC708E-A0A1-4102-88E4-E75128B4E51E}" destId="{80F6AD63-74FB-40E4-9D40-4178AFD87F60}" srcOrd="0" destOrd="0" presId="urn:microsoft.com/office/officeart/2018/2/layout/IconVerticalSolidList"/>
-    <dgm:cxn modelId="{EB9839C5-F324-41C4-8950-5284E09FB71E}" srcId="{E1B432F4-5FDB-4518-9272-2F3934AC6AA2}" destId="{14BC708E-A0A1-4102-88E4-E75128B4E51E}" srcOrd="1" destOrd="0" parTransId="{CF221EFF-354A-47A9-A498-1F0BBF01ECB8}" sibTransId="{7519C821-85FB-4CA3-BEB5-E4BFBC529B83}"/>
     <dgm:cxn modelId="{C3FF57AE-FB3C-49DE-82B3-0A61FA5DDA91}" type="presParOf" srcId="{D40A0249-41A7-44A6-A657-361E8C18FD42}" destId="{7D1F47A2-8F6C-4C7F-B3B3-2100C986DE32}" srcOrd="0" destOrd="0" presId="urn:microsoft.com/office/officeart/2018/2/layout/IconVerticalSolidList"/>
     <dgm:cxn modelId="{39AD4461-2A0A-410E-8C25-0B475A3D2CD5}" type="presParOf" srcId="{7D1F47A2-8F6C-4C7F-B3B3-2100C986DE32}" destId="{EC4D957C-BFAC-446D-9573-48333BEC34E6}" srcOrd="0" destOrd="0" presId="urn:microsoft.com/office/officeart/2018/2/layout/IconVerticalSolidList"/>
     <dgm:cxn modelId="{F9297396-8F77-4FD5-AAFB-AB3160B70B42}" type="presParOf" srcId="{7D1F47A2-8F6C-4C7F-B3B3-2100C986DE32}" destId="{BE6B2CCF-B717-4C6F-9115-44EF0ECE6018}" srcOrd="1" destOrd="0" presId="urn:microsoft.com/office/officeart/2018/2/layout/IconVerticalSolidList"/>
@@ -3321,8 +3321,8 @@
   </dgm:ptLst>
   <dgm:cxnLst>
     <dgm:cxn modelId="{63A57879-F5EB-460B-9BEB-3833FB163CDF}" type="presOf" srcId="{EB633A28-325E-4F3C-9D74-7B235343A885}" destId="{4194F495-0B49-4686-B89E-B97A23BB18B4}" srcOrd="0" destOrd="0" presId="urn:microsoft.com/office/officeart/2008/layout/CircleAccentTimeline"/>
+    <dgm:cxn modelId="{49B03CBE-4424-4043-9B0D-708057B949E7}" type="presOf" srcId="{BDB3E5F2-A63C-446D-94EF-53B51308F55B}" destId="{54C7621A-D6FD-4F3F-A78E-16DC33A75367}" srcOrd="0" destOrd="0" presId="urn:microsoft.com/office/officeart/2008/layout/CircleAccentTimeline"/>
     <dgm:cxn modelId="{E841B976-DDCA-4F3C-A228-DC6A3A9DCEE8}" srcId="{EB633A28-325E-4F3C-9D74-7B235343A885}" destId="{BDB3E5F2-A63C-446D-94EF-53B51308F55B}" srcOrd="0" destOrd="0" parTransId="{4DF81A4E-C143-4E1F-895C-805B7744E0C1}" sibTransId="{22693710-A273-4DE3-B56B-501EBF8AAC16}"/>
-    <dgm:cxn modelId="{49B03CBE-4424-4043-9B0D-708057B949E7}" type="presOf" srcId="{BDB3E5F2-A63C-446D-94EF-53B51308F55B}" destId="{54C7621A-D6FD-4F3F-A78E-16DC33A75367}" srcOrd="0" destOrd="0" presId="urn:microsoft.com/office/officeart/2008/layout/CircleAccentTimeline"/>
     <dgm:cxn modelId="{34F38B2B-5850-4AF2-843D-52E0758B3D31}" type="presParOf" srcId="{4194F495-0B49-4686-B89E-B97A23BB18B4}" destId="{72BA280D-2F57-47BB-AE67-6C6F9DCEF2B7}" srcOrd="0" destOrd="0" presId="urn:microsoft.com/office/officeart/2008/layout/CircleAccentTimeline"/>
     <dgm:cxn modelId="{A810E50A-FAB2-4567-B4C9-154D65186FBE}" type="presParOf" srcId="{72BA280D-2F57-47BB-AE67-6C6F9DCEF2B7}" destId="{A85A93E5-AB9A-439C-9142-AD5A4BFF47F6}" srcOrd="0" destOrd="0" presId="urn:microsoft.com/office/officeart/2008/layout/CircleAccentTimeline"/>
     <dgm:cxn modelId="{29101706-20B5-4788-BAAA-3323831DA6E0}" type="presParOf" srcId="{72BA280D-2F57-47BB-AE67-6C6F9DCEF2B7}" destId="{54C7621A-D6FD-4F3F-A78E-16DC33A75367}" srcOrd="1" destOrd="0" presId="urn:microsoft.com/office/officeart/2008/layout/CircleAccentTimeline"/>
@@ -3548,7 +3548,11 @@
         <a:p>
           <a:r>
             <a:rPr lang="uk-UA" dirty="0" smtClean="0"/>
-            <a:t>Зонійшний вигляд</a:t>
+            <a:t>Зовнійшний </a:t>
+          </a:r>
+          <a:r>
+            <a:rPr lang="uk-UA" dirty="0" smtClean="0"/>
+            <a:t>вигляд</a:t>
           </a:r>
           <a:endParaRPr lang="es-ES" dirty="0"/>
         </a:p>
@@ -3586,6 +3590,13 @@
         </dgm:presLayoutVars>
       </dgm:prSet>
       <dgm:spPr/>
+      <dgm:t>
+        <a:bodyPr/>
+        <a:lstStyle/>
+        <a:p>
+          <a:endParaRPr lang="es-ES"/>
+        </a:p>
+      </dgm:t>
     </dgm:pt>
     <dgm:pt modelId="{2BD2EB34-3E89-457E-9040-5E1739C3BFCF}" type="pres">
       <dgm:prSet presAssocID="{17B89B99-CA61-4092-8C2B-94099D7CF100}" presName="composite" presStyleCnt="0"/>
@@ -3600,6 +3611,13 @@
         </dgm:presLayoutVars>
       </dgm:prSet>
       <dgm:spPr/>
+      <dgm:t>
+        <a:bodyPr/>
+        <a:lstStyle/>
+        <a:p>
+          <a:endParaRPr lang="es-ES"/>
+        </a:p>
+      </dgm:t>
     </dgm:pt>
     <dgm:pt modelId="{DEBE231F-5C4D-4D6A-91BA-754BFF31EA58}" type="pres">
       <dgm:prSet presAssocID="{17B89B99-CA61-4092-8C2B-94099D7CF100}" presName="Childtext1" presStyleLbl="revTx" presStyleIdx="0" presStyleCnt="3">
@@ -3629,6 +3647,13 @@
     <dgm:pt modelId="{BFBA4DFD-5376-49BE-800A-F1A41CCF537D}" type="pres">
       <dgm:prSet presAssocID="{A72F7BDE-A90C-4E08-9BDB-B7174A075CBD}" presName="Accent1Text" presStyleLbl="node1" presStyleIdx="1" presStyleCnt="6"/>
       <dgm:spPr/>
+      <dgm:t>
+        <a:bodyPr/>
+        <a:lstStyle/>
+        <a:p>
+          <a:endParaRPr lang="es-ES"/>
+        </a:p>
+      </dgm:t>
     </dgm:pt>
     <dgm:pt modelId="{8D0EA937-17BF-4190-85A1-B8722199AB89}" type="pres">
       <dgm:prSet presAssocID="{A72F7BDE-A90C-4E08-9BDB-B7174A075CBD}" presName="spaceBetweenRectangles" presStyleCnt="0"/>
@@ -3647,6 +3672,13 @@
         </dgm:presLayoutVars>
       </dgm:prSet>
       <dgm:spPr/>
+      <dgm:t>
+        <a:bodyPr/>
+        <a:lstStyle/>
+        <a:p>
+          <a:endParaRPr lang="es-ES"/>
+        </a:p>
+      </dgm:t>
     </dgm:pt>
     <dgm:pt modelId="{810ACC16-4AAE-48E4-AEC0-54647FE42487}" type="pres">
       <dgm:prSet presAssocID="{6B560F5A-65C1-45B4-B9C2-871F5C7EA426}" presName="Childtext1" presStyleLbl="revTx" presStyleIdx="1" presStyleCnt="3">
@@ -3676,6 +3708,13 @@
     <dgm:pt modelId="{2B1BD86D-AE84-4FF4-818A-A204B799A6DF}" type="pres">
       <dgm:prSet presAssocID="{29DC3A9F-146E-4BC7-AE49-99302FA3F5A5}" presName="Accent1Text" presStyleLbl="node1" presStyleIdx="3" presStyleCnt="6"/>
       <dgm:spPr/>
+      <dgm:t>
+        <a:bodyPr/>
+        <a:lstStyle/>
+        <a:p>
+          <a:endParaRPr lang="es-ES"/>
+        </a:p>
+      </dgm:t>
     </dgm:pt>
     <dgm:pt modelId="{53A0A02F-D8BD-4E1D-98DB-F809578DF280}" type="pres">
       <dgm:prSet presAssocID="{29DC3A9F-146E-4BC7-AE49-99302FA3F5A5}" presName="spaceBetweenRectangles" presStyleCnt="0"/>
@@ -3694,6 +3733,13 @@
         </dgm:presLayoutVars>
       </dgm:prSet>
       <dgm:spPr/>
+      <dgm:t>
+        <a:bodyPr/>
+        <a:lstStyle/>
+        <a:p>
+          <a:endParaRPr lang="es-ES"/>
+        </a:p>
+      </dgm:t>
     </dgm:pt>
     <dgm:pt modelId="{1CBEE6C5-BFD4-4480-85CF-34585B2C9776}" type="pres">
       <dgm:prSet presAssocID="{0C46CC32-AD42-46D9-997D-411DB11575C4}" presName="Childtext1" presStyleLbl="revTx" presStyleIdx="2" presStyleCnt="3">
@@ -3723,6 +3769,13 @@
     <dgm:pt modelId="{2D53567F-B837-47BE-8AAC-DC696DC1110F}" type="pres">
       <dgm:prSet presAssocID="{4C55CC8C-8136-4341-BD66-6F2C5316259C}" presName="Accent1Text" presStyleLbl="node1" presStyleIdx="5" presStyleCnt="6"/>
       <dgm:spPr/>
+      <dgm:t>
+        <a:bodyPr/>
+        <a:lstStyle/>
+        <a:p>
+          <a:endParaRPr lang="es-ES"/>
+        </a:p>
+      </dgm:t>
     </dgm:pt>
   </dgm:ptLst>
   <dgm:cxnLst>
@@ -3735,8 +3788,8 @@
     <dgm:cxn modelId="{290D3D24-13B4-4C49-8FB1-4A2352F27D42}" type="presOf" srcId="{4C55CC8C-8136-4341-BD66-6F2C5316259C}" destId="{2D53567F-B837-47BE-8AAC-DC696DC1110F}" srcOrd="0" destOrd="0" presId="urn:microsoft.com/office/officeart/2008/layout/AlternatingHexagons"/>
     <dgm:cxn modelId="{FD3A2CBB-3581-4A1D-9718-C8DD4992828D}" srcId="{4D3A0B57-E5D1-4B2A-988A-30CBEED33BA4}" destId="{0C46CC32-AD42-46D9-997D-411DB11575C4}" srcOrd="2" destOrd="0" parTransId="{6359D04B-091F-4E44-A036-ACB694CAB6C9}" sibTransId="{4C55CC8C-8136-4341-BD66-6F2C5316259C}"/>
     <dgm:cxn modelId="{046872AD-839F-41DC-BA40-F4DEB6F8444D}" type="presOf" srcId="{17B89B99-CA61-4092-8C2B-94099D7CF100}" destId="{43D11EF4-C1DB-4D2C-95FC-6D630A6EA9B1}" srcOrd="0" destOrd="0" presId="urn:microsoft.com/office/officeart/2008/layout/AlternatingHexagons"/>
+    <dgm:cxn modelId="{596C2450-BF4C-42E2-9368-88E645A6EA4B}" type="presOf" srcId="{29DC3A9F-146E-4BC7-AE49-99302FA3F5A5}" destId="{2B1BD86D-AE84-4FF4-818A-A204B799A6DF}" srcOrd="0" destOrd="0" presId="urn:microsoft.com/office/officeart/2008/layout/AlternatingHexagons"/>
     <dgm:cxn modelId="{6B6F0C4E-522D-4FCF-B5DB-B4DB8E49E01F}" srcId="{0C46CC32-AD42-46D9-997D-411DB11575C4}" destId="{70D7A792-0D77-48A0-8395-3AC9C2DD42C0}" srcOrd="0" destOrd="0" parTransId="{23C2377F-7EC2-44A1-8646-BA3BAFB26551}" sibTransId="{605FB11E-9AF6-4ED5-A908-431C49053F50}"/>
-    <dgm:cxn modelId="{596C2450-BF4C-42E2-9368-88E645A6EA4B}" type="presOf" srcId="{29DC3A9F-146E-4BC7-AE49-99302FA3F5A5}" destId="{2B1BD86D-AE84-4FF4-818A-A204B799A6DF}" srcOrd="0" destOrd="0" presId="urn:microsoft.com/office/officeart/2008/layout/AlternatingHexagons"/>
     <dgm:cxn modelId="{2F681FB8-BCBE-4458-9179-978A649E0B28}" srcId="{4D3A0B57-E5D1-4B2A-988A-30CBEED33BA4}" destId="{17B89B99-CA61-4092-8C2B-94099D7CF100}" srcOrd="0" destOrd="0" parTransId="{A220667B-2310-4B89-84FE-68A83A9692FE}" sibTransId="{A72F7BDE-A90C-4E08-9BDB-B7174A075CBD}"/>
     <dgm:cxn modelId="{0AA465B0-E53A-4AC7-B58C-4C09E40997DE}" srcId="{4D3A0B57-E5D1-4B2A-988A-30CBEED33BA4}" destId="{6B560F5A-65C1-45B4-B9C2-871F5C7EA426}" srcOrd="1" destOrd="0" parTransId="{27749D92-AECB-4CE8-A622-A9A5BFB76305}" sibTransId="{29DC3A9F-146E-4BC7-AE49-99302FA3F5A5}"/>
     <dgm:cxn modelId="{76CD7AE7-1476-4FE8-A2EE-3F08CD99ECEC}" type="presOf" srcId="{E415BC1B-8C69-4028-B400-957800E00DBD}" destId="{DEBE231F-5C4D-4D6A-91BA-754BFF31EA58}" srcOrd="0" destOrd="0" presId="urn:microsoft.com/office/officeart/2008/layout/AlternatingHexagons"/>
@@ -3837,7 +3890,7 @@
                 <a14:useLocalDpi xmlns:a14="http://schemas.microsoft.com/office/drawing/2010/main"/>
               </a:ext>
               <a:ext uri="{96DAC541-7B7A-43D3-8B79-37D633B846F1}">
-                <asvg:svgBlip xmlns:asvg="http://schemas.microsoft.com/office/drawing/2016/SVG/main" xmlns="" r:embed="rId2"/>
+                <asvg:svgBlip xmlns="" xmlns:asvg="http://schemas.microsoft.com/office/drawing/2016/SVG/main" r:embed="rId2"/>
               </a:ext>
             </a:extLst>
           </a:blip>
@@ -4003,7 +4056,7 @@
                 <a14:useLocalDpi xmlns:a14="http://schemas.microsoft.com/office/drawing/2010/main"/>
               </a:ext>
               <a:ext uri="{96DAC541-7B7A-43D3-8B79-37D633B846F1}">
-                <asvg:svgBlip xmlns:asvg="http://schemas.microsoft.com/office/drawing/2016/SVG/main" xmlns="" r:embed="rId4"/>
+                <asvg:svgBlip xmlns="" xmlns:asvg="http://schemas.microsoft.com/office/drawing/2016/SVG/main" r:embed="rId4"/>
               </a:ext>
             </a:extLst>
           </a:blip>
@@ -4169,7 +4222,7 @@
                 <a14:useLocalDpi xmlns:a14="http://schemas.microsoft.com/office/drawing/2010/main"/>
               </a:ext>
               <a:ext uri="{96DAC541-7B7A-43D3-8B79-37D633B846F1}">
-                <asvg:svgBlip xmlns:asvg="http://schemas.microsoft.com/office/drawing/2016/SVG/main" xmlns="" r:embed="rId6"/>
+                <asvg:svgBlip xmlns="" xmlns:asvg="http://schemas.microsoft.com/office/drawing/2016/SVG/main" r:embed="rId6"/>
               </a:ext>
             </a:extLst>
           </a:blip>
@@ -4537,12 +4590,12 @@
         <a:fontRef idx="minor"/>
       </dsp:style>
       <dsp:txBody>
-        <a:bodyPr spcFirstLastPara="0" vert="horz" wrap="square" lIns="91440" tIns="91440" rIns="91440" bIns="91440" numCol="1" spcCol="1270" anchor="ctr" anchorCtr="0">
+        <a:bodyPr spcFirstLastPara="0" vert="horz" wrap="square" lIns="83820" tIns="83820" rIns="83820" bIns="83820" numCol="1" spcCol="1270" anchor="ctr" anchorCtr="0">
           <a:noAutofit/>
         </a:bodyPr>
         <a:lstStyle/>
         <a:p>
-          <a:pPr lvl="0" algn="l" defTabSz="1066800">
+          <a:pPr lvl="0" algn="l" defTabSz="977900">
             <a:lnSpc>
               <a:spcPct val="90000"/>
             </a:lnSpc>
@@ -4554,10 +4607,10 @@
             </a:spcAft>
           </a:pPr>
           <a:r>
-            <a:rPr lang="es-ES" sz="2400" kern="1200" dirty="0" err="1" smtClean="0"/>
+            <a:rPr lang="es-ES" sz="2200" kern="1200" dirty="0" err="1" smtClean="0"/>
             <a:t>GitHub</a:t>
           </a:r>
-          <a:endParaRPr lang="es-ES" sz="2400" kern="1200" dirty="0" smtClean="0"/>
+          <a:endParaRPr lang="es-ES" sz="2200" kern="1200" dirty="0" smtClean="0"/>
         </a:p>
       </dsp:txBody>
       <dsp:txXfrm>
@@ -4753,12 +4806,12 @@
         <a:fontRef idx="minor"/>
       </dsp:style>
       <dsp:txBody>
-        <a:bodyPr spcFirstLastPara="0" vert="horz" wrap="square" lIns="91440" tIns="91440" rIns="91440" bIns="91440" numCol="1" spcCol="1270" anchor="ctr" anchorCtr="0">
+        <a:bodyPr spcFirstLastPara="0" vert="horz" wrap="square" lIns="83820" tIns="83820" rIns="83820" bIns="83820" numCol="1" spcCol="1270" anchor="ctr" anchorCtr="0">
           <a:noAutofit/>
         </a:bodyPr>
         <a:lstStyle/>
         <a:p>
-          <a:pPr lvl="0" algn="r" defTabSz="1066800">
+          <a:pPr lvl="0" algn="r" defTabSz="977900">
             <a:lnSpc>
               <a:spcPct val="90000"/>
             </a:lnSpc>
@@ -4770,10 +4823,10 @@
             </a:spcAft>
           </a:pPr>
           <a:r>
-            <a:rPr lang="uk-UA" sz="2400" kern="1200" dirty="0" smtClean="0"/>
+            <a:rPr lang="uk-UA" sz="2200" kern="1200" dirty="0" smtClean="0"/>
             <a:t>База данних</a:t>
           </a:r>
-          <a:endParaRPr lang="es-ES" sz="2400" kern="1200" dirty="0"/>
+          <a:endParaRPr lang="es-ES" sz="2200" kern="1200" dirty="0"/>
         </a:p>
       </dsp:txBody>
       <dsp:txXfrm>
@@ -4969,12 +5022,12 @@
         <a:fontRef idx="minor"/>
       </dsp:style>
       <dsp:txBody>
-        <a:bodyPr spcFirstLastPara="0" vert="horz" wrap="square" lIns="91440" tIns="91440" rIns="91440" bIns="91440" numCol="1" spcCol="1270" anchor="ctr" anchorCtr="0">
+        <a:bodyPr spcFirstLastPara="0" vert="horz" wrap="square" lIns="83820" tIns="83820" rIns="83820" bIns="83820" numCol="1" spcCol="1270" anchor="ctr" anchorCtr="0">
           <a:noAutofit/>
         </a:bodyPr>
         <a:lstStyle/>
         <a:p>
-          <a:pPr lvl="0" algn="l" defTabSz="1066800">
+          <a:pPr lvl="0" algn="l" defTabSz="977900">
             <a:lnSpc>
               <a:spcPct val="90000"/>
             </a:lnSpc>
@@ -4986,10 +5039,14 @@
             </a:spcAft>
           </a:pPr>
           <a:r>
-            <a:rPr lang="uk-UA" sz="2400" kern="1200" dirty="0" smtClean="0"/>
-            <a:t>Зонійшний вигляд</a:t>
+            <a:rPr lang="uk-UA" sz="2200" kern="1200" dirty="0" smtClean="0"/>
+            <a:t>Зовнійшний </a:t>
           </a:r>
-          <a:endParaRPr lang="es-ES" sz="2400" kern="1200" dirty="0"/>
+          <a:r>
+            <a:rPr lang="uk-UA" sz="2200" kern="1200" dirty="0" smtClean="0"/>
+            <a:t>вигляд</a:t>
+          </a:r>
+          <a:endParaRPr lang="es-ES" sz="2200" kern="1200" dirty="0"/>
         </a:p>
       </dsp:txBody>
       <dsp:txXfrm>
@@ -5354,7 +5411,7 @@
   </dgm:layoutNode>
   <dgm:extLst>
     <a:ext uri="{68A01E43-0DF5-4B5B-8FA6-DAF915123BFB}">
-      <dgm1612:lstStyle xmlns:dgm1612="http://schemas.microsoft.com/office/drawing/2016/12/diagram" xmlns="">
+      <dgm1612:lstStyle xmlns="" xmlns:dgm1612="http://schemas.microsoft.com/office/drawing/2016/12/diagram">
         <a:lvl1pPr>
           <a:lnSpc>
             <a:spcPct val="100000"/>
@@ -9431,7 +9488,7 @@
           <a:p>
             <a:fld id="{9544EA90-306F-45C7-8AEA-F0890CB16039}" type="datetime1">
               <a:rPr lang="es-ES" smtClean="0"/>
-              <a:t>30/06/2024</a:t>
+              <a:t>01/07/2024</a:t>
             </a:fld>
             <a:endParaRPr lang="es-ES" dirty="0"/>
           </a:p>
@@ -9597,7 +9654,7 @@
             <a:fld id="{2DA2A226-B20B-4D06-8640-8814B3489581}" type="datetime1">
               <a:rPr lang="es-ES" smtClean="0"/>
               <a:pPr/>
-              <a:t>30/06/2024</a:t>
+              <a:t>01/07/2024</a:t>
             </a:fld>
             <a:endParaRPr lang="es-ES" dirty="0"/>
           </a:p>
@@ -10450,7 +10507,7 @@
             <a:pPr rtl="0"/>
             <a:fld id="{57471103-BF6F-4523-9C54-5778E416DB58}" type="datetime1">
               <a:rPr lang="es-ES" noProof="0" smtClean="0"/>
-              <a:t>30/06/2024</a:t>
+              <a:t>01/07/2024</a:t>
             </a:fld>
             <a:endParaRPr lang="es-ES" noProof="0" dirty="0"/>
           </a:p>
@@ -10628,7 +10685,7 @@
             <a:pPr rtl="0"/>
             <a:fld id="{61C921E0-F9B3-4702-8EC0-299925A79D98}" type="datetime1">
               <a:rPr lang="es-ES" noProof="0" smtClean="0"/>
-              <a:t>30/06/2024</a:t>
+              <a:t>01/07/2024</a:t>
             </a:fld>
             <a:endParaRPr lang="es-ES" noProof="0" dirty="0"/>
           </a:p>
@@ -10816,7 +10873,7 @@
             <a:pPr rtl="0"/>
             <a:fld id="{2178A963-0DBC-4F57-AC62-29DD17473BF1}" type="datetime1">
               <a:rPr lang="es-ES" noProof="0" smtClean="0"/>
-              <a:t>30/06/2024</a:t>
+              <a:t>01/07/2024</a:t>
             </a:fld>
             <a:endParaRPr lang="es-ES" noProof="0" dirty="0"/>
           </a:p>
@@ -10994,7 +11051,7 @@
             <a:pPr rtl="0"/>
             <a:fld id="{498DF8EB-855A-4C83-AF3D-50B349D4E538}" type="datetime1">
               <a:rPr lang="es-ES" noProof="0" smtClean="0"/>
-              <a:t>30/06/2024</a:t>
+              <a:t>01/07/2024</a:t>
             </a:fld>
             <a:endParaRPr lang="es-ES" noProof="0" dirty="0"/>
           </a:p>
@@ -11270,7 +11327,7 @@
             <a:pPr rtl="0"/>
             <a:fld id="{9E9B2C39-3850-493C-952C-ECB939438560}" type="datetime1">
               <a:rPr lang="es-ES" noProof="0" smtClean="0"/>
-              <a:t>30/06/2024</a:t>
+              <a:t>01/07/2024</a:t>
             </a:fld>
             <a:endParaRPr lang="es-ES" noProof="0" dirty="0"/>
           </a:p>
@@ -11510,7 +11567,7 @@
             <a:pPr rtl="0"/>
             <a:fld id="{1D5FC420-51AA-4FAF-95BB-30176D68DEE8}" type="datetime1">
               <a:rPr lang="es-ES" noProof="0" smtClean="0"/>
-              <a:t>30/06/2024</a:t>
+              <a:t>01/07/2024</a:t>
             </a:fld>
             <a:endParaRPr lang="es-ES" noProof="0" dirty="0"/>
           </a:p>
@@ -11876,7 +11933,7 @@
             <a:pPr rtl="0"/>
             <a:fld id="{98F8B10C-B5AA-496A-AB83-56DD82CCA5A4}" type="datetime1">
               <a:rPr lang="es-ES" noProof="0" smtClean="0"/>
-              <a:t>30/06/2024</a:t>
+              <a:t>01/07/2024</a:t>
             </a:fld>
             <a:endParaRPr lang="es-ES" noProof="0" dirty="0"/>
           </a:p>
@@ -12027,7 +12084,7 @@
             <a:pPr rtl="0"/>
             <a:fld id="{A5E055F8-74A9-4173-B5CF-879C893039BB}" type="datetime1">
               <a:rPr lang="es-ES" noProof="0" smtClean="0"/>
-              <a:t>30/06/2024</a:t>
+              <a:t>01/07/2024</a:t>
             </a:fld>
             <a:endParaRPr lang="es-ES" noProof="0" dirty="0"/>
           </a:p>
@@ -12129,7 +12186,7 @@
             <a:pPr rtl="0"/>
             <a:fld id="{26141DB3-9D6D-4B67-A217-70651BDEF77B}" type="datetime1">
               <a:rPr lang="es-ES" noProof="0" smtClean="0"/>
-              <a:t>30/06/2024</a:t>
+              <a:t>01/07/2024</a:t>
             </a:fld>
             <a:endParaRPr lang="es-ES" noProof="0" dirty="0"/>
           </a:p>
@@ -12494,7 +12551,7 @@
             <a:pPr rtl="0"/>
             <a:fld id="{3B2F7798-4E4E-464F-96F9-7EFD6F0AD4BD}" type="datetime1">
               <a:rPr lang="es-ES" noProof="0" smtClean="0"/>
-              <a:t>30/06/2024</a:t>
+              <a:t>01/07/2024</a:t>
             </a:fld>
             <a:endParaRPr lang="es-ES" noProof="0" dirty="0"/>
           </a:p>
@@ -12860,7 +12917,7 @@
             <a:pPr rtl="0"/>
             <a:fld id="{CB86E2E8-7102-4A1A-AF5B-45BB32A33A1B}" type="datetime1">
               <a:rPr lang="es-ES" noProof="0" smtClean="0"/>
-              <a:t>30/06/2024</a:t>
+              <a:t>01/07/2024</a:t>
             </a:fld>
             <a:endParaRPr lang="es-ES" noProof="0" dirty="0"/>
           </a:p>
@@ -13108,7 +13165,7 @@
             <a:pPr rtl="0"/>
             <a:fld id="{F9BA73C7-9371-4491-AB0C-39991AAC6058}" type="datetime1">
               <a:rPr lang="es-ES" noProof="0" smtClean="0"/>
-              <a:t>30/06/2024</a:t>
+              <a:t>01/07/2024</a:t>
             </a:fld>
             <a:endParaRPr lang="es-ES" noProof="0" dirty="0"/>
           </a:p>
@@ -13580,10 +13637,10 @@
           <p:cNvPr id="10" name="Rectángulo 9">
             <a:extLst>
               <a:ext uri="{FF2B5EF4-FFF2-40B4-BE49-F238E27FC236}">
-                <a16:creationId xmlns:a16="http://schemas.microsoft.com/office/drawing/2014/main" xmlns="" id="{6981E6A2-4656-4CFE-9BF4-39D81EE2CA9B}"/>
+                <a16:creationId xmlns="" xmlns:a16="http://schemas.microsoft.com/office/drawing/2014/main" id="{6981E6A2-4656-4CFE-9BF4-39D81EE2CA9B}"/>
               </a:ext>
               <a:ext uri="{C183D7F6-B498-43B3-948B-1728B52AA6E4}">
-                <adec:decorative xmlns:adec="http://schemas.microsoft.com/office/drawing/2017/decorative" xmlns="" val="1"/>
+                <adec:decorative xmlns="" xmlns:adec="http://schemas.microsoft.com/office/drawing/2017/decorative" val="1"/>
               </a:ext>
             </a:extLst>
           </p:cNvPr>
@@ -13593,7 +13650,7 @@
           <p:nvPr>
             <p:extLst>
               <p:ext uri="{386F3935-93C4-4BCD-93E2-E3B085C9AB24}">
-                <p16:designElem xmlns:p16="http://schemas.microsoft.com/office/powerpoint/2015/main" xmlns="" val="1"/>
+                <p16:designElem xmlns="" xmlns:p16="http://schemas.microsoft.com/office/powerpoint/2015/main" val="1"/>
               </p:ext>
             </p:extLst>
           </p:nvPr>
@@ -13675,7 +13732,7 @@
           <p:cNvPr id="2" name="Título 1">
             <a:extLst>
               <a:ext uri="{FF2B5EF4-FFF2-40B4-BE49-F238E27FC236}">
-                <a16:creationId xmlns:a16="http://schemas.microsoft.com/office/drawing/2014/main" xmlns="" id="{050E78D6-F072-48E7-8270-20EFBDD26F36}"/>
+                <a16:creationId xmlns="" xmlns:a16="http://schemas.microsoft.com/office/drawing/2014/main" id="{050E78D6-F072-48E7-8270-20EFBDD26F36}"/>
               </a:ext>
             </a:extLst>
           </p:cNvPr>
@@ -13725,7 +13782,7 @@
           <p:cNvPr id="3" name="Subtítulo 2">
             <a:extLst>
               <a:ext uri="{FF2B5EF4-FFF2-40B4-BE49-F238E27FC236}">
-                <a16:creationId xmlns:a16="http://schemas.microsoft.com/office/drawing/2014/main" xmlns="" id="{3FC7BD98-5486-489C-BAA0-A69CEFF691B3}"/>
+                <a16:creationId xmlns="" xmlns:a16="http://schemas.microsoft.com/office/drawing/2014/main" id="{3FC7BD98-5486-489C-BAA0-A69CEFF691B3}"/>
               </a:ext>
             </a:extLst>
           </p:cNvPr>
@@ -13769,7 +13826,7 @@
           <p:cNvPr id="5" name="Imagen 4" descr="Números comerciales de finanzas">
             <a:extLst>
               <a:ext uri="{FF2B5EF4-FFF2-40B4-BE49-F238E27FC236}">
-                <a16:creationId xmlns:a16="http://schemas.microsoft.com/office/drawing/2014/main" xmlns="" id="{112B9624-F8A1-4831-AE43-1D9E266CFF3E}"/>
+                <a16:creationId xmlns="" xmlns:a16="http://schemas.microsoft.com/office/drawing/2014/main" id="{112B9624-F8A1-4831-AE43-1D9E266CFF3E}"/>
               </a:ext>
             </a:extLst>
           </p:cNvPr>
@@ -14002,10 +14059,10 @@
           <p:cNvPr id="10" name="Rectángulo 9">
             <a:extLst>
               <a:ext uri="{FF2B5EF4-FFF2-40B4-BE49-F238E27FC236}">
-                <a16:creationId xmlns:a16="http://schemas.microsoft.com/office/drawing/2014/main" xmlns="" id="{93F0ADB5-A0B4-4B01-A8C4-FDC34CE22BD4}"/>
+                <a16:creationId xmlns="" xmlns:a16="http://schemas.microsoft.com/office/drawing/2014/main" id="{93F0ADB5-A0B4-4B01-A8C4-FDC34CE22BD4}"/>
               </a:ext>
               <a:ext uri="{C183D7F6-B498-43B3-948B-1728B52AA6E4}">
-                <adec:decorative xmlns:adec="http://schemas.microsoft.com/office/drawing/2017/decorative" xmlns="" val="1"/>
+                <adec:decorative xmlns="" xmlns:adec="http://schemas.microsoft.com/office/drawing/2017/decorative" val="1"/>
               </a:ext>
             </a:extLst>
           </p:cNvPr>
@@ -14015,7 +14072,7 @@
           <p:nvPr>
             <p:extLst>
               <p:ext uri="{386F3935-93C4-4BCD-93E2-E3B085C9AB24}">
-                <p16:designElem xmlns:p16="http://schemas.microsoft.com/office/powerpoint/2015/main" xmlns="" val="1"/>
+                <p16:designElem xmlns="" xmlns:p16="http://schemas.microsoft.com/office/powerpoint/2015/main" val="1"/>
               </p:ext>
             </p:extLst>
           </p:nvPr>
@@ -14062,10 +14119,10 @@
           <p:cNvPr id="12" name="Rectángulo 11">
             <a:extLst>
               <a:ext uri="{FF2B5EF4-FFF2-40B4-BE49-F238E27FC236}">
-                <a16:creationId xmlns:a16="http://schemas.microsoft.com/office/drawing/2014/main" xmlns="" id="{AA6D0FDE-0241-4C21-A720-A69475358235}"/>
+                <a16:creationId xmlns="" xmlns:a16="http://schemas.microsoft.com/office/drawing/2014/main" id="{AA6D0FDE-0241-4C21-A720-A69475358235}"/>
               </a:ext>
               <a:ext uri="{C183D7F6-B498-43B3-948B-1728B52AA6E4}">
-                <adec:decorative xmlns:adec="http://schemas.microsoft.com/office/drawing/2017/decorative" xmlns="" val="1"/>
+                <adec:decorative xmlns="" xmlns:adec="http://schemas.microsoft.com/office/drawing/2017/decorative" val="1"/>
               </a:ext>
             </a:extLst>
           </p:cNvPr>
@@ -14075,7 +14132,7 @@
           <p:nvPr>
             <p:extLst>
               <p:ext uri="{386F3935-93C4-4BCD-93E2-E3B085C9AB24}">
-                <p16:designElem xmlns:p16="http://schemas.microsoft.com/office/powerpoint/2015/main" xmlns="" val="1"/>
+                <p16:designElem xmlns="" xmlns:p16="http://schemas.microsoft.com/office/powerpoint/2015/main" val="1"/>
               </p:ext>
             </p:extLst>
           </p:nvPr>
@@ -14126,7 +14183,7 @@
           <p:cNvPr id="2" name="Título 1">
             <a:extLst>
               <a:ext uri="{FF2B5EF4-FFF2-40B4-BE49-F238E27FC236}">
-                <a16:creationId xmlns:a16="http://schemas.microsoft.com/office/drawing/2014/main" xmlns="" id="{9C9DE503-F7C2-4A40-83F4-4DE931E7D9DE}"/>
+                <a16:creationId xmlns="" xmlns:a16="http://schemas.microsoft.com/office/drawing/2014/main" id="{9C9DE503-F7C2-4A40-83F4-4DE931E7D9DE}"/>
               </a:ext>
             </a:extLst>
           </p:cNvPr>
@@ -14184,7 +14241,7 @@
           <p:cNvPr id="4" name="Imagen 3" descr="Números comerciales de finanzas">
             <a:extLst>
               <a:ext uri="{FF2B5EF4-FFF2-40B4-BE49-F238E27FC236}">
-                <a16:creationId xmlns:a16="http://schemas.microsoft.com/office/drawing/2014/main" xmlns="" id="{32F354A1-38C7-4598-A0E1-7A286A3019B8}"/>
+                <a16:creationId xmlns="" xmlns:a16="http://schemas.microsoft.com/office/drawing/2014/main" id="{32F354A1-38C7-4598-A0E1-7A286A3019B8}"/>
               </a:ext>
             </a:extLst>
           </p:cNvPr>
@@ -14219,7 +14276,7 @@
           <p:cNvPr id="5" name="Marcador de contenido 2" descr="Viñetas de icono">
             <a:extLst>
               <a:ext uri="{FF2B5EF4-FFF2-40B4-BE49-F238E27FC236}">
-                <a16:creationId xmlns:a16="http://schemas.microsoft.com/office/drawing/2014/main" xmlns="" id="{51938B4F-26EE-4238-880D-3CE26A7E4AED}"/>
+                <a16:creationId xmlns="" xmlns:a16="http://schemas.microsoft.com/office/drawing/2014/main" id="{51938B4F-26EE-4238-880D-3CE26A7E4AED}"/>
               </a:ext>
             </a:extLst>
           </p:cNvPr>
@@ -14414,10 +14471,10 @@
           <p:cNvPr id="18" name="Rectángulo 17">
             <a:extLst>
               <a:ext uri="{FF2B5EF4-FFF2-40B4-BE49-F238E27FC236}">
-                <a16:creationId xmlns:a16="http://schemas.microsoft.com/office/drawing/2014/main" xmlns="" id="{93F0ADB5-A0B4-4B01-A8C4-FDC34CE22BD4}"/>
+                <a16:creationId xmlns="" xmlns:a16="http://schemas.microsoft.com/office/drawing/2014/main" id="{93F0ADB5-A0B4-4B01-A8C4-FDC34CE22BD4}"/>
               </a:ext>
               <a:ext uri="{C183D7F6-B498-43B3-948B-1728B52AA6E4}">
-                <adec:decorative xmlns:adec="http://schemas.microsoft.com/office/drawing/2017/decorative" xmlns="" val="1"/>
+                <adec:decorative xmlns="" xmlns:adec="http://schemas.microsoft.com/office/drawing/2017/decorative" val="1"/>
               </a:ext>
             </a:extLst>
           </p:cNvPr>
@@ -14427,7 +14484,7 @@
           <p:nvPr>
             <p:extLst>
               <p:ext uri="{386F3935-93C4-4BCD-93E2-E3B085C9AB24}">
-                <p16:designElem xmlns:p16="http://schemas.microsoft.com/office/powerpoint/2015/main" xmlns="" val="1"/>
+                <p16:designElem xmlns="" xmlns:p16="http://schemas.microsoft.com/office/powerpoint/2015/main" val="1"/>
               </p:ext>
             </p:extLst>
           </p:nvPr>
@@ -14474,10 +14531,10 @@
           <p:cNvPr id="20" name="Rectángulo 19">
             <a:extLst>
               <a:ext uri="{FF2B5EF4-FFF2-40B4-BE49-F238E27FC236}">
-                <a16:creationId xmlns:a16="http://schemas.microsoft.com/office/drawing/2014/main" xmlns="" id="{AA6D0FDE-0241-4C21-A720-A69475358235}"/>
+                <a16:creationId xmlns="" xmlns:a16="http://schemas.microsoft.com/office/drawing/2014/main" id="{AA6D0FDE-0241-4C21-A720-A69475358235}"/>
               </a:ext>
               <a:ext uri="{C183D7F6-B498-43B3-948B-1728B52AA6E4}">
-                <adec:decorative xmlns:adec="http://schemas.microsoft.com/office/drawing/2017/decorative" xmlns="" val="1"/>
+                <adec:decorative xmlns="" xmlns:adec="http://schemas.microsoft.com/office/drawing/2017/decorative" val="1"/>
               </a:ext>
             </a:extLst>
           </p:cNvPr>
@@ -14487,7 +14544,7 @@
           <p:nvPr>
             <p:extLst>
               <p:ext uri="{386F3935-93C4-4BCD-93E2-E3B085C9AB24}">
-                <p16:designElem xmlns:p16="http://schemas.microsoft.com/office/powerpoint/2015/main" xmlns="" val="1"/>
+                <p16:designElem xmlns="" xmlns:p16="http://schemas.microsoft.com/office/powerpoint/2015/main" val="1"/>
               </p:ext>
             </p:extLst>
           </p:nvPr>
@@ -14538,7 +14595,7 @@
           <p:cNvPr id="2" name="Título 1">
             <a:extLst>
               <a:ext uri="{FF2B5EF4-FFF2-40B4-BE49-F238E27FC236}">
-                <a16:creationId xmlns:a16="http://schemas.microsoft.com/office/drawing/2014/main" xmlns="" id="{15115107-5DA3-4397-A1DA-67705DAE1EC2}"/>
+                <a16:creationId xmlns="" xmlns:a16="http://schemas.microsoft.com/office/drawing/2014/main" id="{15115107-5DA3-4397-A1DA-67705DAE1EC2}"/>
               </a:ext>
             </a:extLst>
           </p:cNvPr>
@@ -14597,7 +14654,7 @@
           <p:cNvPr id="12" name="Marcador de contenido 3" descr="Escala de tiempo circular">
             <a:extLst>
               <a:ext uri="{FF2B5EF4-FFF2-40B4-BE49-F238E27FC236}">
-                <a16:creationId xmlns:a16="http://schemas.microsoft.com/office/drawing/2014/main" xmlns="" id="{9472A840-E465-43FB-8B5F-6C6B0A0095C5}"/>
+                <a16:creationId xmlns="" xmlns:a16="http://schemas.microsoft.com/office/drawing/2014/main" id="{9472A840-E465-43FB-8B5F-6C6B0A0095C5}"/>
               </a:ext>
             </a:extLst>
           </p:cNvPr>
@@ -15049,8 +15106,8 @@
         </p:nvSpPr>
         <p:spPr>
           <a:xfrm>
-            <a:off x="9537290" y="5947734"/>
-            <a:ext cx="1640023" cy="369332"/>
+            <a:off x="9248249" y="6024191"/>
+            <a:ext cx="2218105" cy="369332"/>
           </a:xfrm>
           <a:prstGeom prst="rect">
             <a:avLst/>
@@ -15065,7 +15122,7 @@
           <a:p>
             <a:r>
               <a:rPr lang="uk-UA" b="1" dirty="0" smtClean="0"/>
-              <a:t>Андрій</a:t>
+              <a:t>Кобилочний Андрій</a:t>
             </a:r>
             <a:endParaRPr lang="es-ES" dirty="0">
               <a:effectLst/>
@@ -15931,10 +15988,10 @@
           <p:cNvPr id="18" name="Rectángulo 17">
             <a:extLst>
               <a:ext uri="{FF2B5EF4-FFF2-40B4-BE49-F238E27FC236}">
-                <a16:creationId xmlns:a16="http://schemas.microsoft.com/office/drawing/2014/main" xmlns="" id="{0AF33C27-9C85-4B30-9AD7-879D48AFE4FF}"/>
+                <a16:creationId xmlns="" xmlns:a16="http://schemas.microsoft.com/office/drawing/2014/main" id="{0AF33C27-9C85-4B30-9AD7-879D48AFE4FF}"/>
               </a:ext>
               <a:ext uri="{C183D7F6-B498-43B3-948B-1728B52AA6E4}">
-                <adec:decorative xmlns:adec="http://schemas.microsoft.com/office/drawing/2017/decorative" xmlns="" val="1"/>
+                <adec:decorative xmlns="" xmlns:adec="http://schemas.microsoft.com/office/drawing/2017/decorative" val="1"/>
               </a:ext>
             </a:extLst>
           </p:cNvPr>
@@ -15944,7 +16001,7 @@
           <p:nvPr>
             <p:extLst>
               <p:ext uri="{386F3935-93C4-4BCD-93E2-E3B085C9AB24}">
-                <p16:designElem xmlns:p16="http://schemas.microsoft.com/office/powerpoint/2015/main" xmlns="" val="1"/>
+                <p16:designElem xmlns="" xmlns:p16="http://schemas.microsoft.com/office/powerpoint/2015/main" val="1"/>
               </p:ext>
             </p:extLst>
           </p:nvPr>
@@ -15991,10 +16048,10 @@
           <p:cNvPr id="20" name="Rectángulo 19">
             <a:extLst>
               <a:ext uri="{FF2B5EF4-FFF2-40B4-BE49-F238E27FC236}">
-                <a16:creationId xmlns:a16="http://schemas.microsoft.com/office/drawing/2014/main" xmlns="" id="{6D5089DD-882D-4413-B8BF-4798BFD84A98}"/>
+                <a16:creationId xmlns="" xmlns:a16="http://schemas.microsoft.com/office/drawing/2014/main" id="{6D5089DD-882D-4413-B8BF-4798BFD84A98}"/>
               </a:ext>
               <a:ext uri="{C183D7F6-B498-43B3-948B-1728B52AA6E4}">
-                <adec:decorative xmlns:adec="http://schemas.microsoft.com/office/drawing/2017/decorative" xmlns="" val="1"/>
+                <adec:decorative xmlns="" xmlns:adec="http://schemas.microsoft.com/office/drawing/2017/decorative" val="1"/>
               </a:ext>
             </a:extLst>
           </p:cNvPr>
@@ -16004,7 +16061,7 @@
           <p:nvPr>
             <p:extLst>
               <p:ext uri="{386F3935-93C4-4BCD-93E2-E3B085C9AB24}">
-                <p16:designElem xmlns:p16="http://schemas.microsoft.com/office/powerpoint/2015/main" xmlns="" val="1"/>
+                <p16:designElem xmlns="" xmlns:p16="http://schemas.microsoft.com/office/powerpoint/2015/main" val="1"/>
               </p:ext>
             </p:extLst>
           </p:nvPr>
@@ -16057,7 +16114,7 @@
           <p:cNvPr id="2" name="Título 1">
             <a:extLst>
               <a:ext uri="{FF2B5EF4-FFF2-40B4-BE49-F238E27FC236}">
-                <a16:creationId xmlns:a16="http://schemas.microsoft.com/office/drawing/2014/main" xmlns="" id="{8EB78894-19E5-4916-B37E-B4A80B9B8D52}"/>
+                <a16:creationId xmlns="" xmlns:a16="http://schemas.microsoft.com/office/drawing/2014/main" id="{8EB78894-19E5-4916-B37E-B4A80B9B8D52}"/>
               </a:ext>
             </a:extLst>
           </p:cNvPr>
@@ -16089,7 +16146,7 @@
         </p:spPr>
         <p:txBody>
           <a:bodyPr wrap="square" rtlCol="0">
-            <a:normAutofit/>
+            <a:normAutofit fontScale="90000"/>
           </a:bodyPr>
           <a:lstStyle/>
           <a:p>
@@ -16100,7 +16157,45 @@
                   <a:srgbClr val="FFFFFF"/>
                 </a:solidFill>
               </a:rPr>
-              <a:t>проблеми</a:t>
+              <a:t>Проблеми</a:t>
+            </a:r>
+            <a:br>
+              <a:rPr lang="uk-UA" dirty="0" smtClean="0">
+                <a:solidFill>
+                  <a:srgbClr val="FFFFFF"/>
+                </a:solidFill>
+              </a:rPr>
+            </a:br>
+            <a:r>
+              <a:rPr lang="es-ES" dirty="0" smtClean="0">
+                <a:solidFill>
+                  <a:srgbClr val="FFFFFF"/>
+                </a:solidFill>
+              </a:rPr>
+              <a:t>/</a:t>
+            </a:r>
+            <a:r>
+              <a:rPr lang="uk-UA" dirty="0" smtClean="0">
+                <a:solidFill>
+                  <a:srgbClr val="FFFFFF"/>
+                </a:solidFill>
+              </a:rPr>
+              <a:t/>
+            </a:r>
+            <a:br>
+              <a:rPr lang="uk-UA" dirty="0" smtClean="0">
+                <a:solidFill>
+                  <a:srgbClr val="FFFFFF"/>
+                </a:solidFill>
+              </a:rPr>
+            </a:br>
+            <a:r>
+              <a:rPr lang="uk-UA" dirty="0" smtClean="0">
+                <a:solidFill>
+                  <a:srgbClr val="FFFFFF"/>
+                </a:solidFill>
+              </a:rPr>
+              <a:t>складнощі</a:t>
             </a:r>
             <a:endParaRPr lang="es-ES" dirty="0">
               <a:solidFill>
@@ -16120,7 +16215,7 @@
             <p:ph idx="1"/>
             <p:extLst>
               <p:ext uri="{D42A27DB-BD31-4B8C-83A1-F6EECF244321}">
-                <p14:modId xmlns:p14="http://schemas.microsoft.com/office/powerpoint/2010/main" val="3258696107"/>
+                <p14:modId xmlns:p14="http://schemas.microsoft.com/office/powerpoint/2010/main" val="3274943434"/>
               </p:ext>
             </p:extLst>
           </p:nvPr>
@@ -16512,7 +16607,7 @@
           <p:cNvPr id="2" name="Título 1">
             <a:extLst>
               <a:ext uri="{FF2B5EF4-FFF2-40B4-BE49-F238E27FC236}">
-                <a16:creationId xmlns:a16="http://schemas.microsoft.com/office/drawing/2014/main" xmlns="" id="{51F70220-677A-411B-B416-94321A555329}"/>
+                <a16:creationId xmlns="" xmlns:a16="http://schemas.microsoft.com/office/drawing/2014/main" id="{51F70220-677A-411B-B416-94321A555329}"/>
               </a:ext>
             </a:extLst>
           </p:cNvPr>
@@ -16571,7 +16666,7 @@
           <p:cNvPr id="4" name="Imagen 3" descr="Mano con bolígrafo que apunta a números financieros">
             <a:extLst>
               <a:ext uri="{FF2B5EF4-FFF2-40B4-BE49-F238E27FC236}">
-                <a16:creationId xmlns:a16="http://schemas.microsoft.com/office/drawing/2014/main" xmlns="" id="{AB2E0BE0-B684-4228-A4DF-58C8CAFFDF47}"/>
+                <a16:creationId xmlns="" xmlns:a16="http://schemas.microsoft.com/office/drawing/2014/main" id="{AB2E0BE0-B684-4228-A4DF-58C8CAFFDF47}"/>
               </a:ext>
             </a:extLst>
           </p:cNvPr>
@@ -16606,7 +16701,7 @@
           <p:cNvPr id="3" name="Marcador de contenido 2">
             <a:extLst>
               <a:ext uri="{FF2B5EF4-FFF2-40B4-BE49-F238E27FC236}">
-                <a16:creationId xmlns:a16="http://schemas.microsoft.com/office/drawing/2014/main" xmlns="" id="{667D1328-A694-4327-A93A-3D919FD65B27}"/>
+                <a16:creationId xmlns="" xmlns:a16="http://schemas.microsoft.com/office/drawing/2014/main" id="{667D1328-A694-4327-A93A-3D919FD65B27}"/>
               </a:ext>
             </a:extLst>
           </p:cNvPr>
@@ -18162,12 +18257,11 @@
 </file>
 
 <file path=customXml/item1.xml><?xml version="1.0" encoding="utf-8"?>
-<?mso-contentType ?>
-<FormTemplates xmlns="http://schemas.microsoft.com/sharepoint/v3/contenttype/forms">
-  <Display>DocumentLibraryForm</Display>
-  <Edit>DocumentLibraryForm</Edit>
-  <New>DocumentLibraryForm</New>
-</FormTemplates>
+<p:properties xmlns:p="http://schemas.microsoft.com/office/2006/metadata/properties" xmlns:xsi="http://www.w3.org/2001/XMLSchema-instance" xmlns:pc="http://schemas.microsoft.com/office/infopath/2007/PartnerControls">
+  <documentManagement>
+    <MediaServiceKeyPoints xmlns="71af3243-3dd4-4a8d-8c0d-dd76da1f02a5" xsi:nil="true"/>
+  </documentManagement>
+</p:properties>
 </file>
 
 <file path=customXml/item2.xml><?xml version="1.0" encoding="utf-8"?>
@@ -18382,17 +18476,20 @@
 </file>
 
 <file path=customXml/item3.xml><?xml version="1.0" encoding="utf-8"?>
-<p:properties xmlns:p="http://schemas.microsoft.com/office/2006/metadata/properties" xmlns:xsi="http://www.w3.org/2001/XMLSchema-instance" xmlns:pc="http://schemas.microsoft.com/office/infopath/2007/PartnerControls">
-  <documentManagement>
-    <MediaServiceKeyPoints xmlns="71af3243-3dd4-4a8d-8c0d-dd76da1f02a5" xsi:nil="true"/>
-  </documentManagement>
-</p:properties>
+<?mso-contentType ?>
+<FormTemplates xmlns="http://schemas.microsoft.com/sharepoint/v3/contenttype/forms">
+  <Display>DocumentLibraryForm</Display>
+  <Edit>DocumentLibraryForm</Edit>
+  <New>DocumentLibraryForm</New>
+</FormTemplates>
 </file>
 
 <file path=customXml/itemProps1.xml><?xml version="1.0" encoding="utf-8"?>
-<ds:datastoreItem xmlns:ds="http://schemas.openxmlformats.org/officeDocument/2006/customXml" ds:itemID="{3E17AD15-0DEB-4851-82A2-261C041346DD}">
+<ds:datastoreItem xmlns:ds="http://schemas.openxmlformats.org/officeDocument/2006/customXml" ds:itemID="{620ED59B-F67D-4B99-A0A7-E5237FF58100}">
   <ds:schemaRefs>
-    <ds:schemaRef ds:uri="http://schemas.microsoft.com/sharepoint/v3/contenttype/forms"/>
+    <ds:schemaRef ds:uri="http://schemas.microsoft.com/office/2006/metadata/properties"/>
+    <ds:schemaRef ds:uri="http://schemas.microsoft.com/office/infopath/2007/PartnerControls"/>
+    <ds:schemaRef ds:uri="71af3243-3dd4-4a8d-8c0d-dd76da1f02a5"/>
   </ds:schemaRefs>
 </ds:datastoreItem>
 </file>
@@ -18417,11 +18514,9 @@
 </file>
 
 <file path=customXml/itemProps3.xml><?xml version="1.0" encoding="utf-8"?>
-<ds:datastoreItem xmlns:ds="http://schemas.openxmlformats.org/officeDocument/2006/customXml" ds:itemID="{620ED59B-F67D-4B99-A0A7-E5237FF58100}">
+<ds:datastoreItem xmlns:ds="http://schemas.openxmlformats.org/officeDocument/2006/customXml" ds:itemID="{3E17AD15-0DEB-4851-82A2-261C041346DD}">
   <ds:schemaRefs>
-    <ds:schemaRef ds:uri="http://schemas.microsoft.com/office/2006/metadata/properties"/>
-    <ds:schemaRef ds:uri="http://schemas.microsoft.com/office/infopath/2007/PartnerControls"/>
-    <ds:schemaRef ds:uri="71af3243-3dd4-4a8d-8c0d-dd76da1f02a5"/>
+    <ds:schemaRef ds:uri="http://schemas.microsoft.com/sharepoint/v3/contenttype/forms"/>
   </ds:schemaRefs>
 </ds:datastoreItem>
 </file>